--- a/第92部_出版/表紙.pptx
+++ b/第92部_出版/表紙.pptx
@@ -7,6 +7,7 @@
   <p:sldIdLst>
     <p:sldId id="256" r:id="rId2"/>
     <p:sldId id="257" r:id="rId3"/>
+    <p:sldId id="258" r:id="rId4"/>
   </p:sldIdLst>
   <p:sldSz cx="12192000" cy="6858000"/>
   <p:notesSz cx="6858000" cy="9144000"/>
@@ -105,6 +106,11 @@
       </a:defRPr>
     </a:lvl9pPr>
   </p:defaultTextStyle>
+  <p:extLst>
+    <p:ext uri="{EFAFB233-063F-42B5-8137-9DF3F51BA10A}">
+      <p15:sldGuideLst xmlns:p15="http://schemas.microsoft.com/office/powerpoint/2012/main"/>
+    </p:ext>
+  </p:extLst>
 </p:presentation>
 </file>
 
@@ -255,7 +261,7 @@
           <a:p>
             <a:fld id="{46AC13D0-A629-480B-90E8-EE3BD739D065}" type="datetimeFigureOut">
               <a:rPr kumimoji="1" lang="ja-JP" altLang="en-US" smtClean="0"/>
-              <a:t>2024/1/14</a:t>
+              <a:t>2024/1/15</a:t>
             </a:fld>
             <a:endParaRPr kumimoji="1" lang="ja-JP" altLang="en-US"/>
           </a:p>
@@ -485,7 +491,7 @@
           <a:p>
             <a:fld id="{46AC13D0-A629-480B-90E8-EE3BD739D065}" type="datetimeFigureOut">
               <a:rPr kumimoji="1" lang="ja-JP" altLang="en-US" smtClean="0"/>
-              <a:t>2024/1/14</a:t>
+              <a:t>2024/1/15</a:t>
             </a:fld>
             <a:endParaRPr kumimoji="1" lang="ja-JP" altLang="en-US"/>
           </a:p>
@@ -725,7 +731,7 @@
           <a:p>
             <a:fld id="{46AC13D0-A629-480B-90E8-EE3BD739D065}" type="datetimeFigureOut">
               <a:rPr kumimoji="1" lang="ja-JP" altLang="en-US" smtClean="0"/>
-              <a:t>2024/1/14</a:t>
+              <a:t>2024/1/15</a:t>
             </a:fld>
             <a:endParaRPr kumimoji="1" lang="ja-JP" altLang="en-US"/>
           </a:p>
@@ -955,7 +961,7 @@
           <a:p>
             <a:fld id="{46AC13D0-A629-480B-90E8-EE3BD739D065}" type="datetimeFigureOut">
               <a:rPr kumimoji="1" lang="ja-JP" altLang="en-US" smtClean="0"/>
-              <a:t>2024/1/14</a:t>
+              <a:t>2024/1/15</a:t>
             </a:fld>
             <a:endParaRPr kumimoji="1" lang="ja-JP" altLang="en-US"/>
           </a:p>
@@ -1230,7 +1236,7 @@
           <a:p>
             <a:fld id="{46AC13D0-A629-480B-90E8-EE3BD739D065}" type="datetimeFigureOut">
               <a:rPr kumimoji="1" lang="ja-JP" altLang="en-US" smtClean="0"/>
-              <a:t>2024/1/14</a:t>
+              <a:t>2024/1/15</a:t>
             </a:fld>
             <a:endParaRPr kumimoji="1" lang="ja-JP" altLang="en-US"/>
           </a:p>
@@ -1559,7 +1565,7 @@
           <a:p>
             <a:fld id="{46AC13D0-A629-480B-90E8-EE3BD739D065}" type="datetimeFigureOut">
               <a:rPr kumimoji="1" lang="ja-JP" altLang="en-US" smtClean="0"/>
-              <a:t>2024/1/14</a:t>
+              <a:t>2024/1/15</a:t>
             </a:fld>
             <a:endParaRPr kumimoji="1" lang="ja-JP" altLang="en-US"/>
           </a:p>
@@ -2035,7 +2041,7 @@
           <a:p>
             <a:fld id="{46AC13D0-A629-480B-90E8-EE3BD739D065}" type="datetimeFigureOut">
               <a:rPr kumimoji="1" lang="ja-JP" altLang="en-US" smtClean="0"/>
-              <a:t>2024/1/14</a:t>
+              <a:t>2024/1/15</a:t>
             </a:fld>
             <a:endParaRPr kumimoji="1" lang="ja-JP" altLang="en-US"/>
           </a:p>
@@ -2176,7 +2182,7 @@
           <a:p>
             <a:fld id="{46AC13D0-A629-480B-90E8-EE3BD739D065}" type="datetimeFigureOut">
               <a:rPr kumimoji="1" lang="ja-JP" altLang="en-US" smtClean="0"/>
-              <a:t>2024/1/14</a:t>
+              <a:t>2024/1/15</a:t>
             </a:fld>
             <a:endParaRPr kumimoji="1" lang="ja-JP" altLang="en-US"/>
           </a:p>
@@ -2289,7 +2295,7 @@
           <a:p>
             <a:fld id="{46AC13D0-A629-480B-90E8-EE3BD739D065}" type="datetimeFigureOut">
               <a:rPr kumimoji="1" lang="ja-JP" altLang="en-US" smtClean="0"/>
-              <a:t>2024/1/14</a:t>
+              <a:t>2024/1/15</a:t>
             </a:fld>
             <a:endParaRPr kumimoji="1" lang="ja-JP" altLang="en-US"/>
           </a:p>
@@ -2632,7 +2638,7 @@
           <a:p>
             <a:fld id="{46AC13D0-A629-480B-90E8-EE3BD739D065}" type="datetimeFigureOut">
               <a:rPr kumimoji="1" lang="ja-JP" altLang="en-US" smtClean="0"/>
-              <a:t>2024/1/14</a:t>
+              <a:t>2024/1/15</a:t>
             </a:fld>
             <a:endParaRPr kumimoji="1" lang="ja-JP" altLang="en-US"/>
           </a:p>
@@ -2920,7 +2926,7 @@
           <a:p>
             <a:fld id="{46AC13D0-A629-480B-90E8-EE3BD739D065}" type="datetimeFigureOut">
               <a:rPr kumimoji="1" lang="ja-JP" altLang="en-US" smtClean="0"/>
-              <a:t>2024/1/14</a:t>
+              <a:t>2024/1/15</a:t>
             </a:fld>
             <a:endParaRPr kumimoji="1" lang="ja-JP" altLang="en-US"/>
           </a:p>
@@ -3193,7 +3199,7 @@
           <a:p>
             <a:fld id="{46AC13D0-A629-480B-90E8-EE3BD739D065}" type="datetimeFigureOut">
               <a:rPr kumimoji="1" lang="ja-JP" altLang="en-US" smtClean="0"/>
-              <a:t>2024/1/14</a:t>
+              <a:t>2024/1/15</a:t>
             </a:fld>
             <a:endParaRPr kumimoji="1" lang="ja-JP" altLang="en-US"/>
           </a:p>
@@ -8799,6 +8805,2985 @@
 </p:sld>
 </file>
 
+<file path=ppt/slides/slide3.xml><?xml version="1.0" encoding="utf-8"?>
+<p:sld xmlns:a="http://schemas.openxmlformats.org/drawingml/2006/main" xmlns:r="http://schemas.openxmlformats.org/officeDocument/2006/relationships" xmlns:p="http://schemas.openxmlformats.org/presentationml/2006/main">
+  <p:cSld>
+    <p:spTree>
+      <p:nvGrpSpPr>
+        <p:cNvPr id="1" name=""/>
+        <p:cNvGrpSpPr/>
+        <p:nvPr/>
+      </p:nvGrpSpPr>
+      <p:grpSpPr>
+        <a:xfrm>
+          <a:off x="0" y="0"/>
+          <a:ext cx="0" cy="0"/>
+          <a:chOff x="0" y="0"/>
+          <a:chExt cx="0" cy="0"/>
+        </a:xfrm>
+      </p:grpSpPr>
+      <p:sp>
+        <p:nvSpPr>
+          <p:cNvPr id="3" name="字幕 2">
+            <a:extLst>
+              <a:ext uri="{FF2B5EF4-FFF2-40B4-BE49-F238E27FC236}">
+                <a16:creationId xmlns:a16="http://schemas.microsoft.com/office/drawing/2014/main" id="{C136AD5D-7948-E40A-A91A-31385371681F}"/>
+              </a:ext>
+            </a:extLst>
+          </p:cNvPr>
+          <p:cNvSpPr>
+            <a:spLocks noGrp="1"/>
+          </p:cNvSpPr>
+          <p:nvPr>
+            <p:ph type="subTitle" idx="1"/>
+          </p:nvPr>
+        </p:nvSpPr>
+        <p:spPr>
+          <a:xfrm>
+            <a:off x="-64220" y="20275"/>
+            <a:ext cx="6160220" cy="579004"/>
+          </a:xfrm>
+        </p:spPr>
+        <p:txBody>
+          <a:bodyPr>
+            <a:noAutofit/>
+          </a:bodyPr>
+          <a:lstStyle/>
+          <a:p>
+            <a:r>
+              <a:rPr lang="ja-JP" altLang="ja-JP" sz="6000" b="1" kern="100" dirty="0">
+                <a:effectLst/>
+                <a:latin typeface="AR P明朝体U" panose="020B0600010101010101" pitchFamily="50" charset="-128"/>
+                <a:ea typeface="AR P明朝体U" panose="020B0600010101010101" pitchFamily="50" charset="-128"/>
+                <a:cs typeface="Times New Roman" panose="02020603050405020304" pitchFamily="18" charset="0"/>
+              </a:rPr>
+              <a:t>つながる</a:t>
+            </a:r>
+          </a:p>
+        </p:txBody>
+      </p:sp>
+      <p:sp>
+        <p:nvSpPr>
+          <p:cNvPr id="4" name="字幕 2">
+            <a:extLst>
+              <a:ext uri="{FF2B5EF4-FFF2-40B4-BE49-F238E27FC236}">
+                <a16:creationId xmlns:a16="http://schemas.microsoft.com/office/drawing/2014/main" id="{A690AB6A-60B4-C9BF-9382-7036D242683D}"/>
+              </a:ext>
+            </a:extLst>
+          </p:cNvPr>
+          <p:cNvSpPr txBox="1">
+            <a:spLocks/>
+          </p:cNvSpPr>
+          <p:nvPr/>
+        </p:nvSpPr>
+        <p:spPr>
+          <a:xfrm>
+            <a:off x="-64221" y="908001"/>
+            <a:ext cx="6160223" cy="505825"/>
+          </a:xfrm>
+          <a:prstGeom prst="rect">
+            <a:avLst/>
+          </a:prstGeom>
+        </p:spPr>
+        <p:txBody>
+          <a:bodyPr vert="horz" lIns="91440" tIns="45720" rIns="91440" bIns="45720" rtlCol="0">
+            <a:noAutofit/>
+          </a:bodyPr>
+          <a:lstStyle>
+            <a:lvl1pPr marL="0" indent="0" algn="ctr" defTabSz="914400" rtl="0" eaLnBrk="1" latinLnBrk="0" hangingPunct="1">
+              <a:lnSpc>
+                <a:spcPct val="90000"/>
+              </a:lnSpc>
+              <a:spcBef>
+                <a:spcPts val="1000"/>
+              </a:spcBef>
+              <a:buFont typeface="Arial" panose="020B0604020202020204" pitchFamily="34" charset="0"/>
+              <a:buNone/>
+              <a:defRPr kumimoji="1" sz="2400" kern="1200">
+                <a:solidFill>
+                  <a:schemeClr val="tx1"/>
+                </a:solidFill>
+                <a:latin typeface="+mn-lt"/>
+                <a:ea typeface="+mn-ea"/>
+                <a:cs typeface="+mn-cs"/>
+              </a:defRPr>
+            </a:lvl1pPr>
+            <a:lvl2pPr marL="457200" indent="0" algn="ctr" defTabSz="914400" rtl="0" eaLnBrk="1" latinLnBrk="0" hangingPunct="1">
+              <a:lnSpc>
+                <a:spcPct val="90000"/>
+              </a:lnSpc>
+              <a:spcBef>
+                <a:spcPts val="500"/>
+              </a:spcBef>
+              <a:buFont typeface="Arial" panose="020B0604020202020204" pitchFamily="34" charset="0"/>
+              <a:buNone/>
+              <a:defRPr kumimoji="1" sz="2000" kern="1200">
+                <a:solidFill>
+                  <a:schemeClr val="tx1"/>
+                </a:solidFill>
+                <a:latin typeface="+mn-lt"/>
+                <a:ea typeface="+mn-ea"/>
+                <a:cs typeface="+mn-cs"/>
+              </a:defRPr>
+            </a:lvl2pPr>
+            <a:lvl3pPr marL="914400" indent="0" algn="ctr" defTabSz="914400" rtl="0" eaLnBrk="1" latinLnBrk="0" hangingPunct="1">
+              <a:lnSpc>
+                <a:spcPct val="90000"/>
+              </a:lnSpc>
+              <a:spcBef>
+                <a:spcPts val="500"/>
+              </a:spcBef>
+              <a:buFont typeface="Arial" panose="020B0604020202020204" pitchFamily="34" charset="0"/>
+              <a:buNone/>
+              <a:defRPr kumimoji="1" sz="1800" kern="1200">
+                <a:solidFill>
+                  <a:schemeClr val="tx1"/>
+                </a:solidFill>
+                <a:latin typeface="+mn-lt"/>
+                <a:ea typeface="+mn-ea"/>
+                <a:cs typeface="+mn-cs"/>
+              </a:defRPr>
+            </a:lvl3pPr>
+            <a:lvl4pPr marL="1371600" indent="0" algn="ctr" defTabSz="914400" rtl="0" eaLnBrk="1" latinLnBrk="0" hangingPunct="1">
+              <a:lnSpc>
+                <a:spcPct val="90000"/>
+              </a:lnSpc>
+              <a:spcBef>
+                <a:spcPts val="500"/>
+              </a:spcBef>
+              <a:buFont typeface="Arial" panose="020B0604020202020204" pitchFamily="34" charset="0"/>
+              <a:buNone/>
+              <a:defRPr kumimoji="1" sz="1600" kern="1200">
+                <a:solidFill>
+                  <a:schemeClr val="tx1"/>
+                </a:solidFill>
+                <a:latin typeface="+mn-lt"/>
+                <a:ea typeface="+mn-ea"/>
+                <a:cs typeface="+mn-cs"/>
+              </a:defRPr>
+            </a:lvl4pPr>
+            <a:lvl5pPr marL="1828800" indent="0" algn="ctr" defTabSz="914400" rtl="0" eaLnBrk="1" latinLnBrk="0" hangingPunct="1">
+              <a:lnSpc>
+                <a:spcPct val="90000"/>
+              </a:lnSpc>
+              <a:spcBef>
+                <a:spcPts val="500"/>
+              </a:spcBef>
+              <a:buFont typeface="Arial" panose="020B0604020202020204" pitchFamily="34" charset="0"/>
+              <a:buNone/>
+              <a:defRPr kumimoji="1" sz="1600" kern="1200">
+                <a:solidFill>
+                  <a:schemeClr val="tx1"/>
+                </a:solidFill>
+                <a:latin typeface="+mn-lt"/>
+                <a:ea typeface="+mn-ea"/>
+                <a:cs typeface="+mn-cs"/>
+              </a:defRPr>
+            </a:lvl5pPr>
+            <a:lvl6pPr marL="2286000" indent="0" algn="ctr" defTabSz="914400" rtl="0" eaLnBrk="1" latinLnBrk="0" hangingPunct="1">
+              <a:lnSpc>
+                <a:spcPct val="90000"/>
+              </a:lnSpc>
+              <a:spcBef>
+                <a:spcPts val="500"/>
+              </a:spcBef>
+              <a:buFont typeface="Arial" panose="020B0604020202020204" pitchFamily="34" charset="0"/>
+              <a:buNone/>
+              <a:defRPr kumimoji="1" sz="1600" kern="1200">
+                <a:solidFill>
+                  <a:schemeClr val="tx1"/>
+                </a:solidFill>
+                <a:latin typeface="+mn-lt"/>
+                <a:ea typeface="+mn-ea"/>
+                <a:cs typeface="+mn-cs"/>
+              </a:defRPr>
+            </a:lvl6pPr>
+            <a:lvl7pPr marL="2743200" indent="0" algn="ctr" defTabSz="914400" rtl="0" eaLnBrk="1" latinLnBrk="0" hangingPunct="1">
+              <a:lnSpc>
+                <a:spcPct val="90000"/>
+              </a:lnSpc>
+              <a:spcBef>
+                <a:spcPts val="500"/>
+              </a:spcBef>
+              <a:buFont typeface="Arial" panose="020B0604020202020204" pitchFamily="34" charset="0"/>
+              <a:buNone/>
+              <a:defRPr kumimoji="1" sz="1600" kern="1200">
+                <a:solidFill>
+                  <a:schemeClr val="tx1"/>
+                </a:solidFill>
+                <a:latin typeface="+mn-lt"/>
+                <a:ea typeface="+mn-ea"/>
+                <a:cs typeface="+mn-cs"/>
+              </a:defRPr>
+            </a:lvl7pPr>
+            <a:lvl8pPr marL="3200400" indent="0" algn="ctr" defTabSz="914400" rtl="0" eaLnBrk="1" latinLnBrk="0" hangingPunct="1">
+              <a:lnSpc>
+                <a:spcPct val="90000"/>
+              </a:lnSpc>
+              <a:spcBef>
+                <a:spcPts val="500"/>
+              </a:spcBef>
+              <a:buFont typeface="Arial" panose="020B0604020202020204" pitchFamily="34" charset="0"/>
+              <a:buNone/>
+              <a:defRPr kumimoji="1" sz="1600" kern="1200">
+                <a:solidFill>
+                  <a:schemeClr val="tx1"/>
+                </a:solidFill>
+                <a:latin typeface="+mn-lt"/>
+                <a:ea typeface="+mn-ea"/>
+                <a:cs typeface="+mn-cs"/>
+              </a:defRPr>
+            </a:lvl8pPr>
+            <a:lvl9pPr marL="3657600" indent="0" algn="ctr" defTabSz="914400" rtl="0" eaLnBrk="1" latinLnBrk="0" hangingPunct="1">
+              <a:lnSpc>
+                <a:spcPct val="90000"/>
+              </a:lnSpc>
+              <a:spcBef>
+                <a:spcPts val="500"/>
+              </a:spcBef>
+              <a:buFont typeface="Arial" panose="020B0604020202020204" pitchFamily="34" charset="0"/>
+              <a:buNone/>
+              <a:defRPr kumimoji="1" sz="1600" kern="1200">
+                <a:solidFill>
+                  <a:schemeClr val="tx1"/>
+                </a:solidFill>
+                <a:latin typeface="+mn-lt"/>
+                <a:ea typeface="+mn-ea"/>
+                <a:cs typeface="+mn-cs"/>
+              </a:defRPr>
+            </a:lvl9pPr>
+          </a:lstStyle>
+          <a:p>
+            <a:r>
+              <a:rPr lang="ja-JP" altLang="ja-JP" sz="6000" b="1" dirty="0">
+                <a:effectLst/>
+                <a:latin typeface="AR P明朝体U" panose="020B0600010101010101" pitchFamily="50" charset="-128"/>
+                <a:ea typeface="AR P明朝体U" panose="020B0600010101010101" pitchFamily="50" charset="-128"/>
+                <a:cs typeface="Times New Roman" panose="02020603050405020304" pitchFamily="18" charset="0"/>
+              </a:rPr>
+              <a:t>行政サービス</a:t>
+            </a:r>
+            <a:endParaRPr lang="ja-JP" altLang="ja-JP" sz="6000" b="1" kern="100" dirty="0">
+              <a:latin typeface="AR P明朝体U" panose="020B0600010101010101" pitchFamily="50" charset="-128"/>
+              <a:ea typeface="AR P明朝体U" panose="020B0600010101010101" pitchFamily="50" charset="-128"/>
+              <a:cs typeface="Times New Roman" panose="02020603050405020304" pitchFamily="18" charset="0"/>
+            </a:endParaRPr>
+          </a:p>
+        </p:txBody>
+      </p:sp>
+      <p:sp>
+        <p:nvSpPr>
+          <p:cNvPr id="5" name="字幕 2">
+            <a:extLst>
+              <a:ext uri="{FF2B5EF4-FFF2-40B4-BE49-F238E27FC236}">
+                <a16:creationId xmlns:a16="http://schemas.microsoft.com/office/drawing/2014/main" id="{58E7F2FF-C9B4-54BE-BC71-05ED491D9B9B}"/>
+              </a:ext>
+            </a:extLst>
+          </p:cNvPr>
+          <p:cNvSpPr txBox="1">
+            <a:spLocks/>
+          </p:cNvSpPr>
+          <p:nvPr/>
+        </p:nvSpPr>
+        <p:spPr>
+          <a:xfrm>
+            <a:off x="1142844" y="1852177"/>
+            <a:ext cx="3977795" cy="1230657"/>
+          </a:xfrm>
+          <a:prstGeom prst="rect">
+            <a:avLst/>
+          </a:prstGeom>
+        </p:spPr>
+        <p:txBody>
+          <a:bodyPr vert="horz" lIns="91440" tIns="45720" rIns="91440" bIns="45720" rtlCol="0">
+            <a:noAutofit/>
+          </a:bodyPr>
+          <a:lstStyle>
+            <a:lvl1pPr marL="0" indent="0" algn="ctr" defTabSz="914400" rtl="0" eaLnBrk="1" latinLnBrk="0" hangingPunct="1">
+              <a:lnSpc>
+                <a:spcPct val="90000"/>
+              </a:lnSpc>
+              <a:spcBef>
+                <a:spcPts val="1000"/>
+              </a:spcBef>
+              <a:buFont typeface="Arial" panose="020B0604020202020204" pitchFamily="34" charset="0"/>
+              <a:buNone/>
+              <a:defRPr kumimoji="1" sz="2400" kern="1200">
+                <a:solidFill>
+                  <a:schemeClr val="tx1"/>
+                </a:solidFill>
+                <a:latin typeface="+mn-lt"/>
+                <a:ea typeface="+mn-ea"/>
+                <a:cs typeface="+mn-cs"/>
+              </a:defRPr>
+            </a:lvl1pPr>
+            <a:lvl2pPr marL="457200" indent="0" algn="ctr" defTabSz="914400" rtl="0" eaLnBrk="1" latinLnBrk="0" hangingPunct="1">
+              <a:lnSpc>
+                <a:spcPct val="90000"/>
+              </a:lnSpc>
+              <a:spcBef>
+                <a:spcPts val="500"/>
+              </a:spcBef>
+              <a:buFont typeface="Arial" panose="020B0604020202020204" pitchFamily="34" charset="0"/>
+              <a:buNone/>
+              <a:defRPr kumimoji="1" sz="2000" kern="1200">
+                <a:solidFill>
+                  <a:schemeClr val="tx1"/>
+                </a:solidFill>
+                <a:latin typeface="+mn-lt"/>
+                <a:ea typeface="+mn-ea"/>
+                <a:cs typeface="+mn-cs"/>
+              </a:defRPr>
+            </a:lvl2pPr>
+            <a:lvl3pPr marL="914400" indent="0" algn="ctr" defTabSz="914400" rtl="0" eaLnBrk="1" latinLnBrk="0" hangingPunct="1">
+              <a:lnSpc>
+                <a:spcPct val="90000"/>
+              </a:lnSpc>
+              <a:spcBef>
+                <a:spcPts val="500"/>
+              </a:spcBef>
+              <a:buFont typeface="Arial" panose="020B0604020202020204" pitchFamily="34" charset="0"/>
+              <a:buNone/>
+              <a:defRPr kumimoji="1" sz="1800" kern="1200">
+                <a:solidFill>
+                  <a:schemeClr val="tx1"/>
+                </a:solidFill>
+                <a:latin typeface="+mn-lt"/>
+                <a:ea typeface="+mn-ea"/>
+                <a:cs typeface="+mn-cs"/>
+              </a:defRPr>
+            </a:lvl3pPr>
+            <a:lvl4pPr marL="1371600" indent="0" algn="ctr" defTabSz="914400" rtl="0" eaLnBrk="1" latinLnBrk="0" hangingPunct="1">
+              <a:lnSpc>
+                <a:spcPct val="90000"/>
+              </a:lnSpc>
+              <a:spcBef>
+                <a:spcPts val="500"/>
+              </a:spcBef>
+              <a:buFont typeface="Arial" panose="020B0604020202020204" pitchFamily="34" charset="0"/>
+              <a:buNone/>
+              <a:defRPr kumimoji="1" sz="1600" kern="1200">
+                <a:solidFill>
+                  <a:schemeClr val="tx1"/>
+                </a:solidFill>
+                <a:latin typeface="+mn-lt"/>
+                <a:ea typeface="+mn-ea"/>
+                <a:cs typeface="+mn-cs"/>
+              </a:defRPr>
+            </a:lvl4pPr>
+            <a:lvl5pPr marL="1828800" indent="0" algn="ctr" defTabSz="914400" rtl="0" eaLnBrk="1" latinLnBrk="0" hangingPunct="1">
+              <a:lnSpc>
+                <a:spcPct val="90000"/>
+              </a:lnSpc>
+              <a:spcBef>
+                <a:spcPts val="500"/>
+              </a:spcBef>
+              <a:buFont typeface="Arial" panose="020B0604020202020204" pitchFamily="34" charset="0"/>
+              <a:buNone/>
+              <a:defRPr kumimoji="1" sz="1600" kern="1200">
+                <a:solidFill>
+                  <a:schemeClr val="tx1"/>
+                </a:solidFill>
+                <a:latin typeface="+mn-lt"/>
+                <a:ea typeface="+mn-ea"/>
+                <a:cs typeface="+mn-cs"/>
+              </a:defRPr>
+            </a:lvl5pPr>
+            <a:lvl6pPr marL="2286000" indent="0" algn="ctr" defTabSz="914400" rtl="0" eaLnBrk="1" latinLnBrk="0" hangingPunct="1">
+              <a:lnSpc>
+                <a:spcPct val="90000"/>
+              </a:lnSpc>
+              <a:spcBef>
+                <a:spcPts val="500"/>
+              </a:spcBef>
+              <a:buFont typeface="Arial" panose="020B0604020202020204" pitchFamily="34" charset="0"/>
+              <a:buNone/>
+              <a:defRPr kumimoji="1" sz="1600" kern="1200">
+                <a:solidFill>
+                  <a:schemeClr val="tx1"/>
+                </a:solidFill>
+                <a:latin typeface="+mn-lt"/>
+                <a:ea typeface="+mn-ea"/>
+                <a:cs typeface="+mn-cs"/>
+              </a:defRPr>
+            </a:lvl6pPr>
+            <a:lvl7pPr marL="2743200" indent="0" algn="ctr" defTabSz="914400" rtl="0" eaLnBrk="1" latinLnBrk="0" hangingPunct="1">
+              <a:lnSpc>
+                <a:spcPct val="90000"/>
+              </a:lnSpc>
+              <a:spcBef>
+                <a:spcPts val="500"/>
+              </a:spcBef>
+              <a:buFont typeface="Arial" panose="020B0604020202020204" pitchFamily="34" charset="0"/>
+              <a:buNone/>
+              <a:defRPr kumimoji="1" sz="1600" kern="1200">
+                <a:solidFill>
+                  <a:schemeClr val="tx1"/>
+                </a:solidFill>
+                <a:latin typeface="+mn-lt"/>
+                <a:ea typeface="+mn-ea"/>
+                <a:cs typeface="+mn-cs"/>
+              </a:defRPr>
+            </a:lvl7pPr>
+            <a:lvl8pPr marL="3200400" indent="0" algn="ctr" defTabSz="914400" rtl="0" eaLnBrk="1" latinLnBrk="0" hangingPunct="1">
+              <a:lnSpc>
+                <a:spcPct val="90000"/>
+              </a:lnSpc>
+              <a:spcBef>
+                <a:spcPts val="500"/>
+              </a:spcBef>
+              <a:buFont typeface="Arial" panose="020B0604020202020204" pitchFamily="34" charset="0"/>
+              <a:buNone/>
+              <a:defRPr kumimoji="1" sz="1600" kern="1200">
+                <a:solidFill>
+                  <a:schemeClr val="tx1"/>
+                </a:solidFill>
+                <a:latin typeface="+mn-lt"/>
+                <a:ea typeface="+mn-ea"/>
+                <a:cs typeface="+mn-cs"/>
+              </a:defRPr>
+            </a:lvl8pPr>
+            <a:lvl9pPr marL="3657600" indent="0" algn="ctr" defTabSz="914400" rtl="0" eaLnBrk="1" latinLnBrk="0" hangingPunct="1">
+              <a:lnSpc>
+                <a:spcPct val="90000"/>
+              </a:lnSpc>
+              <a:spcBef>
+                <a:spcPts val="500"/>
+              </a:spcBef>
+              <a:buFont typeface="Arial" panose="020B0604020202020204" pitchFamily="34" charset="0"/>
+              <a:buNone/>
+              <a:defRPr kumimoji="1" sz="1600" kern="1200">
+                <a:solidFill>
+                  <a:schemeClr val="tx1"/>
+                </a:solidFill>
+                <a:latin typeface="+mn-lt"/>
+                <a:ea typeface="+mn-ea"/>
+                <a:cs typeface="+mn-cs"/>
+              </a:defRPr>
+            </a:lvl9pPr>
+          </a:lstStyle>
+          <a:p>
+            <a:r>
+              <a:rPr lang="ja-JP" altLang="en-US" sz="6000" b="1" dirty="0">
+                <a:effectLst/>
+                <a:latin typeface="AR P明朝体U" panose="020B0600010101010101" pitchFamily="50" charset="-128"/>
+                <a:ea typeface="AR P明朝体U" panose="020B0600010101010101" pitchFamily="50" charset="-128"/>
+                <a:cs typeface="Times New Roman" panose="02020603050405020304" pitchFamily="18" charset="0"/>
+              </a:rPr>
+              <a:t>１</a:t>
+            </a:r>
+            <a:r>
+              <a:rPr lang="en-US" altLang="ja-JP" sz="6000" b="1" dirty="0">
+                <a:effectLst/>
+                <a:latin typeface="AR P明朝体U" panose="020B0600010101010101" pitchFamily="50" charset="-128"/>
+                <a:ea typeface="AR P明朝体U" panose="020B0600010101010101" pitchFamily="50" charset="-128"/>
+                <a:cs typeface="Times New Roman" panose="02020603050405020304" pitchFamily="18" charset="0"/>
+              </a:rPr>
+              <a:t>.</a:t>
+            </a:r>
+            <a:r>
+              <a:rPr lang="ja-JP" altLang="en-US" sz="6000" b="1" dirty="0">
+                <a:effectLst/>
+                <a:latin typeface="AR P明朝体U" panose="020B0600010101010101" pitchFamily="50" charset="-128"/>
+                <a:ea typeface="AR P明朝体U" panose="020B0600010101010101" pitchFamily="50" charset="-128"/>
+                <a:cs typeface="Times New Roman" panose="02020603050405020304" pitchFamily="18" charset="0"/>
+              </a:rPr>
+              <a:t>０</a:t>
+            </a:r>
+            <a:endParaRPr lang="ja-JP" altLang="ja-JP" sz="6000" b="1" kern="100" dirty="0">
+              <a:latin typeface="AR P明朝体U" panose="020B0600010101010101" pitchFamily="50" charset="-128"/>
+              <a:ea typeface="AR P明朝体U" panose="020B0600010101010101" pitchFamily="50" charset="-128"/>
+              <a:cs typeface="Times New Roman" panose="02020603050405020304" pitchFamily="18" charset="0"/>
+            </a:endParaRPr>
+          </a:p>
+        </p:txBody>
+      </p:sp>
+      <p:sp>
+        <p:nvSpPr>
+          <p:cNvPr id="6" name="字幕 2">
+            <a:extLst>
+              <a:ext uri="{FF2B5EF4-FFF2-40B4-BE49-F238E27FC236}">
+                <a16:creationId xmlns:a16="http://schemas.microsoft.com/office/drawing/2014/main" id="{D0B08DF5-6F4E-8CF3-7384-B2C4FC338298}"/>
+              </a:ext>
+            </a:extLst>
+          </p:cNvPr>
+          <p:cNvSpPr txBox="1">
+            <a:spLocks/>
+          </p:cNvSpPr>
+          <p:nvPr/>
+        </p:nvSpPr>
+        <p:spPr>
+          <a:xfrm>
+            <a:off x="1142845" y="2866324"/>
+            <a:ext cx="3746090" cy="678328"/>
+          </a:xfrm>
+          <a:prstGeom prst="rect">
+            <a:avLst/>
+          </a:prstGeom>
+        </p:spPr>
+        <p:txBody>
+          <a:bodyPr vert="horz" lIns="91440" tIns="45720" rIns="91440" bIns="45720" rtlCol="0">
+            <a:normAutofit lnSpcReduction="10000"/>
+          </a:bodyPr>
+          <a:lstStyle>
+            <a:lvl1pPr marL="0" indent="0" algn="ctr" defTabSz="914400" rtl="0" eaLnBrk="1" latinLnBrk="0" hangingPunct="1">
+              <a:lnSpc>
+                <a:spcPct val="90000"/>
+              </a:lnSpc>
+              <a:spcBef>
+                <a:spcPts val="1000"/>
+              </a:spcBef>
+              <a:buFont typeface="Arial" panose="020B0604020202020204" pitchFamily="34" charset="0"/>
+              <a:buNone/>
+              <a:defRPr kumimoji="1" sz="2400" kern="1200">
+                <a:solidFill>
+                  <a:schemeClr val="tx1"/>
+                </a:solidFill>
+                <a:latin typeface="+mn-lt"/>
+                <a:ea typeface="+mn-ea"/>
+                <a:cs typeface="+mn-cs"/>
+              </a:defRPr>
+            </a:lvl1pPr>
+            <a:lvl2pPr marL="457200" indent="0" algn="ctr" defTabSz="914400" rtl="0" eaLnBrk="1" latinLnBrk="0" hangingPunct="1">
+              <a:lnSpc>
+                <a:spcPct val="90000"/>
+              </a:lnSpc>
+              <a:spcBef>
+                <a:spcPts val="500"/>
+              </a:spcBef>
+              <a:buFont typeface="Arial" panose="020B0604020202020204" pitchFamily="34" charset="0"/>
+              <a:buNone/>
+              <a:defRPr kumimoji="1" sz="2000" kern="1200">
+                <a:solidFill>
+                  <a:schemeClr val="tx1"/>
+                </a:solidFill>
+                <a:latin typeface="+mn-lt"/>
+                <a:ea typeface="+mn-ea"/>
+                <a:cs typeface="+mn-cs"/>
+              </a:defRPr>
+            </a:lvl2pPr>
+            <a:lvl3pPr marL="914400" indent="0" algn="ctr" defTabSz="914400" rtl="0" eaLnBrk="1" latinLnBrk="0" hangingPunct="1">
+              <a:lnSpc>
+                <a:spcPct val="90000"/>
+              </a:lnSpc>
+              <a:spcBef>
+                <a:spcPts val="500"/>
+              </a:spcBef>
+              <a:buFont typeface="Arial" panose="020B0604020202020204" pitchFamily="34" charset="0"/>
+              <a:buNone/>
+              <a:defRPr kumimoji="1" sz="1800" kern="1200">
+                <a:solidFill>
+                  <a:schemeClr val="tx1"/>
+                </a:solidFill>
+                <a:latin typeface="+mn-lt"/>
+                <a:ea typeface="+mn-ea"/>
+                <a:cs typeface="+mn-cs"/>
+              </a:defRPr>
+            </a:lvl3pPr>
+            <a:lvl4pPr marL="1371600" indent="0" algn="ctr" defTabSz="914400" rtl="0" eaLnBrk="1" latinLnBrk="0" hangingPunct="1">
+              <a:lnSpc>
+                <a:spcPct val="90000"/>
+              </a:lnSpc>
+              <a:spcBef>
+                <a:spcPts val="500"/>
+              </a:spcBef>
+              <a:buFont typeface="Arial" panose="020B0604020202020204" pitchFamily="34" charset="0"/>
+              <a:buNone/>
+              <a:defRPr kumimoji="1" sz="1600" kern="1200">
+                <a:solidFill>
+                  <a:schemeClr val="tx1"/>
+                </a:solidFill>
+                <a:latin typeface="+mn-lt"/>
+                <a:ea typeface="+mn-ea"/>
+                <a:cs typeface="+mn-cs"/>
+              </a:defRPr>
+            </a:lvl4pPr>
+            <a:lvl5pPr marL="1828800" indent="0" algn="ctr" defTabSz="914400" rtl="0" eaLnBrk="1" latinLnBrk="0" hangingPunct="1">
+              <a:lnSpc>
+                <a:spcPct val="90000"/>
+              </a:lnSpc>
+              <a:spcBef>
+                <a:spcPts val="500"/>
+              </a:spcBef>
+              <a:buFont typeface="Arial" panose="020B0604020202020204" pitchFamily="34" charset="0"/>
+              <a:buNone/>
+              <a:defRPr kumimoji="1" sz="1600" kern="1200">
+                <a:solidFill>
+                  <a:schemeClr val="tx1"/>
+                </a:solidFill>
+                <a:latin typeface="+mn-lt"/>
+                <a:ea typeface="+mn-ea"/>
+                <a:cs typeface="+mn-cs"/>
+              </a:defRPr>
+            </a:lvl5pPr>
+            <a:lvl6pPr marL="2286000" indent="0" algn="ctr" defTabSz="914400" rtl="0" eaLnBrk="1" latinLnBrk="0" hangingPunct="1">
+              <a:lnSpc>
+                <a:spcPct val="90000"/>
+              </a:lnSpc>
+              <a:spcBef>
+                <a:spcPts val="500"/>
+              </a:spcBef>
+              <a:buFont typeface="Arial" panose="020B0604020202020204" pitchFamily="34" charset="0"/>
+              <a:buNone/>
+              <a:defRPr kumimoji="1" sz="1600" kern="1200">
+                <a:solidFill>
+                  <a:schemeClr val="tx1"/>
+                </a:solidFill>
+                <a:latin typeface="+mn-lt"/>
+                <a:ea typeface="+mn-ea"/>
+                <a:cs typeface="+mn-cs"/>
+              </a:defRPr>
+            </a:lvl6pPr>
+            <a:lvl7pPr marL="2743200" indent="0" algn="ctr" defTabSz="914400" rtl="0" eaLnBrk="1" latinLnBrk="0" hangingPunct="1">
+              <a:lnSpc>
+                <a:spcPct val="90000"/>
+              </a:lnSpc>
+              <a:spcBef>
+                <a:spcPts val="500"/>
+              </a:spcBef>
+              <a:buFont typeface="Arial" panose="020B0604020202020204" pitchFamily="34" charset="0"/>
+              <a:buNone/>
+              <a:defRPr kumimoji="1" sz="1600" kern="1200">
+                <a:solidFill>
+                  <a:schemeClr val="tx1"/>
+                </a:solidFill>
+                <a:latin typeface="+mn-lt"/>
+                <a:ea typeface="+mn-ea"/>
+                <a:cs typeface="+mn-cs"/>
+              </a:defRPr>
+            </a:lvl7pPr>
+            <a:lvl8pPr marL="3200400" indent="0" algn="ctr" defTabSz="914400" rtl="0" eaLnBrk="1" latinLnBrk="0" hangingPunct="1">
+              <a:lnSpc>
+                <a:spcPct val="90000"/>
+              </a:lnSpc>
+              <a:spcBef>
+                <a:spcPts val="500"/>
+              </a:spcBef>
+              <a:buFont typeface="Arial" panose="020B0604020202020204" pitchFamily="34" charset="0"/>
+              <a:buNone/>
+              <a:defRPr kumimoji="1" sz="1600" kern="1200">
+                <a:solidFill>
+                  <a:schemeClr val="tx1"/>
+                </a:solidFill>
+                <a:latin typeface="+mn-lt"/>
+                <a:ea typeface="+mn-ea"/>
+                <a:cs typeface="+mn-cs"/>
+              </a:defRPr>
+            </a:lvl8pPr>
+            <a:lvl9pPr marL="3657600" indent="0" algn="ctr" defTabSz="914400" rtl="0" eaLnBrk="1" latinLnBrk="0" hangingPunct="1">
+              <a:lnSpc>
+                <a:spcPct val="90000"/>
+              </a:lnSpc>
+              <a:spcBef>
+                <a:spcPts val="500"/>
+              </a:spcBef>
+              <a:buFont typeface="Arial" panose="020B0604020202020204" pitchFamily="34" charset="0"/>
+              <a:buNone/>
+              <a:defRPr kumimoji="1" sz="1600" kern="1200">
+                <a:solidFill>
+                  <a:schemeClr val="tx1"/>
+                </a:solidFill>
+                <a:latin typeface="+mn-lt"/>
+                <a:ea typeface="+mn-ea"/>
+                <a:cs typeface="+mn-cs"/>
+              </a:defRPr>
+            </a:lvl9pPr>
+          </a:lstStyle>
+          <a:p>
+            <a:r>
+              <a:rPr lang="ja-JP" altLang="ja-JP" sz="1800" b="1" dirty="0">
+                <a:solidFill>
+                  <a:srgbClr val="990033"/>
+                </a:solidFill>
+                <a:effectLst/>
+                <a:latin typeface="AR P明朝体U" panose="020B0600010101010101" pitchFamily="50" charset="-128"/>
+                <a:ea typeface="AR P明朝体U" panose="020B0600010101010101" pitchFamily="50" charset="-128"/>
+                <a:cs typeface="Times New Roman" panose="02020603050405020304" pitchFamily="18" charset="0"/>
+              </a:rPr>
+              <a:t>次世代の</a:t>
+            </a:r>
+            <a:endParaRPr lang="en-US" altLang="ja-JP" sz="1800" b="1" dirty="0">
+              <a:solidFill>
+                <a:srgbClr val="990033"/>
+              </a:solidFill>
+              <a:effectLst/>
+              <a:latin typeface="AR P明朝体U" panose="020B0600010101010101" pitchFamily="50" charset="-128"/>
+              <a:ea typeface="AR P明朝体U" panose="020B0600010101010101" pitchFamily="50" charset="-128"/>
+              <a:cs typeface="Times New Roman" panose="02020603050405020304" pitchFamily="18" charset="0"/>
+            </a:endParaRPr>
+          </a:p>
+          <a:p>
+            <a:r>
+              <a:rPr lang="ja-JP" altLang="ja-JP" sz="1800" b="1" dirty="0">
+                <a:solidFill>
+                  <a:srgbClr val="990033"/>
+                </a:solidFill>
+                <a:effectLst/>
+                <a:latin typeface="AR P明朝体U" panose="020B0600010101010101" pitchFamily="50" charset="-128"/>
+                <a:ea typeface="AR P明朝体U" panose="020B0600010101010101" pitchFamily="50" charset="-128"/>
+                <a:cs typeface="Times New Roman" panose="02020603050405020304" pitchFamily="18" charset="0"/>
+              </a:rPr>
+              <a:t>デジタル公共インフラを考える</a:t>
+            </a:r>
+            <a:endParaRPr lang="ja-JP" altLang="ja-JP" sz="1800" b="1" kern="100" dirty="0">
+              <a:solidFill>
+                <a:srgbClr val="990033"/>
+              </a:solidFill>
+              <a:latin typeface="AR P明朝体U" panose="020B0600010101010101" pitchFamily="50" charset="-128"/>
+              <a:ea typeface="AR P明朝体U" panose="020B0600010101010101" pitchFamily="50" charset="-128"/>
+              <a:cs typeface="Times New Roman" panose="02020603050405020304" pitchFamily="18" charset="0"/>
+            </a:endParaRPr>
+          </a:p>
+        </p:txBody>
+      </p:sp>
+      <p:sp>
+        <p:nvSpPr>
+          <p:cNvPr id="7" name="字幕 2">
+            <a:extLst>
+              <a:ext uri="{FF2B5EF4-FFF2-40B4-BE49-F238E27FC236}">
+                <a16:creationId xmlns:a16="http://schemas.microsoft.com/office/drawing/2014/main" id="{24465DD9-EEE8-0FB2-3443-BA3A25E34F65}"/>
+              </a:ext>
+            </a:extLst>
+          </p:cNvPr>
+          <p:cNvSpPr txBox="1">
+            <a:spLocks/>
+          </p:cNvSpPr>
+          <p:nvPr/>
+        </p:nvSpPr>
+        <p:spPr>
+          <a:xfrm>
+            <a:off x="1142845" y="3528224"/>
+            <a:ext cx="3746090" cy="678328"/>
+          </a:xfrm>
+          <a:prstGeom prst="rect">
+            <a:avLst/>
+          </a:prstGeom>
+        </p:spPr>
+        <p:txBody>
+          <a:bodyPr vert="horz" lIns="91440" tIns="45720" rIns="91440" bIns="45720" rtlCol="0">
+            <a:normAutofit/>
+          </a:bodyPr>
+          <a:lstStyle>
+            <a:lvl1pPr marL="0" indent="0" algn="ctr" defTabSz="914400" rtl="0" eaLnBrk="1" latinLnBrk="0" hangingPunct="1">
+              <a:lnSpc>
+                <a:spcPct val="90000"/>
+              </a:lnSpc>
+              <a:spcBef>
+                <a:spcPts val="1000"/>
+              </a:spcBef>
+              <a:buFont typeface="Arial" panose="020B0604020202020204" pitchFamily="34" charset="0"/>
+              <a:buNone/>
+              <a:defRPr kumimoji="1" sz="2400" kern="1200">
+                <a:solidFill>
+                  <a:schemeClr val="tx1"/>
+                </a:solidFill>
+                <a:latin typeface="+mn-lt"/>
+                <a:ea typeface="+mn-ea"/>
+                <a:cs typeface="+mn-cs"/>
+              </a:defRPr>
+            </a:lvl1pPr>
+            <a:lvl2pPr marL="457200" indent="0" algn="ctr" defTabSz="914400" rtl="0" eaLnBrk="1" latinLnBrk="0" hangingPunct="1">
+              <a:lnSpc>
+                <a:spcPct val="90000"/>
+              </a:lnSpc>
+              <a:spcBef>
+                <a:spcPts val="500"/>
+              </a:spcBef>
+              <a:buFont typeface="Arial" panose="020B0604020202020204" pitchFamily="34" charset="0"/>
+              <a:buNone/>
+              <a:defRPr kumimoji="1" sz="2000" kern="1200">
+                <a:solidFill>
+                  <a:schemeClr val="tx1"/>
+                </a:solidFill>
+                <a:latin typeface="+mn-lt"/>
+                <a:ea typeface="+mn-ea"/>
+                <a:cs typeface="+mn-cs"/>
+              </a:defRPr>
+            </a:lvl2pPr>
+            <a:lvl3pPr marL="914400" indent="0" algn="ctr" defTabSz="914400" rtl="0" eaLnBrk="1" latinLnBrk="0" hangingPunct="1">
+              <a:lnSpc>
+                <a:spcPct val="90000"/>
+              </a:lnSpc>
+              <a:spcBef>
+                <a:spcPts val="500"/>
+              </a:spcBef>
+              <a:buFont typeface="Arial" panose="020B0604020202020204" pitchFamily="34" charset="0"/>
+              <a:buNone/>
+              <a:defRPr kumimoji="1" sz="1800" kern="1200">
+                <a:solidFill>
+                  <a:schemeClr val="tx1"/>
+                </a:solidFill>
+                <a:latin typeface="+mn-lt"/>
+                <a:ea typeface="+mn-ea"/>
+                <a:cs typeface="+mn-cs"/>
+              </a:defRPr>
+            </a:lvl3pPr>
+            <a:lvl4pPr marL="1371600" indent="0" algn="ctr" defTabSz="914400" rtl="0" eaLnBrk="1" latinLnBrk="0" hangingPunct="1">
+              <a:lnSpc>
+                <a:spcPct val="90000"/>
+              </a:lnSpc>
+              <a:spcBef>
+                <a:spcPts val="500"/>
+              </a:spcBef>
+              <a:buFont typeface="Arial" panose="020B0604020202020204" pitchFamily="34" charset="0"/>
+              <a:buNone/>
+              <a:defRPr kumimoji="1" sz="1600" kern="1200">
+                <a:solidFill>
+                  <a:schemeClr val="tx1"/>
+                </a:solidFill>
+                <a:latin typeface="+mn-lt"/>
+                <a:ea typeface="+mn-ea"/>
+                <a:cs typeface="+mn-cs"/>
+              </a:defRPr>
+            </a:lvl4pPr>
+            <a:lvl5pPr marL="1828800" indent="0" algn="ctr" defTabSz="914400" rtl="0" eaLnBrk="1" latinLnBrk="0" hangingPunct="1">
+              <a:lnSpc>
+                <a:spcPct val="90000"/>
+              </a:lnSpc>
+              <a:spcBef>
+                <a:spcPts val="500"/>
+              </a:spcBef>
+              <a:buFont typeface="Arial" panose="020B0604020202020204" pitchFamily="34" charset="0"/>
+              <a:buNone/>
+              <a:defRPr kumimoji="1" sz="1600" kern="1200">
+                <a:solidFill>
+                  <a:schemeClr val="tx1"/>
+                </a:solidFill>
+                <a:latin typeface="+mn-lt"/>
+                <a:ea typeface="+mn-ea"/>
+                <a:cs typeface="+mn-cs"/>
+              </a:defRPr>
+            </a:lvl5pPr>
+            <a:lvl6pPr marL="2286000" indent="0" algn="ctr" defTabSz="914400" rtl="0" eaLnBrk="1" latinLnBrk="0" hangingPunct="1">
+              <a:lnSpc>
+                <a:spcPct val="90000"/>
+              </a:lnSpc>
+              <a:spcBef>
+                <a:spcPts val="500"/>
+              </a:spcBef>
+              <a:buFont typeface="Arial" panose="020B0604020202020204" pitchFamily="34" charset="0"/>
+              <a:buNone/>
+              <a:defRPr kumimoji="1" sz="1600" kern="1200">
+                <a:solidFill>
+                  <a:schemeClr val="tx1"/>
+                </a:solidFill>
+                <a:latin typeface="+mn-lt"/>
+                <a:ea typeface="+mn-ea"/>
+                <a:cs typeface="+mn-cs"/>
+              </a:defRPr>
+            </a:lvl6pPr>
+            <a:lvl7pPr marL="2743200" indent="0" algn="ctr" defTabSz="914400" rtl="0" eaLnBrk="1" latinLnBrk="0" hangingPunct="1">
+              <a:lnSpc>
+                <a:spcPct val="90000"/>
+              </a:lnSpc>
+              <a:spcBef>
+                <a:spcPts val="500"/>
+              </a:spcBef>
+              <a:buFont typeface="Arial" panose="020B0604020202020204" pitchFamily="34" charset="0"/>
+              <a:buNone/>
+              <a:defRPr kumimoji="1" sz="1600" kern="1200">
+                <a:solidFill>
+                  <a:schemeClr val="tx1"/>
+                </a:solidFill>
+                <a:latin typeface="+mn-lt"/>
+                <a:ea typeface="+mn-ea"/>
+                <a:cs typeface="+mn-cs"/>
+              </a:defRPr>
+            </a:lvl7pPr>
+            <a:lvl8pPr marL="3200400" indent="0" algn="ctr" defTabSz="914400" rtl="0" eaLnBrk="1" latinLnBrk="0" hangingPunct="1">
+              <a:lnSpc>
+                <a:spcPct val="90000"/>
+              </a:lnSpc>
+              <a:spcBef>
+                <a:spcPts val="500"/>
+              </a:spcBef>
+              <a:buFont typeface="Arial" panose="020B0604020202020204" pitchFamily="34" charset="0"/>
+              <a:buNone/>
+              <a:defRPr kumimoji="1" sz="1600" kern="1200">
+                <a:solidFill>
+                  <a:schemeClr val="tx1"/>
+                </a:solidFill>
+                <a:latin typeface="+mn-lt"/>
+                <a:ea typeface="+mn-ea"/>
+                <a:cs typeface="+mn-cs"/>
+              </a:defRPr>
+            </a:lvl8pPr>
+            <a:lvl9pPr marL="3657600" indent="0" algn="ctr" defTabSz="914400" rtl="0" eaLnBrk="1" latinLnBrk="0" hangingPunct="1">
+              <a:lnSpc>
+                <a:spcPct val="90000"/>
+              </a:lnSpc>
+              <a:spcBef>
+                <a:spcPts val="500"/>
+              </a:spcBef>
+              <a:buFont typeface="Arial" panose="020B0604020202020204" pitchFamily="34" charset="0"/>
+              <a:buNone/>
+              <a:defRPr kumimoji="1" sz="1600" kern="1200">
+                <a:solidFill>
+                  <a:schemeClr val="tx1"/>
+                </a:solidFill>
+                <a:latin typeface="+mn-lt"/>
+                <a:ea typeface="+mn-ea"/>
+                <a:cs typeface="+mn-cs"/>
+              </a:defRPr>
+            </a:lvl9pPr>
+          </a:lstStyle>
+          <a:p>
+            <a:r>
+              <a:rPr lang="ja-JP" altLang="ja-JP" sz="1800" b="1" dirty="0">
+                <a:solidFill>
+                  <a:srgbClr val="990033"/>
+                </a:solidFill>
+                <a:effectLst/>
+                <a:latin typeface="AR P明朝体U" panose="020B0600010101010101" pitchFamily="50" charset="-128"/>
+                <a:ea typeface="AR P明朝体U" panose="020B0600010101010101" pitchFamily="50" charset="-128"/>
+                <a:cs typeface="Times New Roman" panose="02020603050405020304" pitchFamily="18" charset="0"/>
+              </a:rPr>
+              <a:t>～インディアスタックの衝撃～</a:t>
+            </a:r>
+            <a:endParaRPr lang="ja-JP" altLang="ja-JP" sz="1800" b="1" kern="100" dirty="0">
+              <a:solidFill>
+                <a:srgbClr val="990033"/>
+              </a:solidFill>
+              <a:latin typeface="AR P明朝体U" panose="020B0600010101010101" pitchFamily="50" charset="-128"/>
+              <a:ea typeface="AR P明朝体U" panose="020B0600010101010101" pitchFamily="50" charset="-128"/>
+              <a:cs typeface="Times New Roman" panose="02020603050405020304" pitchFamily="18" charset="0"/>
+            </a:endParaRPr>
+          </a:p>
+        </p:txBody>
+      </p:sp>
+      <p:sp>
+        <p:nvSpPr>
+          <p:cNvPr id="8" name="字幕 2">
+            <a:extLst>
+              <a:ext uri="{FF2B5EF4-FFF2-40B4-BE49-F238E27FC236}">
+                <a16:creationId xmlns:a16="http://schemas.microsoft.com/office/drawing/2014/main" id="{B5FA3CBC-0541-1B5A-A6D6-7FFB7D5825E3}"/>
+              </a:ext>
+            </a:extLst>
+          </p:cNvPr>
+          <p:cNvSpPr txBox="1">
+            <a:spLocks/>
+          </p:cNvSpPr>
+          <p:nvPr/>
+        </p:nvSpPr>
+        <p:spPr>
+          <a:xfrm>
+            <a:off x="1142845" y="4529288"/>
+            <a:ext cx="3746090" cy="678328"/>
+          </a:xfrm>
+          <a:prstGeom prst="rect">
+            <a:avLst/>
+          </a:prstGeom>
+        </p:spPr>
+        <p:txBody>
+          <a:bodyPr vert="horz" lIns="91440" tIns="45720" rIns="91440" bIns="45720" rtlCol="0">
+            <a:noAutofit/>
+          </a:bodyPr>
+          <a:lstStyle>
+            <a:lvl1pPr marL="0" indent="0" algn="ctr" defTabSz="914400" rtl="0" eaLnBrk="1" latinLnBrk="0" hangingPunct="1">
+              <a:lnSpc>
+                <a:spcPct val="90000"/>
+              </a:lnSpc>
+              <a:spcBef>
+                <a:spcPts val="1000"/>
+              </a:spcBef>
+              <a:buFont typeface="Arial" panose="020B0604020202020204" pitchFamily="34" charset="0"/>
+              <a:buNone/>
+              <a:defRPr kumimoji="1" sz="2400" kern="1200">
+                <a:solidFill>
+                  <a:schemeClr val="tx1"/>
+                </a:solidFill>
+                <a:latin typeface="+mn-lt"/>
+                <a:ea typeface="+mn-ea"/>
+                <a:cs typeface="+mn-cs"/>
+              </a:defRPr>
+            </a:lvl1pPr>
+            <a:lvl2pPr marL="457200" indent="0" algn="ctr" defTabSz="914400" rtl="0" eaLnBrk="1" latinLnBrk="0" hangingPunct="1">
+              <a:lnSpc>
+                <a:spcPct val="90000"/>
+              </a:lnSpc>
+              <a:spcBef>
+                <a:spcPts val="500"/>
+              </a:spcBef>
+              <a:buFont typeface="Arial" panose="020B0604020202020204" pitchFamily="34" charset="0"/>
+              <a:buNone/>
+              <a:defRPr kumimoji="1" sz="2000" kern="1200">
+                <a:solidFill>
+                  <a:schemeClr val="tx1"/>
+                </a:solidFill>
+                <a:latin typeface="+mn-lt"/>
+                <a:ea typeface="+mn-ea"/>
+                <a:cs typeface="+mn-cs"/>
+              </a:defRPr>
+            </a:lvl2pPr>
+            <a:lvl3pPr marL="914400" indent="0" algn="ctr" defTabSz="914400" rtl="0" eaLnBrk="1" latinLnBrk="0" hangingPunct="1">
+              <a:lnSpc>
+                <a:spcPct val="90000"/>
+              </a:lnSpc>
+              <a:spcBef>
+                <a:spcPts val="500"/>
+              </a:spcBef>
+              <a:buFont typeface="Arial" panose="020B0604020202020204" pitchFamily="34" charset="0"/>
+              <a:buNone/>
+              <a:defRPr kumimoji="1" sz="1800" kern="1200">
+                <a:solidFill>
+                  <a:schemeClr val="tx1"/>
+                </a:solidFill>
+                <a:latin typeface="+mn-lt"/>
+                <a:ea typeface="+mn-ea"/>
+                <a:cs typeface="+mn-cs"/>
+              </a:defRPr>
+            </a:lvl3pPr>
+            <a:lvl4pPr marL="1371600" indent="0" algn="ctr" defTabSz="914400" rtl="0" eaLnBrk="1" latinLnBrk="0" hangingPunct="1">
+              <a:lnSpc>
+                <a:spcPct val="90000"/>
+              </a:lnSpc>
+              <a:spcBef>
+                <a:spcPts val="500"/>
+              </a:spcBef>
+              <a:buFont typeface="Arial" panose="020B0604020202020204" pitchFamily="34" charset="0"/>
+              <a:buNone/>
+              <a:defRPr kumimoji="1" sz="1600" kern="1200">
+                <a:solidFill>
+                  <a:schemeClr val="tx1"/>
+                </a:solidFill>
+                <a:latin typeface="+mn-lt"/>
+                <a:ea typeface="+mn-ea"/>
+                <a:cs typeface="+mn-cs"/>
+              </a:defRPr>
+            </a:lvl4pPr>
+            <a:lvl5pPr marL="1828800" indent="0" algn="ctr" defTabSz="914400" rtl="0" eaLnBrk="1" latinLnBrk="0" hangingPunct="1">
+              <a:lnSpc>
+                <a:spcPct val="90000"/>
+              </a:lnSpc>
+              <a:spcBef>
+                <a:spcPts val="500"/>
+              </a:spcBef>
+              <a:buFont typeface="Arial" panose="020B0604020202020204" pitchFamily="34" charset="0"/>
+              <a:buNone/>
+              <a:defRPr kumimoji="1" sz="1600" kern="1200">
+                <a:solidFill>
+                  <a:schemeClr val="tx1"/>
+                </a:solidFill>
+                <a:latin typeface="+mn-lt"/>
+                <a:ea typeface="+mn-ea"/>
+                <a:cs typeface="+mn-cs"/>
+              </a:defRPr>
+            </a:lvl5pPr>
+            <a:lvl6pPr marL="2286000" indent="0" algn="ctr" defTabSz="914400" rtl="0" eaLnBrk="1" latinLnBrk="0" hangingPunct="1">
+              <a:lnSpc>
+                <a:spcPct val="90000"/>
+              </a:lnSpc>
+              <a:spcBef>
+                <a:spcPts val="500"/>
+              </a:spcBef>
+              <a:buFont typeface="Arial" panose="020B0604020202020204" pitchFamily="34" charset="0"/>
+              <a:buNone/>
+              <a:defRPr kumimoji="1" sz="1600" kern="1200">
+                <a:solidFill>
+                  <a:schemeClr val="tx1"/>
+                </a:solidFill>
+                <a:latin typeface="+mn-lt"/>
+                <a:ea typeface="+mn-ea"/>
+                <a:cs typeface="+mn-cs"/>
+              </a:defRPr>
+            </a:lvl6pPr>
+            <a:lvl7pPr marL="2743200" indent="0" algn="ctr" defTabSz="914400" rtl="0" eaLnBrk="1" latinLnBrk="0" hangingPunct="1">
+              <a:lnSpc>
+                <a:spcPct val="90000"/>
+              </a:lnSpc>
+              <a:spcBef>
+                <a:spcPts val="500"/>
+              </a:spcBef>
+              <a:buFont typeface="Arial" panose="020B0604020202020204" pitchFamily="34" charset="0"/>
+              <a:buNone/>
+              <a:defRPr kumimoji="1" sz="1600" kern="1200">
+                <a:solidFill>
+                  <a:schemeClr val="tx1"/>
+                </a:solidFill>
+                <a:latin typeface="+mn-lt"/>
+                <a:ea typeface="+mn-ea"/>
+                <a:cs typeface="+mn-cs"/>
+              </a:defRPr>
+            </a:lvl7pPr>
+            <a:lvl8pPr marL="3200400" indent="0" algn="ctr" defTabSz="914400" rtl="0" eaLnBrk="1" latinLnBrk="0" hangingPunct="1">
+              <a:lnSpc>
+                <a:spcPct val="90000"/>
+              </a:lnSpc>
+              <a:spcBef>
+                <a:spcPts val="500"/>
+              </a:spcBef>
+              <a:buFont typeface="Arial" panose="020B0604020202020204" pitchFamily="34" charset="0"/>
+              <a:buNone/>
+              <a:defRPr kumimoji="1" sz="1600" kern="1200">
+                <a:solidFill>
+                  <a:schemeClr val="tx1"/>
+                </a:solidFill>
+                <a:latin typeface="+mn-lt"/>
+                <a:ea typeface="+mn-ea"/>
+                <a:cs typeface="+mn-cs"/>
+              </a:defRPr>
+            </a:lvl8pPr>
+            <a:lvl9pPr marL="3657600" indent="0" algn="ctr" defTabSz="914400" rtl="0" eaLnBrk="1" latinLnBrk="0" hangingPunct="1">
+              <a:lnSpc>
+                <a:spcPct val="90000"/>
+              </a:lnSpc>
+              <a:spcBef>
+                <a:spcPts val="500"/>
+              </a:spcBef>
+              <a:buFont typeface="Arial" panose="020B0604020202020204" pitchFamily="34" charset="0"/>
+              <a:buNone/>
+              <a:defRPr kumimoji="1" sz="1600" kern="1200">
+                <a:solidFill>
+                  <a:schemeClr val="tx1"/>
+                </a:solidFill>
+                <a:latin typeface="+mn-lt"/>
+                <a:ea typeface="+mn-ea"/>
+                <a:cs typeface="+mn-cs"/>
+              </a:defRPr>
+            </a:lvl9pPr>
+          </a:lstStyle>
+          <a:p>
+            <a:r>
+              <a:rPr lang="ja-JP" altLang="ja-JP" sz="2800" b="1" dirty="0">
+                <a:effectLst/>
+                <a:latin typeface="AR P明朝体U" panose="020B0600010101010101" pitchFamily="50" charset="-128"/>
+                <a:ea typeface="AR P明朝体U" panose="020B0600010101010101" pitchFamily="50" charset="-128"/>
+                <a:cs typeface="Times New Roman" panose="02020603050405020304" pitchFamily="18" charset="0"/>
+              </a:rPr>
+              <a:t>元谷 崇</a:t>
+            </a:r>
+            <a:endParaRPr lang="ja-JP" altLang="ja-JP" sz="2800" kern="100" dirty="0">
+              <a:latin typeface="AR P明朝体U" panose="020B0600010101010101" pitchFamily="50" charset="-128"/>
+              <a:ea typeface="AR P明朝体U" panose="020B0600010101010101" pitchFamily="50" charset="-128"/>
+              <a:cs typeface="Times New Roman" panose="02020603050405020304" pitchFamily="18" charset="0"/>
+            </a:endParaRPr>
+          </a:p>
+        </p:txBody>
+      </p:sp>
+      <p:sp>
+        <p:nvSpPr>
+          <p:cNvPr id="9" name="字幕 2">
+            <a:extLst>
+              <a:ext uri="{FF2B5EF4-FFF2-40B4-BE49-F238E27FC236}">
+                <a16:creationId xmlns:a16="http://schemas.microsoft.com/office/drawing/2014/main" id="{420877FB-4BCC-F831-A356-2C37593E3D4F}"/>
+              </a:ext>
+            </a:extLst>
+          </p:cNvPr>
+          <p:cNvSpPr txBox="1">
+            <a:spLocks/>
+          </p:cNvSpPr>
+          <p:nvPr/>
+        </p:nvSpPr>
+        <p:spPr>
+          <a:xfrm>
+            <a:off x="6180882" y="599279"/>
+            <a:ext cx="6160220" cy="579004"/>
+          </a:xfrm>
+          <a:prstGeom prst="rect">
+            <a:avLst/>
+          </a:prstGeom>
+        </p:spPr>
+        <p:txBody>
+          <a:bodyPr vert="horz" lIns="91440" tIns="45720" rIns="91440" bIns="45720" rtlCol="0">
+            <a:noAutofit/>
+          </a:bodyPr>
+          <a:lstStyle>
+            <a:lvl1pPr marL="0" indent="0" algn="ctr" defTabSz="914400" rtl="0" eaLnBrk="1" latinLnBrk="0" hangingPunct="1">
+              <a:lnSpc>
+                <a:spcPct val="90000"/>
+              </a:lnSpc>
+              <a:spcBef>
+                <a:spcPts val="1000"/>
+              </a:spcBef>
+              <a:buFont typeface="Arial" panose="020B0604020202020204" pitchFamily="34" charset="0"/>
+              <a:buNone/>
+              <a:defRPr kumimoji="1" sz="2400" kern="1200">
+                <a:solidFill>
+                  <a:schemeClr val="tx1"/>
+                </a:solidFill>
+                <a:latin typeface="+mn-lt"/>
+                <a:ea typeface="+mn-ea"/>
+                <a:cs typeface="+mn-cs"/>
+              </a:defRPr>
+            </a:lvl1pPr>
+            <a:lvl2pPr marL="457200" indent="0" algn="ctr" defTabSz="914400" rtl="0" eaLnBrk="1" latinLnBrk="0" hangingPunct="1">
+              <a:lnSpc>
+                <a:spcPct val="90000"/>
+              </a:lnSpc>
+              <a:spcBef>
+                <a:spcPts val="500"/>
+              </a:spcBef>
+              <a:buFont typeface="Arial" panose="020B0604020202020204" pitchFamily="34" charset="0"/>
+              <a:buNone/>
+              <a:defRPr kumimoji="1" sz="2000" kern="1200">
+                <a:solidFill>
+                  <a:schemeClr val="tx1"/>
+                </a:solidFill>
+                <a:latin typeface="+mn-lt"/>
+                <a:ea typeface="+mn-ea"/>
+                <a:cs typeface="+mn-cs"/>
+              </a:defRPr>
+            </a:lvl2pPr>
+            <a:lvl3pPr marL="914400" indent="0" algn="ctr" defTabSz="914400" rtl="0" eaLnBrk="1" latinLnBrk="0" hangingPunct="1">
+              <a:lnSpc>
+                <a:spcPct val="90000"/>
+              </a:lnSpc>
+              <a:spcBef>
+                <a:spcPts val="500"/>
+              </a:spcBef>
+              <a:buFont typeface="Arial" panose="020B0604020202020204" pitchFamily="34" charset="0"/>
+              <a:buNone/>
+              <a:defRPr kumimoji="1" sz="1800" kern="1200">
+                <a:solidFill>
+                  <a:schemeClr val="tx1"/>
+                </a:solidFill>
+                <a:latin typeface="+mn-lt"/>
+                <a:ea typeface="+mn-ea"/>
+                <a:cs typeface="+mn-cs"/>
+              </a:defRPr>
+            </a:lvl3pPr>
+            <a:lvl4pPr marL="1371600" indent="0" algn="ctr" defTabSz="914400" rtl="0" eaLnBrk="1" latinLnBrk="0" hangingPunct="1">
+              <a:lnSpc>
+                <a:spcPct val="90000"/>
+              </a:lnSpc>
+              <a:spcBef>
+                <a:spcPts val="500"/>
+              </a:spcBef>
+              <a:buFont typeface="Arial" panose="020B0604020202020204" pitchFamily="34" charset="0"/>
+              <a:buNone/>
+              <a:defRPr kumimoji="1" sz="1600" kern="1200">
+                <a:solidFill>
+                  <a:schemeClr val="tx1"/>
+                </a:solidFill>
+                <a:latin typeface="+mn-lt"/>
+                <a:ea typeface="+mn-ea"/>
+                <a:cs typeface="+mn-cs"/>
+              </a:defRPr>
+            </a:lvl4pPr>
+            <a:lvl5pPr marL="1828800" indent="0" algn="ctr" defTabSz="914400" rtl="0" eaLnBrk="1" latinLnBrk="0" hangingPunct="1">
+              <a:lnSpc>
+                <a:spcPct val="90000"/>
+              </a:lnSpc>
+              <a:spcBef>
+                <a:spcPts val="500"/>
+              </a:spcBef>
+              <a:buFont typeface="Arial" panose="020B0604020202020204" pitchFamily="34" charset="0"/>
+              <a:buNone/>
+              <a:defRPr kumimoji="1" sz="1600" kern="1200">
+                <a:solidFill>
+                  <a:schemeClr val="tx1"/>
+                </a:solidFill>
+                <a:latin typeface="+mn-lt"/>
+                <a:ea typeface="+mn-ea"/>
+                <a:cs typeface="+mn-cs"/>
+              </a:defRPr>
+            </a:lvl5pPr>
+            <a:lvl6pPr marL="2286000" indent="0" algn="ctr" defTabSz="914400" rtl="0" eaLnBrk="1" latinLnBrk="0" hangingPunct="1">
+              <a:lnSpc>
+                <a:spcPct val="90000"/>
+              </a:lnSpc>
+              <a:spcBef>
+                <a:spcPts val="500"/>
+              </a:spcBef>
+              <a:buFont typeface="Arial" panose="020B0604020202020204" pitchFamily="34" charset="0"/>
+              <a:buNone/>
+              <a:defRPr kumimoji="1" sz="1600" kern="1200">
+                <a:solidFill>
+                  <a:schemeClr val="tx1"/>
+                </a:solidFill>
+                <a:latin typeface="+mn-lt"/>
+                <a:ea typeface="+mn-ea"/>
+                <a:cs typeface="+mn-cs"/>
+              </a:defRPr>
+            </a:lvl6pPr>
+            <a:lvl7pPr marL="2743200" indent="0" algn="ctr" defTabSz="914400" rtl="0" eaLnBrk="1" latinLnBrk="0" hangingPunct="1">
+              <a:lnSpc>
+                <a:spcPct val="90000"/>
+              </a:lnSpc>
+              <a:spcBef>
+                <a:spcPts val="500"/>
+              </a:spcBef>
+              <a:buFont typeface="Arial" panose="020B0604020202020204" pitchFamily="34" charset="0"/>
+              <a:buNone/>
+              <a:defRPr kumimoji="1" sz="1600" kern="1200">
+                <a:solidFill>
+                  <a:schemeClr val="tx1"/>
+                </a:solidFill>
+                <a:latin typeface="+mn-lt"/>
+                <a:ea typeface="+mn-ea"/>
+                <a:cs typeface="+mn-cs"/>
+              </a:defRPr>
+            </a:lvl7pPr>
+            <a:lvl8pPr marL="3200400" indent="0" algn="ctr" defTabSz="914400" rtl="0" eaLnBrk="1" latinLnBrk="0" hangingPunct="1">
+              <a:lnSpc>
+                <a:spcPct val="90000"/>
+              </a:lnSpc>
+              <a:spcBef>
+                <a:spcPts val="500"/>
+              </a:spcBef>
+              <a:buFont typeface="Arial" panose="020B0604020202020204" pitchFamily="34" charset="0"/>
+              <a:buNone/>
+              <a:defRPr kumimoji="1" sz="1600" kern="1200">
+                <a:solidFill>
+                  <a:schemeClr val="tx1"/>
+                </a:solidFill>
+                <a:latin typeface="+mn-lt"/>
+                <a:ea typeface="+mn-ea"/>
+                <a:cs typeface="+mn-cs"/>
+              </a:defRPr>
+            </a:lvl8pPr>
+            <a:lvl9pPr marL="3657600" indent="0" algn="ctr" defTabSz="914400" rtl="0" eaLnBrk="1" latinLnBrk="0" hangingPunct="1">
+              <a:lnSpc>
+                <a:spcPct val="90000"/>
+              </a:lnSpc>
+              <a:spcBef>
+                <a:spcPts val="500"/>
+              </a:spcBef>
+              <a:buFont typeface="Arial" panose="020B0604020202020204" pitchFamily="34" charset="0"/>
+              <a:buNone/>
+              <a:defRPr kumimoji="1" sz="1600" kern="1200">
+                <a:solidFill>
+                  <a:schemeClr val="tx1"/>
+                </a:solidFill>
+                <a:latin typeface="+mn-lt"/>
+                <a:ea typeface="+mn-ea"/>
+                <a:cs typeface="+mn-cs"/>
+              </a:defRPr>
+            </a:lvl9pPr>
+          </a:lstStyle>
+          <a:p>
+            <a:r>
+              <a:rPr lang="ja-JP" altLang="ja-JP" sz="6000" b="1" kern="100" dirty="0">
+                <a:latin typeface="+mj-lt"/>
+                <a:ea typeface="AR顏眞楷書体H" panose="020B0609010101010101" pitchFamily="49" charset="-128"/>
+                <a:cs typeface="Times New Roman" panose="02020603050405020304" pitchFamily="18" charset="0"/>
+              </a:rPr>
+              <a:t>つながる</a:t>
+            </a:r>
+            <a:endParaRPr lang="ja-JP" altLang="ja-JP" sz="6000" kern="100" dirty="0">
+              <a:latin typeface="+mj-lt"/>
+              <a:ea typeface="AR顏眞楷書体H" panose="020B0609010101010101" pitchFamily="49" charset="-128"/>
+              <a:cs typeface="Times New Roman" panose="02020603050405020304" pitchFamily="18" charset="0"/>
+            </a:endParaRPr>
+          </a:p>
+        </p:txBody>
+      </p:sp>
+      <p:sp>
+        <p:nvSpPr>
+          <p:cNvPr id="10" name="字幕 2">
+            <a:extLst>
+              <a:ext uri="{FF2B5EF4-FFF2-40B4-BE49-F238E27FC236}">
+                <a16:creationId xmlns:a16="http://schemas.microsoft.com/office/drawing/2014/main" id="{03A9B98E-2084-004E-FCA7-CA50896F3008}"/>
+              </a:ext>
+            </a:extLst>
+          </p:cNvPr>
+          <p:cNvSpPr txBox="1">
+            <a:spLocks/>
+          </p:cNvSpPr>
+          <p:nvPr/>
+        </p:nvSpPr>
+        <p:spPr>
+          <a:xfrm>
+            <a:off x="6180881" y="1487005"/>
+            <a:ext cx="6160223" cy="505825"/>
+          </a:xfrm>
+          <a:prstGeom prst="rect">
+            <a:avLst/>
+          </a:prstGeom>
+        </p:spPr>
+        <p:txBody>
+          <a:bodyPr vert="horz" lIns="91440" tIns="45720" rIns="91440" bIns="45720" rtlCol="0">
+            <a:noAutofit/>
+          </a:bodyPr>
+          <a:lstStyle>
+            <a:lvl1pPr marL="0" indent="0" algn="ctr" defTabSz="914400" rtl="0" eaLnBrk="1" latinLnBrk="0" hangingPunct="1">
+              <a:lnSpc>
+                <a:spcPct val="90000"/>
+              </a:lnSpc>
+              <a:spcBef>
+                <a:spcPts val="1000"/>
+              </a:spcBef>
+              <a:buFont typeface="Arial" panose="020B0604020202020204" pitchFamily="34" charset="0"/>
+              <a:buNone/>
+              <a:defRPr kumimoji="1" sz="2400" kern="1200">
+                <a:solidFill>
+                  <a:schemeClr val="tx1"/>
+                </a:solidFill>
+                <a:latin typeface="+mn-lt"/>
+                <a:ea typeface="+mn-ea"/>
+                <a:cs typeface="+mn-cs"/>
+              </a:defRPr>
+            </a:lvl1pPr>
+            <a:lvl2pPr marL="457200" indent="0" algn="ctr" defTabSz="914400" rtl="0" eaLnBrk="1" latinLnBrk="0" hangingPunct="1">
+              <a:lnSpc>
+                <a:spcPct val="90000"/>
+              </a:lnSpc>
+              <a:spcBef>
+                <a:spcPts val="500"/>
+              </a:spcBef>
+              <a:buFont typeface="Arial" panose="020B0604020202020204" pitchFamily="34" charset="0"/>
+              <a:buNone/>
+              <a:defRPr kumimoji="1" sz="2000" kern="1200">
+                <a:solidFill>
+                  <a:schemeClr val="tx1"/>
+                </a:solidFill>
+                <a:latin typeface="+mn-lt"/>
+                <a:ea typeface="+mn-ea"/>
+                <a:cs typeface="+mn-cs"/>
+              </a:defRPr>
+            </a:lvl2pPr>
+            <a:lvl3pPr marL="914400" indent="0" algn="ctr" defTabSz="914400" rtl="0" eaLnBrk="1" latinLnBrk="0" hangingPunct="1">
+              <a:lnSpc>
+                <a:spcPct val="90000"/>
+              </a:lnSpc>
+              <a:spcBef>
+                <a:spcPts val="500"/>
+              </a:spcBef>
+              <a:buFont typeface="Arial" panose="020B0604020202020204" pitchFamily="34" charset="0"/>
+              <a:buNone/>
+              <a:defRPr kumimoji="1" sz="1800" kern="1200">
+                <a:solidFill>
+                  <a:schemeClr val="tx1"/>
+                </a:solidFill>
+                <a:latin typeface="+mn-lt"/>
+                <a:ea typeface="+mn-ea"/>
+                <a:cs typeface="+mn-cs"/>
+              </a:defRPr>
+            </a:lvl3pPr>
+            <a:lvl4pPr marL="1371600" indent="0" algn="ctr" defTabSz="914400" rtl="0" eaLnBrk="1" latinLnBrk="0" hangingPunct="1">
+              <a:lnSpc>
+                <a:spcPct val="90000"/>
+              </a:lnSpc>
+              <a:spcBef>
+                <a:spcPts val="500"/>
+              </a:spcBef>
+              <a:buFont typeface="Arial" panose="020B0604020202020204" pitchFamily="34" charset="0"/>
+              <a:buNone/>
+              <a:defRPr kumimoji="1" sz="1600" kern="1200">
+                <a:solidFill>
+                  <a:schemeClr val="tx1"/>
+                </a:solidFill>
+                <a:latin typeface="+mn-lt"/>
+                <a:ea typeface="+mn-ea"/>
+                <a:cs typeface="+mn-cs"/>
+              </a:defRPr>
+            </a:lvl4pPr>
+            <a:lvl5pPr marL="1828800" indent="0" algn="ctr" defTabSz="914400" rtl="0" eaLnBrk="1" latinLnBrk="0" hangingPunct="1">
+              <a:lnSpc>
+                <a:spcPct val="90000"/>
+              </a:lnSpc>
+              <a:spcBef>
+                <a:spcPts val="500"/>
+              </a:spcBef>
+              <a:buFont typeface="Arial" panose="020B0604020202020204" pitchFamily="34" charset="0"/>
+              <a:buNone/>
+              <a:defRPr kumimoji="1" sz="1600" kern="1200">
+                <a:solidFill>
+                  <a:schemeClr val="tx1"/>
+                </a:solidFill>
+                <a:latin typeface="+mn-lt"/>
+                <a:ea typeface="+mn-ea"/>
+                <a:cs typeface="+mn-cs"/>
+              </a:defRPr>
+            </a:lvl5pPr>
+            <a:lvl6pPr marL="2286000" indent="0" algn="ctr" defTabSz="914400" rtl="0" eaLnBrk="1" latinLnBrk="0" hangingPunct="1">
+              <a:lnSpc>
+                <a:spcPct val="90000"/>
+              </a:lnSpc>
+              <a:spcBef>
+                <a:spcPts val="500"/>
+              </a:spcBef>
+              <a:buFont typeface="Arial" panose="020B0604020202020204" pitchFamily="34" charset="0"/>
+              <a:buNone/>
+              <a:defRPr kumimoji="1" sz="1600" kern="1200">
+                <a:solidFill>
+                  <a:schemeClr val="tx1"/>
+                </a:solidFill>
+                <a:latin typeface="+mn-lt"/>
+                <a:ea typeface="+mn-ea"/>
+                <a:cs typeface="+mn-cs"/>
+              </a:defRPr>
+            </a:lvl6pPr>
+            <a:lvl7pPr marL="2743200" indent="0" algn="ctr" defTabSz="914400" rtl="0" eaLnBrk="1" latinLnBrk="0" hangingPunct="1">
+              <a:lnSpc>
+                <a:spcPct val="90000"/>
+              </a:lnSpc>
+              <a:spcBef>
+                <a:spcPts val="500"/>
+              </a:spcBef>
+              <a:buFont typeface="Arial" panose="020B0604020202020204" pitchFamily="34" charset="0"/>
+              <a:buNone/>
+              <a:defRPr kumimoji="1" sz="1600" kern="1200">
+                <a:solidFill>
+                  <a:schemeClr val="tx1"/>
+                </a:solidFill>
+                <a:latin typeface="+mn-lt"/>
+                <a:ea typeface="+mn-ea"/>
+                <a:cs typeface="+mn-cs"/>
+              </a:defRPr>
+            </a:lvl7pPr>
+            <a:lvl8pPr marL="3200400" indent="0" algn="ctr" defTabSz="914400" rtl="0" eaLnBrk="1" latinLnBrk="0" hangingPunct="1">
+              <a:lnSpc>
+                <a:spcPct val="90000"/>
+              </a:lnSpc>
+              <a:spcBef>
+                <a:spcPts val="500"/>
+              </a:spcBef>
+              <a:buFont typeface="Arial" panose="020B0604020202020204" pitchFamily="34" charset="0"/>
+              <a:buNone/>
+              <a:defRPr kumimoji="1" sz="1600" kern="1200">
+                <a:solidFill>
+                  <a:schemeClr val="tx1"/>
+                </a:solidFill>
+                <a:latin typeface="+mn-lt"/>
+                <a:ea typeface="+mn-ea"/>
+                <a:cs typeface="+mn-cs"/>
+              </a:defRPr>
+            </a:lvl8pPr>
+            <a:lvl9pPr marL="3657600" indent="0" algn="ctr" defTabSz="914400" rtl="0" eaLnBrk="1" latinLnBrk="0" hangingPunct="1">
+              <a:lnSpc>
+                <a:spcPct val="90000"/>
+              </a:lnSpc>
+              <a:spcBef>
+                <a:spcPts val="500"/>
+              </a:spcBef>
+              <a:buFont typeface="Arial" panose="020B0604020202020204" pitchFamily="34" charset="0"/>
+              <a:buNone/>
+              <a:defRPr kumimoji="1" sz="1600" kern="1200">
+                <a:solidFill>
+                  <a:schemeClr val="tx1"/>
+                </a:solidFill>
+                <a:latin typeface="+mn-lt"/>
+                <a:ea typeface="+mn-ea"/>
+                <a:cs typeface="+mn-cs"/>
+              </a:defRPr>
+            </a:lvl9pPr>
+          </a:lstStyle>
+          <a:p>
+            <a:r>
+              <a:rPr lang="ja-JP" altLang="ja-JP" sz="6000" b="1" dirty="0">
+                <a:effectLst/>
+                <a:latin typeface="+mj-lt"/>
+                <a:ea typeface="AR顏眞楷書体H" panose="020B0609010101010101" pitchFamily="49" charset="-128"/>
+                <a:cs typeface="Times New Roman" panose="02020603050405020304" pitchFamily="18" charset="0"/>
+              </a:rPr>
+              <a:t>行政サービス</a:t>
+            </a:r>
+            <a:endParaRPr lang="ja-JP" altLang="ja-JP" sz="6000" kern="100" dirty="0">
+              <a:latin typeface="+mj-lt"/>
+              <a:ea typeface="AR顏眞楷書体H" panose="020B0609010101010101" pitchFamily="49" charset="-128"/>
+              <a:cs typeface="Times New Roman" panose="02020603050405020304" pitchFamily="18" charset="0"/>
+            </a:endParaRPr>
+          </a:p>
+        </p:txBody>
+      </p:sp>
+      <p:sp>
+        <p:nvSpPr>
+          <p:cNvPr id="11" name="字幕 2">
+            <a:extLst>
+              <a:ext uri="{FF2B5EF4-FFF2-40B4-BE49-F238E27FC236}">
+                <a16:creationId xmlns:a16="http://schemas.microsoft.com/office/drawing/2014/main" id="{09C86DDE-B747-0298-CBDB-5F35962D6825}"/>
+              </a:ext>
+            </a:extLst>
+          </p:cNvPr>
+          <p:cNvSpPr txBox="1">
+            <a:spLocks/>
+          </p:cNvSpPr>
+          <p:nvPr/>
+        </p:nvSpPr>
+        <p:spPr>
+          <a:xfrm>
+            <a:off x="7387947" y="2431181"/>
+            <a:ext cx="3746090" cy="307597"/>
+          </a:xfrm>
+          <a:prstGeom prst="rect">
+            <a:avLst/>
+          </a:prstGeom>
+        </p:spPr>
+        <p:txBody>
+          <a:bodyPr vert="horz" lIns="91440" tIns="45720" rIns="91440" bIns="45720" rtlCol="0">
+            <a:noAutofit/>
+          </a:bodyPr>
+          <a:lstStyle>
+            <a:lvl1pPr marL="0" indent="0" algn="ctr" defTabSz="914400" rtl="0" eaLnBrk="1" latinLnBrk="0" hangingPunct="1">
+              <a:lnSpc>
+                <a:spcPct val="90000"/>
+              </a:lnSpc>
+              <a:spcBef>
+                <a:spcPts val="1000"/>
+              </a:spcBef>
+              <a:buFont typeface="Arial" panose="020B0604020202020204" pitchFamily="34" charset="0"/>
+              <a:buNone/>
+              <a:defRPr kumimoji="1" sz="2400" kern="1200">
+                <a:solidFill>
+                  <a:schemeClr val="tx1"/>
+                </a:solidFill>
+                <a:latin typeface="+mn-lt"/>
+                <a:ea typeface="+mn-ea"/>
+                <a:cs typeface="+mn-cs"/>
+              </a:defRPr>
+            </a:lvl1pPr>
+            <a:lvl2pPr marL="457200" indent="0" algn="ctr" defTabSz="914400" rtl="0" eaLnBrk="1" latinLnBrk="0" hangingPunct="1">
+              <a:lnSpc>
+                <a:spcPct val="90000"/>
+              </a:lnSpc>
+              <a:spcBef>
+                <a:spcPts val="500"/>
+              </a:spcBef>
+              <a:buFont typeface="Arial" panose="020B0604020202020204" pitchFamily="34" charset="0"/>
+              <a:buNone/>
+              <a:defRPr kumimoji="1" sz="2000" kern="1200">
+                <a:solidFill>
+                  <a:schemeClr val="tx1"/>
+                </a:solidFill>
+                <a:latin typeface="+mn-lt"/>
+                <a:ea typeface="+mn-ea"/>
+                <a:cs typeface="+mn-cs"/>
+              </a:defRPr>
+            </a:lvl2pPr>
+            <a:lvl3pPr marL="914400" indent="0" algn="ctr" defTabSz="914400" rtl="0" eaLnBrk="1" latinLnBrk="0" hangingPunct="1">
+              <a:lnSpc>
+                <a:spcPct val="90000"/>
+              </a:lnSpc>
+              <a:spcBef>
+                <a:spcPts val="500"/>
+              </a:spcBef>
+              <a:buFont typeface="Arial" panose="020B0604020202020204" pitchFamily="34" charset="0"/>
+              <a:buNone/>
+              <a:defRPr kumimoji="1" sz="1800" kern="1200">
+                <a:solidFill>
+                  <a:schemeClr val="tx1"/>
+                </a:solidFill>
+                <a:latin typeface="+mn-lt"/>
+                <a:ea typeface="+mn-ea"/>
+                <a:cs typeface="+mn-cs"/>
+              </a:defRPr>
+            </a:lvl3pPr>
+            <a:lvl4pPr marL="1371600" indent="0" algn="ctr" defTabSz="914400" rtl="0" eaLnBrk="1" latinLnBrk="0" hangingPunct="1">
+              <a:lnSpc>
+                <a:spcPct val="90000"/>
+              </a:lnSpc>
+              <a:spcBef>
+                <a:spcPts val="500"/>
+              </a:spcBef>
+              <a:buFont typeface="Arial" panose="020B0604020202020204" pitchFamily="34" charset="0"/>
+              <a:buNone/>
+              <a:defRPr kumimoji="1" sz="1600" kern="1200">
+                <a:solidFill>
+                  <a:schemeClr val="tx1"/>
+                </a:solidFill>
+                <a:latin typeface="+mn-lt"/>
+                <a:ea typeface="+mn-ea"/>
+                <a:cs typeface="+mn-cs"/>
+              </a:defRPr>
+            </a:lvl4pPr>
+            <a:lvl5pPr marL="1828800" indent="0" algn="ctr" defTabSz="914400" rtl="0" eaLnBrk="1" latinLnBrk="0" hangingPunct="1">
+              <a:lnSpc>
+                <a:spcPct val="90000"/>
+              </a:lnSpc>
+              <a:spcBef>
+                <a:spcPts val="500"/>
+              </a:spcBef>
+              <a:buFont typeface="Arial" panose="020B0604020202020204" pitchFamily="34" charset="0"/>
+              <a:buNone/>
+              <a:defRPr kumimoji="1" sz="1600" kern="1200">
+                <a:solidFill>
+                  <a:schemeClr val="tx1"/>
+                </a:solidFill>
+                <a:latin typeface="+mn-lt"/>
+                <a:ea typeface="+mn-ea"/>
+                <a:cs typeface="+mn-cs"/>
+              </a:defRPr>
+            </a:lvl5pPr>
+            <a:lvl6pPr marL="2286000" indent="0" algn="ctr" defTabSz="914400" rtl="0" eaLnBrk="1" latinLnBrk="0" hangingPunct="1">
+              <a:lnSpc>
+                <a:spcPct val="90000"/>
+              </a:lnSpc>
+              <a:spcBef>
+                <a:spcPts val="500"/>
+              </a:spcBef>
+              <a:buFont typeface="Arial" panose="020B0604020202020204" pitchFamily="34" charset="0"/>
+              <a:buNone/>
+              <a:defRPr kumimoji="1" sz="1600" kern="1200">
+                <a:solidFill>
+                  <a:schemeClr val="tx1"/>
+                </a:solidFill>
+                <a:latin typeface="+mn-lt"/>
+                <a:ea typeface="+mn-ea"/>
+                <a:cs typeface="+mn-cs"/>
+              </a:defRPr>
+            </a:lvl6pPr>
+            <a:lvl7pPr marL="2743200" indent="0" algn="ctr" defTabSz="914400" rtl="0" eaLnBrk="1" latinLnBrk="0" hangingPunct="1">
+              <a:lnSpc>
+                <a:spcPct val="90000"/>
+              </a:lnSpc>
+              <a:spcBef>
+                <a:spcPts val="500"/>
+              </a:spcBef>
+              <a:buFont typeface="Arial" panose="020B0604020202020204" pitchFamily="34" charset="0"/>
+              <a:buNone/>
+              <a:defRPr kumimoji="1" sz="1600" kern="1200">
+                <a:solidFill>
+                  <a:schemeClr val="tx1"/>
+                </a:solidFill>
+                <a:latin typeface="+mn-lt"/>
+                <a:ea typeface="+mn-ea"/>
+                <a:cs typeface="+mn-cs"/>
+              </a:defRPr>
+            </a:lvl7pPr>
+            <a:lvl8pPr marL="3200400" indent="0" algn="ctr" defTabSz="914400" rtl="0" eaLnBrk="1" latinLnBrk="0" hangingPunct="1">
+              <a:lnSpc>
+                <a:spcPct val="90000"/>
+              </a:lnSpc>
+              <a:spcBef>
+                <a:spcPts val="500"/>
+              </a:spcBef>
+              <a:buFont typeface="Arial" panose="020B0604020202020204" pitchFamily="34" charset="0"/>
+              <a:buNone/>
+              <a:defRPr kumimoji="1" sz="1600" kern="1200">
+                <a:solidFill>
+                  <a:schemeClr val="tx1"/>
+                </a:solidFill>
+                <a:latin typeface="+mn-lt"/>
+                <a:ea typeface="+mn-ea"/>
+                <a:cs typeface="+mn-cs"/>
+              </a:defRPr>
+            </a:lvl8pPr>
+            <a:lvl9pPr marL="3657600" indent="0" algn="ctr" defTabSz="914400" rtl="0" eaLnBrk="1" latinLnBrk="0" hangingPunct="1">
+              <a:lnSpc>
+                <a:spcPct val="90000"/>
+              </a:lnSpc>
+              <a:spcBef>
+                <a:spcPts val="500"/>
+              </a:spcBef>
+              <a:buFont typeface="Arial" panose="020B0604020202020204" pitchFamily="34" charset="0"/>
+              <a:buNone/>
+              <a:defRPr kumimoji="1" sz="1600" kern="1200">
+                <a:solidFill>
+                  <a:schemeClr val="tx1"/>
+                </a:solidFill>
+                <a:latin typeface="+mn-lt"/>
+                <a:ea typeface="+mn-ea"/>
+                <a:cs typeface="+mn-cs"/>
+              </a:defRPr>
+            </a:lvl9pPr>
+          </a:lstStyle>
+          <a:p>
+            <a:r>
+              <a:rPr lang="en-US" altLang="ja-JP" sz="4800" b="1" dirty="0">
+                <a:effectLst/>
+                <a:latin typeface="AR顏眞楷書体H" panose="020B0609010101010101" pitchFamily="49" charset="-128"/>
+                <a:ea typeface="AR顏眞楷書体H" panose="020B0609010101010101" pitchFamily="49" charset="-128"/>
+                <a:cs typeface="Times New Roman" panose="02020603050405020304" pitchFamily="18" charset="0"/>
+              </a:rPr>
+              <a:t>-1.0</a:t>
+            </a:r>
+            <a:endParaRPr lang="ja-JP" altLang="ja-JP" sz="4800" b="1" kern="100" dirty="0">
+              <a:latin typeface="AR顏眞楷書体H" panose="020B0609010101010101" pitchFamily="49" charset="-128"/>
+              <a:ea typeface="AR顏眞楷書体H" panose="020B0609010101010101" pitchFamily="49" charset="-128"/>
+              <a:cs typeface="Times New Roman" panose="02020603050405020304" pitchFamily="18" charset="0"/>
+            </a:endParaRPr>
+          </a:p>
+        </p:txBody>
+      </p:sp>
+      <p:sp>
+        <p:nvSpPr>
+          <p:cNvPr id="12" name="字幕 2">
+            <a:extLst>
+              <a:ext uri="{FF2B5EF4-FFF2-40B4-BE49-F238E27FC236}">
+                <a16:creationId xmlns:a16="http://schemas.microsoft.com/office/drawing/2014/main" id="{F28D35E2-BE1A-B61D-8B01-4CDFBF4845C0}"/>
+              </a:ext>
+            </a:extLst>
+          </p:cNvPr>
+          <p:cNvSpPr txBox="1">
+            <a:spLocks/>
+          </p:cNvSpPr>
+          <p:nvPr/>
+        </p:nvSpPr>
+        <p:spPr>
+          <a:xfrm>
+            <a:off x="7387947" y="3246880"/>
+            <a:ext cx="3746090" cy="678328"/>
+          </a:xfrm>
+          <a:prstGeom prst="rect">
+            <a:avLst/>
+          </a:prstGeom>
+        </p:spPr>
+        <p:txBody>
+          <a:bodyPr vert="horz" lIns="91440" tIns="45720" rIns="91440" bIns="45720" rtlCol="0">
+            <a:normAutofit lnSpcReduction="10000"/>
+          </a:bodyPr>
+          <a:lstStyle>
+            <a:lvl1pPr marL="0" indent="0" algn="ctr" defTabSz="914400" rtl="0" eaLnBrk="1" latinLnBrk="0" hangingPunct="1">
+              <a:lnSpc>
+                <a:spcPct val="90000"/>
+              </a:lnSpc>
+              <a:spcBef>
+                <a:spcPts val="1000"/>
+              </a:spcBef>
+              <a:buFont typeface="Arial" panose="020B0604020202020204" pitchFamily="34" charset="0"/>
+              <a:buNone/>
+              <a:defRPr kumimoji="1" sz="2400" kern="1200">
+                <a:solidFill>
+                  <a:schemeClr val="tx1"/>
+                </a:solidFill>
+                <a:latin typeface="+mn-lt"/>
+                <a:ea typeface="+mn-ea"/>
+                <a:cs typeface="+mn-cs"/>
+              </a:defRPr>
+            </a:lvl1pPr>
+            <a:lvl2pPr marL="457200" indent="0" algn="ctr" defTabSz="914400" rtl="0" eaLnBrk="1" latinLnBrk="0" hangingPunct="1">
+              <a:lnSpc>
+                <a:spcPct val="90000"/>
+              </a:lnSpc>
+              <a:spcBef>
+                <a:spcPts val="500"/>
+              </a:spcBef>
+              <a:buFont typeface="Arial" panose="020B0604020202020204" pitchFamily="34" charset="0"/>
+              <a:buNone/>
+              <a:defRPr kumimoji="1" sz="2000" kern="1200">
+                <a:solidFill>
+                  <a:schemeClr val="tx1"/>
+                </a:solidFill>
+                <a:latin typeface="+mn-lt"/>
+                <a:ea typeface="+mn-ea"/>
+                <a:cs typeface="+mn-cs"/>
+              </a:defRPr>
+            </a:lvl2pPr>
+            <a:lvl3pPr marL="914400" indent="0" algn="ctr" defTabSz="914400" rtl="0" eaLnBrk="1" latinLnBrk="0" hangingPunct="1">
+              <a:lnSpc>
+                <a:spcPct val="90000"/>
+              </a:lnSpc>
+              <a:spcBef>
+                <a:spcPts val="500"/>
+              </a:spcBef>
+              <a:buFont typeface="Arial" panose="020B0604020202020204" pitchFamily="34" charset="0"/>
+              <a:buNone/>
+              <a:defRPr kumimoji="1" sz="1800" kern="1200">
+                <a:solidFill>
+                  <a:schemeClr val="tx1"/>
+                </a:solidFill>
+                <a:latin typeface="+mn-lt"/>
+                <a:ea typeface="+mn-ea"/>
+                <a:cs typeface="+mn-cs"/>
+              </a:defRPr>
+            </a:lvl3pPr>
+            <a:lvl4pPr marL="1371600" indent="0" algn="ctr" defTabSz="914400" rtl="0" eaLnBrk="1" latinLnBrk="0" hangingPunct="1">
+              <a:lnSpc>
+                <a:spcPct val="90000"/>
+              </a:lnSpc>
+              <a:spcBef>
+                <a:spcPts val="500"/>
+              </a:spcBef>
+              <a:buFont typeface="Arial" panose="020B0604020202020204" pitchFamily="34" charset="0"/>
+              <a:buNone/>
+              <a:defRPr kumimoji="1" sz="1600" kern="1200">
+                <a:solidFill>
+                  <a:schemeClr val="tx1"/>
+                </a:solidFill>
+                <a:latin typeface="+mn-lt"/>
+                <a:ea typeface="+mn-ea"/>
+                <a:cs typeface="+mn-cs"/>
+              </a:defRPr>
+            </a:lvl4pPr>
+            <a:lvl5pPr marL="1828800" indent="0" algn="ctr" defTabSz="914400" rtl="0" eaLnBrk="1" latinLnBrk="0" hangingPunct="1">
+              <a:lnSpc>
+                <a:spcPct val="90000"/>
+              </a:lnSpc>
+              <a:spcBef>
+                <a:spcPts val="500"/>
+              </a:spcBef>
+              <a:buFont typeface="Arial" panose="020B0604020202020204" pitchFamily="34" charset="0"/>
+              <a:buNone/>
+              <a:defRPr kumimoji="1" sz="1600" kern="1200">
+                <a:solidFill>
+                  <a:schemeClr val="tx1"/>
+                </a:solidFill>
+                <a:latin typeface="+mn-lt"/>
+                <a:ea typeface="+mn-ea"/>
+                <a:cs typeface="+mn-cs"/>
+              </a:defRPr>
+            </a:lvl5pPr>
+            <a:lvl6pPr marL="2286000" indent="0" algn="ctr" defTabSz="914400" rtl="0" eaLnBrk="1" latinLnBrk="0" hangingPunct="1">
+              <a:lnSpc>
+                <a:spcPct val="90000"/>
+              </a:lnSpc>
+              <a:spcBef>
+                <a:spcPts val="500"/>
+              </a:spcBef>
+              <a:buFont typeface="Arial" panose="020B0604020202020204" pitchFamily="34" charset="0"/>
+              <a:buNone/>
+              <a:defRPr kumimoji="1" sz="1600" kern="1200">
+                <a:solidFill>
+                  <a:schemeClr val="tx1"/>
+                </a:solidFill>
+                <a:latin typeface="+mn-lt"/>
+                <a:ea typeface="+mn-ea"/>
+                <a:cs typeface="+mn-cs"/>
+              </a:defRPr>
+            </a:lvl6pPr>
+            <a:lvl7pPr marL="2743200" indent="0" algn="ctr" defTabSz="914400" rtl="0" eaLnBrk="1" latinLnBrk="0" hangingPunct="1">
+              <a:lnSpc>
+                <a:spcPct val="90000"/>
+              </a:lnSpc>
+              <a:spcBef>
+                <a:spcPts val="500"/>
+              </a:spcBef>
+              <a:buFont typeface="Arial" panose="020B0604020202020204" pitchFamily="34" charset="0"/>
+              <a:buNone/>
+              <a:defRPr kumimoji="1" sz="1600" kern="1200">
+                <a:solidFill>
+                  <a:schemeClr val="tx1"/>
+                </a:solidFill>
+                <a:latin typeface="+mn-lt"/>
+                <a:ea typeface="+mn-ea"/>
+                <a:cs typeface="+mn-cs"/>
+              </a:defRPr>
+            </a:lvl7pPr>
+            <a:lvl8pPr marL="3200400" indent="0" algn="ctr" defTabSz="914400" rtl="0" eaLnBrk="1" latinLnBrk="0" hangingPunct="1">
+              <a:lnSpc>
+                <a:spcPct val="90000"/>
+              </a:lnSpc>
+              <a:spcBef>
+                <a:spcPts val="500"/>
+              </a:spcBef>
+              <a:buFont typeface="Arial" panose="020B0604020202020204" pitchFamily="34" charset="0"/>
+              <a:buNone/>
+              <a:defRPr kumimoji="1" sz="1600" kern="1200">
+                <a:solidFill>
+                  <a:schemeClr val="tx1"/>
+                </a:solidFill>
+                <a:latin typeface="+mn-lt"/>
+                <a:ea typeface="+mn-ea"/>
+                <a:cs typeface="+mn-cs"/>
+              </a:defRPr>
+            </a:lvl8pPr>
+            <a:lvl9pPr marL="3657600" indent="0" algn="ctr" defTabSz="914400" rtl="0" eaLnBrk="1" latinLnBrk="0" hangingPunct="1">
+              <a:lnSpc>
+                <a:spcPct val="90000"/>
+              </a:lnSpc>
+              <a:spcBef>
+                <a:spcPts val="500"/>
+              </a:spcBef>
+              <a:buFont typeface="Arial" panose="020B0604020202020204" pitchFamily="34" charset="0"/>
+              <a:buNone/>
+              <a:defRPr kumimoji="1" sz="1600" kern="1200">
+                <a:solidFill>
+                  <a:schemeClr val="tx1"/>
+                </a:solidFill>
+                <a:latin typeface="+mn-lt"/>
+                <a:ea typeface="+mn-ea"/>
+                <a:cs typeface="+mn-cs"/>
+              </a:defRPr>
+            </a:lvl9pPr>
+          </a:lstStyle>
+          <a:p>
+            <a:r>
+              <a:rPr lang="ja-JP" altLang="ja-JP" sz="1800" b="1" dirty="0">
+                <a:solidFill>
+                  <a:srgbClr val="996633"/>
+                </a:solidFill>
+                <a:effectLst/>
+                <a:latin typeface="+mj-lt"/>
+                <a:ea typeface="AR顏眞楷書体H" panose="020B0609010101010101" pitchFamily="49" charset="-128"/>
+                <a:cs typeface="Times New Roman" panose="02020603050405020304" pitchFamily="18" charset="0"/>
+              </a:rPr>
+              <a:t>次世代の</a:t>
+            </a:r>
+            <a:endParaRPr lang="en-US" altLang="ja-JP" sz="1800" b="1" dirty="0">
+              <a:solidFill>
+                <a:srgbClr val="996633"/>
+              </a:solidFill>
+              <a:effectLst/>
+              <a:latin typeface="+mj-lt"/>
+              <a:ea typeface="AR顏眞楷書体H" panose="020B0609010101010101" pitchFamily="49" charset="-128"/>
+              <a:cs typeface="Times New Roman" panose="02020603050405020304" pitchFamily="18" charset="0"/>
+            </a:endParaRPr>
+          </a:p>
+          <a:p>
+            <a:r>
+              <a:rPr lang="ja-JP" altLang="ja-JP" sz="1800" b="1" dirty="0">
+                <a:solidFill>
+                  <a:srgbClr val="996633"/>
+                </a:solidFill>
+                <a:effectLst/>
+                <a:latin typeface="+mj-lt"/>
+                <a:ea typeface="AR顏眞楷書体H" panose="020B0609010101010101" pitchFamily="49" charset="-128"/>
+                <a:cs typeface="Times New Roman" panose="02020603050405020304" pitchFamily="18" charset="0"/>
+              </a:rPr>
+              <a:t>デジタル公共インフラを考える</a:t>
+            </a:r>
+            <a:endParaRPr lang="ja-JP" altLang="ja-JP" sz="1800" kern="100" dirty="0">
+              <a:solidFill>
+                <a:srgbClr val="996633"/>
+              </a:solidFill>
+              <a:latin typeface="+mj-lt"/>
+              <a:ea typeface="AR顏眞楷書体H" panose="020B0609010101010101" pitchFamily="49" charset="-128"/>
+              <a:cs typeface="Times New Roman" panose="02020603050405020304" pitchFamily="18" charset="0"/>
+            </a:endParaRPr>
+          </a:p>
+        </p:txBody>
+      </p:sp>
+      <p:sp>
+        <p:nvSpPr>
+          <p:cNvPr id="13" name="字幕 2">
+            <a:extLst>
+              <a:ext uri="{FF2B5EF4-FFF2-40B4-BE49-F238E27FC236}">
+                <a16:creationId xmlns:a16="http://schemas.microsoft.com/office/drawing/2014/main" id="{EC3BF6D7-7202-4AEA-0297-AE993DD13A1B}"/>
+              </a:ext>
+            </a:extLst>
+          </p:cNvPr>
+          <p:cNvSpPr txBox="1">
+            <a:spLocks/>
+          </p:cNvSpPr>
+          <p:nvPr/>
+        </p:nvSpPr>
+        <p:spPr>
+          <a:xfrm>
+            <a:off x="7387947" y="3908780"/>
+            <a:ext cx="3746090" cy="678328"/>
+          </a:xfrm>
+          <a:prstGeom prst="rect">
+            <a:avLst/>
+          </a:prstGeom>
+        </p:spPr>
+        <p:txBody>
+          <a:bodyPr vert="horz" lIns="91440" tIns="45720" rIns="91440" bIns="45720" rtlCol="0">
+            <a:normAutofit/>
+          </a:bodyPr>
+          <a:lstStyle>
+            <a:lvl1pPr marL="0" indent="0" algn="ctr" defTabSz="914400" rtl="0" eaLnBrk="1" latinLnBrk="0" hangingPunct="1">
+              <a:lnSpc>
+                <a:spcPct val="90000"/>
+              </a:lnSpc>
+              <a:spcBef>
+                <a:spcPts val="1000"/>
+              </a:spcBef>
+              <a:buFont typeface="Arial" panose="020B0604020202020204" pitchFamily="34" charset="0"/>
+              <a:buNone/>
+              <a:defRPr kumimoji="1" sz="2400" kern="1200">
+                <a:solidFill>
+                  <a:schemeClr val="tx1"/>
+                </a:solidFill>
+                <a:latin typeface="+mn-lt"/>
+                <a:ea typeface="+mn-ea"/>
+                <a:cs typeface="+mn-cs"/>
+              </a:defRPr>
+            </a:lvl1pPr>
+            <a:lvl2pPr marL="457200" indent="0" algn="ctr" defTabSz="914400" rtl="0" eaLnBrk="1" latinLnBrk="0" hangingPunct="1">
+              <a:lnSpc>
+                <a:spcPct val="90000"/>
+              </a:lnSpc>
+              <a:spcBef>
+                <a:spcPts val="500"/>
+              </a:spcBef>
+              <a:buFont typeface="Arial" panose="020B0604020202020204" pitchFamily="34" charset="0"/>
+              <a:buNone/>
+              <a:defRPr kumimoji="1" sz="2000" kern="1200">
+                <a:solidFill>
+                  <a:schemeClr val="tx1"/>
+                </a:solidFill>
+                <a:latin typeface="+mn-lt"/>
+                <a:ea typeface="+mn-ea"/>
+                <a:cs typeface="+mn-cs"/>
+              </a:defRPr>
+            </a:lvl2pPr>
+            <a:lvl3pPr marL="914400" indent="0" algn="ctr" defTabSz="914400" rtl="0" eaLnBrk="1" latinLnBrk="0" hangingPunct="1">
+              <a:lnSpc>
+                <a:spcPct val="90000"/>
+              </a:lnSpc>
+              <a:spcBef>
+                <a:spcPts val="500"/>
+              </a:spcBef>
+              <a:buFont typeface="Arial" panose="020B0604020202020204" pitchFamily="34" charset="0"/>
+              <a:buNone/>
+              <a:defRPr kumimoji="1" sz="1800" kern="1200">
+                <a:solidFill>
+                  <a:schemeClr val="tx1"/>
+                </a:solidFill>
+                <a:latin typeface="+mn-lt"/>
+                <a:ea typeface="+mn-ea"/>
+                <a:cs typeface="+mn-cs"/>
+              </a:defRPr>
+            </a:lvl3pPr>
+            <a:lvl4pPr marL="1371600" indent="0" algn="ctr" defTabSz="914400" rtl="0" eaLnBrk="1" latinLnBrk="0" hangingPunct="1">
+              <a:lnSpc>
+                <a:spcPct val="90000"/>
+              </a:lnSpc>
+              <a:spcBef>
+                <a:spcPts val="500"/>
+              </a:spcBef>
+              <a:buFont typeface="Arial" panose="020B0604020202020204" pitchFamily="34" charset="0"/>
+              <a:buNone/>
+              <a:defRPr kumimoji="1" sz="1600" kern="1200">
+                <a:solidFill>
+                  <a:schemeClr val="tx1"/>
+                </a:solidFill>
+                <a:latin typeface="+mn-lt"/>
+                <a:ea typeface="+mn-ea"/>
+                <a:cs typeface="+mn-cs"/>
+              </a:defRPr>
+            </a:lvl4pPr>
+            <a:lvl5pPr marL="1828800" indent="0" algn="ctr" defTabSz="914400" rtl="0" eaLnBrk="1" latinLnBrk="0" hangingPunct="1">
+              <a:lnSpc>
+                <a:spcPct val="90000"/>
+              </a:lnSpc>
+              <a:spcBef>
+                <a:spcPts val="500"/>
+              </a:spcBef>
+              <a:buFont typeface="Arial" panose="020B0604020202020204" pitchFamily="34" charset="0"/>
+              <a:buNone/>
+              <a:defRPr kumimoji="1" sz="1600" kern="1200">
+                <a:solidFill>
+                  <a:schemeClr val="tx1"/>
+                </a:solidFill>
+                <a:latin typeface="+mn-lt"/>
+                <a:ea typeface="+mn-ea"/>
+                <a:cs typeface="+mn-cs"/>
+              </a:defRPr>
+            </a:lvl5pPr>
+            <a:lvl6pPr marL="2286000" indent="0" algn="ctr" defTabSz="914400" rtl="0" eaLnBrk="1" latinLnBrk="0" hangingPunct="1">
+              <a:lnSpc>
+                <a:spcPct val="90000"/>
+              </a:lnSpc>
+              <a:spcBef>
+                <a:spcPts val="500"/>
+              </a:spcBef>
+              <a:buFont typeface="Arial" panose="020B0604020202020204" pitchFamily="34" charset="0"/>
+              <a:buNone/>
+              <a:defRPr kumimoji="1" sz="1600" kern="1200">
+                <a:solidFill>
+                  <a:schemeClr val="tx1"/>
+                </a:solidFill>
+                <a:latin typeface="+mn-lt"/>
+                <a:ea typeface="+mn-ea"/>
+                <a:cs typeface="+mn-cs"/>
+              </a:defRPr>
+            </a:lvl6pPr>
+            <a:lvl7pPr marL="2743200" indent="0" algn="ctr" defTabSz="914400" rtl="0" eaLnBrk="1" latinLnBrk="0" hangingPunct="1">
+              <a:lnSpc>
+                <a:spcPct val="90000"/>
+              </a:lnSpc>
+              <a:spcBef>
+                <a:spcPts val="500"/>
+              </a:spcBef>
+              <a:buFont typeface="Arial" panose="020B0604020202020204" pitchFamily="34" charset="0"/>
+              <a:buNone/>
+              <a:defRPr kumimoji="1" sz="1600" kern="1200">
+                <a:solidFill>
+                  <a:schemeClr val="tx1"/>
+                </a:solidFill>
+                <a:latin typeface="+mn-lt"/>
+                <a:ea typeface="+mn-ea"/>
+                <a:cs typeface="+mn-cs"/>
+              </a:defRPr>
+            </a:lvl7pPr>
+            <a:lvl8pPr marL="3200400" indent="0" algn="ctr" defTabSz="914400" rtl="0" eaLnBrk="1" latinLnBrk="0" hangingPunct="1">
+              <a:lnSpc>
+                <a:spcPct val="90000"/>
+              </a:lnSpc>
+              <a:spcBef>
+                <a:spcPts val="500"/>
+              </a:spcBef>
+              <a:buFont typeface="Arial" panose="020B0604020202020204" pitchFamily="34" charset="0"/>
+              <a:buNone/>
+              <a:defRPr kumimoji="1" sz="1600" kern="1200">
+                <a:solidFill>
+                  <a:schemeClr val="tx1"/>
+                </a:solidFill>
+                <a:latin typeface="+mn-lt"/>
+                <a:ea typeface="+mn-ea"/>
+                <a:cs typeface="+mn-cs"/>
+              </a:defRPr>
+            </a:lvl8pPr>
+            <a:lvl9pPr marL="3657600" indent="0" algn="ctr" defTabSz="914400" rtl="0" eaLnBrk="1" latinLnBrk="0" hangingPunct="1">
+              <a:lnSpc>
+                <a:spcPct val="90000"/>
+              </a:lnSpc>
+              <a:spcBef>
+                <a:spcPts val="500"/>
+              </a:spcBef>
+              <a:buFont typeface="Arial" panose="020B0604020202020204" pitchFamily="34" charset="0"/>
+              <a:buNone/>
+              <a:defRPr kumimoji="1" sz="1600" kern="1200">
+                <a:solidFill>
+                  <a:schemeClr val="tx1"/>
+                </a:solidFill>
+                <a:latin typeface="+mn-lt"/>
+                <a:ea typeface="+mn-ea"/>
+                <a:cs typeface="+mn-cs"/>
+              </a:defRPr>
+            </a:lvl9pPr>
+          </a:lstStyle>
+          <a:p>
+            <a:r>
+              <a:rPr lang="ja-JP" altLang="ja-JP" sz="1800" b="1" dirty="0">
+                <a:solidFill>
+                  <a:srgbClr val="996633"/>
+                </a:solidFill>
+                <a:effectLst/>
+                <a:latin typeface="+mj-lt"/>
+                <a:ea typeface="AR顏眞楷書体H" panose="020B0609010101010101" pitchFamily="49" charset="-128"/>
+                <a:cs typeface="Times New Roman" panose="02020603050405020304" pitchFamily="18" charset="0"/>
+              </a:rPr>
+              <a:t>～インディアスタックの衝撃～</a:t>
+            </a:r>
+            <a:endParaRPr lang="ja-JP" altLang="ja-JP" sz="1800" kern="100" dirty="0">
+              <a:solidFill>
+                <a:srgbClr val="996633"/>
+              </a:solidFill>
+              <a:latin typeface="+mj-lt"/>
+              <a:ea typeface="AR顏眞楷書体H" panose="020B0609010101010101" pitchFamily="49" charset="-128"/>
+              <a:cs typeface="Times New Roman" panose="02020603050405020304" pitchFamily="18" charset="0"/>
+            </a:endParaRPr>
+          </a:p>
+        </p:txBody>
+      </p:sp>
+      <p:sp>
+        <p:nvSpPr>
+          <p:cNvPr id="14" name="字幕 2">
+            <a:extLst>
+              <a:ext uri="{FF2B5EF4-FFF2-40B4-BE49-F238E27FC236}">
+                <a16:creationId xmlns:a16="http://schemas.microsoft.com/office/drawing/2014/main" id="{549ED2FD-14C0-956F-723F-6192C1F0F631}"/>
+              </a:ext>
+            </a:extLst>
+          </p:cNvPr>
+          <p:cNvSpPr txBox="1">
+            <a:spLocks/>
+          </p:cNvSpPr>
+          <p:nvPr/>
+        </p:nvSpPr>
+        <p:spPr>
+          <a:xfrm>
+            <a:off x="7387947" y="4570680"/>
+            <a:ext cx="3746090" cy="678328"/>
+          </a:xfrm>
+          <a:prstGeom prst="rect">
+            <a:avLst/>
+          </a:prstGeom>
+        </p:spPr>
+        <p:txBody>
+          <a:bodyPr vert="horz" lIns="91440" tIns="45720" rIns="91440" bIns="45720" rtlCol="0">
+            <a:noAutofit/>
+          </a:bodyPr>
+          <a:lstStyle>
+            <a:lvl1pPr marL="0" indent="0" algn="ctr" defTabSz="914400" rtl="0" eaLnBrk="1" latinLnBrk="0" hangingPunct="1">
+              <a:lnSpc>
+                <a:spcPct val="90000"/>
+              </a:lnSpc>
+              <a:spcBef>
+                <a:spcPts val="1000"/>
+              </a:spcBef>
+              <a:buFont typeface="Arial" panose="020B0604020202020204" pitchFamily="34" charset="0"/>
+              <a:buNone/>
+              <a:defRPr kumimoji="1" sz="2400" kern="1200">
+                <a:solidFill>
+                  <a:schemeClr val="tx1"/>
+                </a:solidFill>
+                <a:latin typeface="+mn-lt"/>
+                <a:ea typeface="+mn-ea"/>
+                <a:cs typeface="+mn-cs"/>
+              </a:defRPr>
+            </a:lvl1pPr>
+            <a:lvl2pPr marL="457200" indent="0" algn="ctr" defTabSz="914400" rtl="0" eaLnBrk="1" latinLnBrk="0" hangingPunct="1">
+              <a:lnSpc>
+                <a:spcPct val="90000"/>
+              </a:lnSpc>
+              <a:spcBef>
+                <a:spcPts val="500"/>
+              </a:spcBef>
+              <a:buFont typeface="Arial" panose="020B0604020202020204" pitchFamily="34" charset="0"/>
+              <a:buNone/>
+              <a:defRPr kumimoji="1" sz="2000" kern="1200">
+                <a:solidFill>
+                  <a:schemeClr val="tx1"/>
+                </a:solidFill>
+                <a:latin typeface="+mn-lt"/>
+                <a:ea typeface="+mn-ea"/>
+                <a:cs typeface="+mn-cs"/>
+              </a:defRPr>
+            </a:lvl2pPr>
+            <a:lvl3pPr marL="914400" indent="0" algn="ctr" defTabSz="914400" rtl="0" eaLnBrk="1" latinLnBrk="0" hangingPunct="1">
+              <a:lnSpc>
+                <a:spcPct val="90000"/>
+              </a:lnSpc>
+              <a:spcBef>
+                <a:spcPts val="500"/>
+              </a:spcBef>
+              <a:buFont typeface="Arial" panose="020B0604020202020204" pitchFamily="34" charset="0"/>
+              <a:buNone/>
+              <a:defRPr kumimoji="1" sz="1800" kern="1200">
+                <a:solidFill>
+                  <a:schemeClr val="tx1"/>
+                </a:solidFill>
+                <a:latin typeface="+mn-lt"/>
+                <a:ea typeface="+mn-ea"/>
+                <a:cs typeface="+mn-cs"/>
+              </a:defRPr>
+            </a:lvl3pPr>
+            <a:lvl4pPr marL="1371600" indent="0" algn="ctr" defTabSz="914400" rtl="0" eaLnBrk="1" latinLnBrk="0" hangingPunct="1">
+              <a:lnSpc>
+                <a:spcPct val="90000"/>
+              </a:lnSpc>
+              <a:spcBef>
+                <a:spcPts val="500"/>
+              </a:spcBef>
+              <a:buFont typeface="Arial" panose="020B0604020202020204" pitchFamily="34" charset="0"/>
+              <a:buNone/>
+              <a:defRPr kumimoji="1" sz="1600" kern="1200">
+                <a:solidFill>
+                  <a:schemeClr val="tx1"/>
+                </a:solidFill>
+                <a:latin typeface="+mn-lt"/>
+                <a:ea typeface="+mn-ea"/>
+                <a:cs typeface="+mn-cs"/>
+              </a:defRPr>
+            </a:lvl4pPr>
+            <a:lvl5pPr marL="1828800" indent="0" algn="ctr" defTabSz="914400" rtl="0" eaLnBrk="1" latinLnBrk="0" hangingPunct="1">
+              <a:lnSpc>
+                <a:spcPct val="90000"/>
+              </a:lnSpc>
+              <a:spcBef>
+                <a:spcPts val="500"/>
+              </a:spcBef>
+              <a:buFont typeface="Arial" panose="020B0604020202020204" pitchFamily="34" charset="0"/>
+              <a:buNone/>
+              <a:defRPr kumimoji="1" sz="1600" kern="1200">
+                <a:solidFill>
+                  <a:schemeClr val="tx1"/>
+                </a:solidFill>
+                <a:latin typeface="+mn-lt"/>
+                <a:ea typeface="+mn-ea"/>
+                <a:cs typeface="+mn-cs"/>
+              </a:defRPr>
+            </a:lvl5pPr>
+            <a:lvl6pPr marL="2286000" indent="0" algn="ctr" defTabSz="914400" rtl="0" eaLnBrk="1" latinLnBrk="0" hangingPunct="1">
+              <a:lnSpc>
+                <a:spcPct val="90000"/>
+              </a:lnSpc>
+              <a:spcBef>
+                <a:spcPts val="500"/>
+              </a:spcBef>
+              <a:buFont typeface="Arial" panose="020B0604020202020204" pitchFamily="34" charset="0"/>
+              <a:buNone/>
+              <a:defRPr kumimoji="1" sz="1600" kern="1200">
+                <a:solidFill>
+                  <a:schemeClr val="tx1"/>
+                </a:solidFill>
+                <a:latin typeface="+mn-lt"/>
+                <a:ea typeface="+mn-ea"/>
+                <a:cs typeface="+mn-cs"/>
+              </a:defRPr>
+            </a:lvl6pPr>
+            <a:lvl7pPr marL="2743200" indent="0" algn="ctr" defTabSz="914400" rtl="0" eaLnBrk="1" latinLnBrk="0" hangingPunct="1">
+              <a:lnSpc>
+                <a:spcPct val="90000"/>
+              </a:lnSpc>
+              <a:spcBef>
+                <a:spcPts val="500"/>
+              </a:spcBef>
+              <a:buFont typeface="Arial" panose="020B0604020202020204" pitchFamily="34" charset="0"/>
+              <a:buNone/>
+              <a:defRPr kumimoji="1" sz="1600" kern="1200">
+                <a:solidFill>
+                  <a:schemeClr val="tx1"/>
+                </a:solidFill>
+                <a:latin typeface="+mn-lt"/>
+                <a:ea typeface="+mn-ea"/>
+                <a:cs typeface="+mn-cs"/>
+              </a:defRPr>
+            </a:lvl7pPr>
+            <a:lvl8pPr marL="3200400" indent="0" algn="ctr" defTabSz="914400" rtl="0" eaLnBrk="1" latinLnBrk="0" hangingPunct="1">
+              <a:lnSpc>
+                <a:spcPct val="90000"/>
+              </a:lnSpc>
+              <a:spcBef>
+                <a:spcPts val="500"/>
+              </a:spcBef>
+              <a:buFont typeface="Arial" panose="020B0604020202020204" pitchFamily="34" charset="0"/>
+              <a:buNone/>
+              <a:defRPr kumimoji="1" sz="1600" kern="1200">
+                <a:solidFill>
+                  <a:schemeClr val="tx1"/>
+                </a:solidFill>
+                <a:latin typeface="+mn-lt"/>
+                <a:ea typeface="+mn-ea"/>
+                <a:cs typeface="+mn-cs"/>
+              </a:defRPr>
+            </a:lvl8pPr>
+            <a:lvl9pPr marL="3657600" indent="0" algn="ctr" defTabSz="914400" rtl="0" eaLnBrk="1" latinLnBrk="0" hangingPunct="1">
+              <a:lnSpc>
+                <a:spcPct val="90000"/>
+              </a:lnSpc>
+              <a:spcBef>
+                <a:spcPts val="500"/>
+              </a:spcBef>
+              <a:buFont typeface="Arial" panose="020B0604020202020204" pitchFamily="34" charset="0"/>
+              <a:buNone/>
+              <a:defRPr kumimoji="1" sz="1600" kern="1200">
+                <a:solidFill>
+                  <a:schemeClr val="tx1"/>
+                </a:solidFill>
+                <a:latin typeface="+mn-lt"/>
+                <a:ea typeface="+mn-ea"/>
+                <a:cs typeface="+mn-cs"/>
+              </a:defRPr>
+            </a:lvl9pPr>
+          </a:lstStyle>
+          <a:p>
+            <a:r>
+              <a:rPr lang="ja-JP" altLang="ja-JP" sz="5400" b="1" dirty="0">
+                <a:effectLst/>
+                <a:latin typeface="+mj-lt"/>
+                <a:ea typeface="AR顏眞楷書体H" panose="020B0609010101010101" pitchFamily="49" charset="-128"/>
+                <a:cs typeface="Times New Roman" panose="02020603050405020304" pitchFamily="18" charset="0"/>
+              </a:rPr>
+              <a:t>元谷 崇</a:t>
+            </a:r>
+            <a:endParaRPr lang="ja-JP" altLang="ja-JP" sz="5400" kern="100" dirty="0">
+              <a:latin typeface="+mj-lt"/>
+              <a:ea typeface="AR顏眞楷書体H" panose="020B0609010101010101" pitchFamily="49" charset="-128"/>
+              <a:cs typeface="Times New Roman" panose="02020603050405020304" pitchFamily="18" charset="0"/>
+            </a:endParaRPr>
+          </a:p>
+        </p:txBody>
+      </p:sp>
+      <p:sp>
+        <p:nvSpPr>
+          <p:cNvPr id="2" name="字幕 2">
+            <a:extLst>
+              <a:ext uri="{FF2B5EF4-FFF2-40B4-BE49-F238E27FC236}">
+                <a16:creationId xmlns:a16="http://schemas.microsoft.com/office/drawing/2014/main" id="{43F134D8-67FF-2FFF-B3F7-A9F57923F012}"/>
+              </a:ext>
+            </a:extLst>
+          </p:cNvPr>
+          <p:cNvSpPr txBox="1">
+            <a:spLocks/>
+          </p:cNvSpPr>
+          <p:nvPr/>
+        </p:nvSpPr>
+        <p:spPr>
+          <a:xfrm>
+            <a:off x="6180879" y="571856"/>
+            <a:ext cx="332211" cy="4767625"/>
+          </a:xfrm>
+          <a:prstGeom prst="rect">
+            <a:avLst/>
+          </a:prstGeom>
+        </p:spPr>
+        <p:txBody>
+          <a:bodyPr vert="eaVert" lIns="91440" tIns="45720" rIns="91440" bIns="45720" rtlCol="0">
+            <a:noAutofit/>
+          </a:bodyPr>
+          <a:lstStyle>
+            <a:lvl1pPr marL="0" indent="0" algn="ctr" defTabSz="914400" rtl="0" eaLnBrk="1" latinLnBrk="0" hangingPunct="1">
+              <a:lnSpc>
+                <a:spcPct val="90000"/>
+              </a:lnSpc>
+              <a:spcBef>
+                <a:spcPts val="1000"/>
+              </a:spcBef>
+              <a:buFont typeface="Arial" panose="020B0604020202020204" pitchFamily="34" charset="0"/>
+              <a:buNone/>
+              <a:defRPr kumimoji="1" sz="2400" kern="1200">
+                <a:solidFill>
+                  <a:schemeClr val="tx1"/>
+                </a:solidFill>
+                <a:latin typeface="+mn-lt"/>
+                <a:ea typeface="+mn-ea"/>
+                <a:cs typeface="+mn-cs"/>
+              </a:defRPr>
+            </a:lvl1pPr>
+            <a:lvl2pPr marL="457200" indent="0" algn="ctr" defTabSz="914400" rtl="0" eaLnBrk="1" latinLnBrk="0" hangingPunct="1">
+              <a:lnSpc>
+                <a:spcPct val="90000"/>
+              </a:lnSpc>
+              <a:spcBef>
+                <a:spcPts val="500"/>
+              </a:spcBef>
+              <a:buFont typeface="Arial" panose="020B0604020202020204" pitchFamily="34" charset="0"/>
+              <a:buNone/>
+              <a:defRPr kumimoji="1" sz="2000" kern="1200">
+                <a:solidFill>
+                  <a:schemeClr val="tx1"/>
+                </a:solidFill>
+                <a:latin typeface="+mn-lt"/>
+                <a:ea typeface="+mn-ea"/>
+                <a:cs typeface="+mn-cs"/>
+              </a:defRPr>
+            </a:lvl2pPr>
+            <a:lvl3pPr marL="914400" indent="0" algn="ctr" defTabSz="914400" rtl="0" eaLnBrk="1" latinLnBrk="0" hangingPunct="1">
+              <a:lnSpc>
+                <a:spcPct val="90000"/>
+              </a:lnSpc>
+              <a:spcBef>
+                <a:spcPts val="500"/>
+              </a:spcBef>
+              <a:buFont typeface="Arial" panose="020B0604020202020204" pitchFamily="34" charset="0"/>
+              <a:buNone/>
+              <a:defRPr kumimoji="1" sz="1800" kern="1200">
+                <a:solidFill>
+                  <a:schemeClr val="tx1"/>
+                </a:solidFill>
+                <a:latin typeface="+mn-lt"/>
+                <a:ea typeface="+mn-ea"/>
+                <a:cs typeface="+mn-cs"/>
+              </a:defRPr>
+            </a:lvl3pPr>
+            <a:lvl4pPr marL="1371600" indent="0" algn="ctr" defTabSz="914400" rtl="0" eaLnBrk="1" latinLnBrk="0" hangingPunct="1">
+              <a:lnSpc>
+                <a:spcPct val="90000"/>
+              </a:lnSpc>
+              <a:spcBef>
+                <a:spcPts val="500"/>
+              </a:spcBef>
+              <a:buFont typeface="Arial" panose="020B0604020202020204" pitchFamily="34" charset="0"/>
+              <a:buNone/>
+              <a:defRPr kumimoji="1" sz="1600" kern="1200">
+                <a:solidFill>
+                  <a:schemeClr val="tx1"/>
+                </a:solidFill>
+                <a:latin typeface="+mn-lt"/>
+                <a:ea typeface="+mn-ea"/>
+                <a:cs typeface="+mn-cs"/>
+              </a:defRPr>
+            </a:lvl4pPr>
+            <a:lvl5pPr marL="1828800" indent="0" algn="ctr" defTabSz="914400" rtl="0" eaLnBrk="1" latinLnBrk="0" hangingPunct="1">
+              <a:lnSpc>
+                <a:spcPct val="90000"/>
+              </a:lnSpc>
+              <a:spcBef>
+                <a:spcPts val="500"/>
+              </a:spcBef>
+              <a:buFont typeface="Arial" panose="020B0604020202020204" pitchFamily="34" charset="0"/>
+              <a:buNone/>
+              <a:defRPr kumimoji="1" sz="1600" kern="1200">
+                <a:solidFill>
+                  <a:schemeClr val="tx1"/>
+                </a:solidFill>
+                <a:latin typeface="+mn-lt"/>
+                <a:ea typeface="+mn-ea"/>
+                <a:cs typeface="+mn-cs"/>
+              </a:defRPr>
+            </a:lvl5pPr>
+            <a:lvl6pPr marL="2286000" indent="0" algn="ctr" defTabSz="914400" rtl="0" eaLnBrk="1" latinLnBrk="0" hangingPunct="1">
+              <a:lnSpc>
+                <a:spcPct val="90000"/>
+              </a:lnSpc>
+              <a:spcBef>
+                <a:spcPts val="500"/>
+              </a:spcBef>
+              <a:buFont typeface="Arial" panose="020B0604020202020204" pitchFamily="34" charset="0"/>
+              <a:buNone/>
+              <a:defRPr kumimoji="1" sz="1600" kern="1200">
+                <a:solidFill>
+                  <a:schemeClr val="tx1"/>
+                </a:solidFill>
+                <a:latin typeface="+mn-lt"/>
+                <a:ea typeface="+mn-ea"/>
+                <a:cs typeface="+mn-cs"/>
+              </a:defRPr>
+            </a:lvl6pPr>
+            <a:lvl7pPr marL="2743200" indent="0" algn="ctr" defTabSz="914400" rtl="0" eaLnBrk="1" latinLnBrk="0" hangingPunct="1">
+              <a:lnSpc>
+                <a:spcPct val="90000"/>
+              </a:lnSpc>
+              <a:spcBef>
+                <a:spcPts val="500"/>
+              </a:spcBef>
+              <a:buFont typeface="Arial" panose="020B0604020202020204" pitchFamily="34" charset="0"/>
+              <a:buNone/>
+              <a:defRPr kumimoji="1" sz="1600" kern="1200">
+                <a:solidFill>
+                  <a:schemeClr val="tx1"/>
+                </a:solidFill>
+                <a:latin typeface="+mn-lt"/>
+                <a:ea typeface="+mn-ea"/>
+                <a:cs typeface="+mn-cs"/>
+              </a:defRPr>
+            </a:lvl7pPr>
+            <a:lvl8pPr marL="3200400" indent="0" algn="ctr" defTabSz="914400" rtl="0" eaLnBrk="1" latinLnBrk="0" hangingPunct="1">
+              <a:lnSpc>
+                <a:spcPct val="90000"/>
+              </a:lnSpc>
+              <a:spcBef>
+                <a:spcPts val="500"/>
+              </a:spcBef>
+              <a:buFont typeface="Arial" panose="020B0604020202020204" pitchFamily="34" charset="0"/>
+              <a:buNone/>
+              <a:defRPr kumimoji="1" sz="1600" kern="1200">
+                <a:solidFill>
+                  <a:schemeClr val="tx1"/>
+                </a:solidFill>
+                <a:latin typeface="+mn-lt"/>
+                <a:ea typeface="+mn-ea"/>
+                <a:cs typeface="+mn-cs"/>
+              </a:defRPr>
+            </a:lvl8pPr>
+            <a:lvl9pPr marL="3657600" indent="0" algn="ctr" defTabSz="914400" rtl="0" eaLnBrk="1" latinLnBrk="0" hangingPunct="1">
+              <a:lnSpc>
+                <a:spcPct val="90000"/>
+              </a:lnSpc>
+              <a:spcBef>
+                <a:spcPts val="500"/>
+              </a:spcBef>
+              <a:buFont typeface="Arial" panose="020B0604020202020204" pitchFamily="34" charset="0"/>
+              <a:buNone/>
+              <a:defRPr kumimoji="1" sz="1600" kern="1200">
+                <a:solidFill>
+                  <a:schemeClr val="tx1"/>
+                </a:solidFill>
+                <a:latin typeface="+mn-lt"/>
+                <a:ea typeface="+mn-ea"/>
+                <a:cs typeface="+mn-cs"/>
+              </a:defRPr>
+            </a:lvl9pPr>
+          </a:lstStyle>
+          <a:p>
+            <a:r>
+              <a:rPr lang="ja-JP" altLang="ja-JP" sz="900" b="1" kern="100" dirty="0">
+                <a:latin typeface="AR P丸ゴシック体M" panose="020B0600010101010101" pitchFamily="50" charset="-128"/>
+                <a:ea typeface="AR P丸ゴシック体M" panose="020B0600010101010101" pitchFamily="50" charset="-128"/>
+                <a:cs typeface="Times New Roman" panose="02020603050405020304" pitchFamily="18" charset="0"/>
+              </a:rPr>
+              <a:t>つ</a:t>
+            </a:r>
+            <a:r>
+              <a:rPr lang="ja-JP" altLang="en-US" sz="900" b="1" kern="100" dirty="0">
+                <a:latin typeface="AR P丸ゴシック体M" panose="020B0600010101010101" pitchFamily="50" charset="-128"/>
+                <a:ea typeface="AR P丸ゴシック体M" panose="020B0600010101010101" pitchFamily="50" charset="-128"/>
+                <a:cs typeface="Times New Roman" panose="02020603050405020304" pitchFamily="18" charset="0"/>
+              </a:rPr>
+              <a:t>　</a:t>
+            </a:r>
+            <a:r>
+              <a:rPr lang="ja-JP" altLang="ja-JP" sz="900" b="1" kern="100" dirty="0">
+                <a:latin typeface="AR P丸ゴシック体M" panose="020B0600010101010101" pitchFamily="50" charset="-128"/>
+                <a:ea typeface="AR P丸ゴシック体M" panose="020B0600010101010101" pitchFamily="50" charset="-128"/>
+                <a:cs typeface="Times New Roman" panose="02020603050405020304" pitchFamily="18" charset="0"/>
+              </a:rPr>
+              <a:t>な</a:t>
+            </a:r>
+            <a:r>
+              <a:rPr lang="ja-JP" altLang="en-US" sz="900" b="1" kern="100" dirty="0">
+                <a:latin typeface="AR P丸ゴシック体M" panose="020B0600010101010101" pitchFamily="50" charset="-128"/>
+                <a:ea typeface="AR P丸ゴシック体M" panose="020B0600010101010101" pitchFamily="50" charset="-128"/>
+                <a:cs typeface="Times New Roman" panose="02020603050405020304" pitchFamily="18" charset="0"/>
+              </a:rPr>
+              <a:t>　</a:t>
+            </a:r>
+            <a:r>
+              <a:rPr lang="ja-JP" altLang="ja-JP" sz="900" b="1" kern="100" dirty="0">
+                <a:latin typeface="AR P丸ゴシック体M" panose="020B0600010101010101" pitchFamily="50" charset="-128"/>
+                <a:ea typeface="AR P丸ゴシック体M" panose="020B0600010101010101" pitchFamily="50" charset="-128"/>
+                <a:cs typeface="Times New Roman" panose="02020603050405020304" pitchFamily="18" charset="0"/>
+              </a:rPr>
+              <a:t>が</a:t>
+            </a:r>
+            <a:r>
+              <a:rPr lang="ja-JP" altLang="en-US" sz="900" b="1" kern="100" dirty="0">
+                <a:latin typeface="AR P丸ゴシック体M" panose="020B0600010101010101" pitchFamily="50" charset="-128"/>
+                <a:ea typeface="AR P丸ゴシック体M" panose="020B0600010101010101" pitchFamily="50" charset="-128"/>
+                <a:cs typeface="Times New Roman" panose="02020603050405020304" pitchFamily="18" charset="0"/>
+              </a:rPr>
+              <a:t>　</a:t>
+            </a:r>
+            <a:r>
+              <a:rPr lang="ja-JP" altLang="ja-JP" sz="900" b="1" kern="100" dirty="0">
+                <a:latin typeface="AR P丸ゴシック体M" panose="020B0600010101010101" pitchFamily="50" charset="-128"/>
+                <a:ea typeface="AR P丸ゴシック体M" panose="020B0600010101010101" pitchFamily="50" charset="-128"/>
+                <a:cs typeface="Times New Roman" panose="02020603050405020304" pitchFamily="18" charset="0"/>
+              </a:rPr>
+              <a:t>る</a:t>
+            </a:r>
+            <a:r>
+              <a:rPr lang="ja-JP" altLang="en-US" sz="900" b="1" kern="100" dirty="0">
+                <a:latin typeface="AR P丸ゴシック体M" panose="020B0600010101010101" pitchFamily="50" charset="-128"/>
+                <a:ea typeface="AR P丸ゴシック体M" panose="020B0600010101010101" pitchFamily="50" charset="-128"/>
+                <a:cs typeface="Times New Roman" panose="02020603050405020304" pitchFamily="18" charset="0"/>
+              </a:rPr>
+              <a:t>　行　政　サ　</a:t>
+            </a:r>
+            <a:r>
+              <a:rPr lang="en-US" altLang="ja-JP" sz="900" b="1" kern="100" dirty="0">
+                <a:latin typeface="AR P丸ゴシック体M" panose="020B0600010101010101" pitchFamily="50" charset="-128"/>
+                <a:ea typeface="AR P丸ゴシック体M" panose="020B0600010101010101" pitchFamily="50" charset="-128"/>
+                <a:cs typeface="Times New Roman" panose="02020603050405020304" pitchFamily="18" charset="0"/>
+              </a:rPr>
+              <a:t>―</a:t>
+            </a:r>
+            <a:r>
+              <a:rPr lang="ja-JP" altLang="en-US" sz="900" b="1" kern="100" dirty="0">
+                <a:latin typeface="AR P丸ゴシック体M" panose="020B0600010101010101" pitchFamily="50" charset="-128"/>
+                <a:ea typeface="AR P丸ゴシック体M" panose="020B0600010101010101" pitchFamily="50" charset="-128"/>
+                <a:cs typeface="Times New Roman" panose="02020603050405020304" pitchFamily="18" charset="0"/>
+              </a:rPr>
+              <a:t>　ビ　ス　</a:t>
+            </a:r>
+            <a:r>
+              <a:rPr lang="en-US" altLang="ja-JP" sz="900" b="1" kern="100" dirty="0">
+                <a:latin typeface="AR P丸ゴシック体M" panose="020B0600010101010101" pitchFamily="50" charset="-128"/>
+                <a:ea typeface="AR P丸ゴシック体M" panose="020B0600010101010101" pitchFamily="50" charset="-128"/>
+                <a:cs typeface="Times New Roman" panose="02020603050405020304" pitchFamily="18" charset="0"/>
+              </a:rPr>
+              <a:t> ―</a:t>
+            </a:r>
+            <a:r>
+              <a:rPr lang="ja-JP" altLang="en-US" sz="900" b="1" kern="100" dirty="0">
+                <a:latin typeface="AR P丸ゴシック体M" panose="020B0600010101010101" pitchFamily="50" charset="-128"/>
+                <a:ea typeface="AR P丸ゴシック体M" panose="020B0600010101010101" pitchFamily="50" charset="-128"/>
+                <a:cs typeface="Times New Roman" panose="02020603050405020304" pitchFamily="18" charset="0"/>
+              </a:rPr>
+              <a:t>　</a:t>
+            </a:r>
+            <a:r>
+              <a:rPr lang="en-US" altLang="ja-JP" sz="900" b="1" kern="100" dirty="0">
+                <a:latin typeface="AR P丸ゴシック体M" panose="020B0600010101010101" pitchFamily="50" charset="-128"/>
+                <a:ea typeface="AR P丸ゴシック体M" panose="020B0600010101010101" pitchFamily="50" charset="-128"/>
+                <a:cs typeface="Times New Roman" panose="02020603050405020304" pitchFamily="18" charset="0"/>
+              </a:rPr>
+              <a:t>1</a:t>
+            </a:r>
+            <a:r>
+              <a:rPr lang="ja-JP" altLang="en-US" sz="900" b="1" kern="100" dirty="0">
+                <a:latin typeface="AR P丸ゴシック体M" panose="020B0600010101010101" pitchFamily="50" charset="-128"/>
+                <a:ea typeface="AR P丸ゴシック体M" panose="020B0600010101010101" pitchFamily="50" charset="-128"/>
+                <a:cs typeface="Times New Roman" panose="02020603050405020304" pitchFamily="18" charset="0"/>
+              </a:rPr>
+              <a:t>　･　</a:t>
+            </a:r>
+            <a:r>
+              <a:rPr lang="en-US" altLang="ja-JP" sz="900" b="1" kern="100" dirty="0">
+                <a:latin typeface="AR P丸ゴシック体M" panose="020B0600010101010101" pitchFamily="50" charset="-128"/>
+                <a:ea typeface="AR P丸ゴシック体M" panose="020B0600010101010101" pitchFamily="50" charset="-128"/>
+                <a:cs typeface="Times New Roman" panose="02020603050405020304" pitchFamily="18" charset="0"/>
+              </a:rPr>
+              <a:t>0</a:t>
+            </a:r>
+          </a:p>
+        </p:txBody>
+      </p:sp>
+      <p:sp>
+        <p:nvSpPr>
+          <p:cNvPr id="15" name="字幕 2">
+            <a:extLst>
+              <a:ext uri="{FF2B5EF4-FFF2-40B4-BE49-F238E27FC236}">
+                <a16:creationId xmlns:a16="http://schemas.microsoft.com/office/drawing/2014/main" id="{6779586E-5A37-77B8-351D-AF97E8F55BC2}"/>
+              </a:ext>
+            </a:extLst>
+          </p:cNvPr>
+          <p:cNvSpPr txBox="1">
+            <a:spLocks/>
+          </p:cNvSpPr>
+          <p:nvPr/>
+        </p:nvSpPr>
+        <p:spPr>
+          <a:xfrm>
+            <a:off x="214186" y="1911468"/>
+            <a:ext cx="3977795" cy="1230657"/>
+          </a:xfrm>
+          <a:prstGeom prst="rect">
+            <a:avLst/>
+          </a:prstGeom>
+        </p:spPr>
+        <p:txBody>
+          <a:bodyPr vert="horz" lIns="91440" tIns="45720" rIns="91440" bIns="45720" rtlCol="0">
+            <a:noAutofit/>
+          </a:bodyPr>
+          <a:lstStyle>
+            <a:lvl1pPr marL="0" indent="0" algn="ctr" defTabSz="914400" rtl="0" eaLnBrk="1" latinLnBrk="0" hangingPunct="1">
+              <a:lnSpc>
+                <a:spcPct val="90000"/>
+              </a:lnSpc>
+              <a:spcBef>
+                <a:spcPts val="1000"/>
+              </a:spcBef>
+              <a:buFont typeface="Arial" panose="020B0604020202020204" pitchFamily="34" charset="0"/>
+              <a:buNone/>
+              <a:defRPr kumimoji="1" sz="2400" kern="1200">
+                <a:solidFill>
+                  <a:schemeClr val="tx1"/>
+                </a:solidFill>
+                <a:latin typeface="+mn-lt"/>
+                <a:ea typeface="+mn-ea"/>
+                <a:cs typeface="+mn-cs"/>
+              </a:defRPr>
+            </a:lvl1pPr>
+            <a:lvl2pPr marL="457200" indent="0" algn="ctr" defTabSz="914400" rtl="0" eaLnBrk="1" latinLnBrk="0" hangingPunct="1">
+              <a:lnSpc>
+                <a:spcPct val="90000"/>
+              </a:lnSpc>
+              <a:spcBef>
+                <a:spcPts val="500"/>
+              </a:spcBef>
+              <a:buFont typeface="Arial" panose="020B0604020202020204" pitchFamily="34" charset="0"/>
+              <a:buNone/>
+              <a:defRPr kumimoji="1" sz="2000" kern="1200">
+                <a:solidFill>
+                  <a:schemeClr val="tx1"/>
+                </a:solidFill>
+                <a:latin typeface="+mn-lt"/>
+                <a:ea typeface="+mn-ea"/>
+                <a:cs typeface="+mn-cs"/>
+              </a:defRPr>
+            </a:lvl2pPr>
+            <a:lvl3pPr marL="914400" indent="0" algn="ctr" defTabSz="914400" rtl="0" eaLnBrk="1" latinLnBrk="0" hangingPunct="1">
+              <a:lnSpc>
+                <a:spcPct val="90000"/>
+              </a:lnSpc>
+              <a:spcBef>
+                <a:spcPts val="500"/>
+              </a:spcBef>
+              <a:buFont typeface="Arial" panose="020B0604020202020204" pitchFamily="34" charset="0"/>
+              <a:buNone/>
+              <a:defRPr kumimoji="1" sz="1800" kern="1200">
+                <a:solidFill>
+                  <a:schemeClr val="tx1"/>
+                </a:solidFill>
+                <a:latin typeface="+mn-lt"/>
+                <a:ea typeface="+mn-ea"/>
+                <a:cs typeface="+mn-cs"/>
+              </a:defRPr>
+            </a:lvl3pPr>
+            <a:lvl4pPr marL="1371600" indent="0" algn="ctr" defTabSz="914400" rtl="0" eaLnBrk="1" latinLnBrk="0" hangingPunct="1">
+              <a:lnSpc>
+                <a:spcPct val="90000"/>
+              </a:lnSpc>
+              <a:spcBef>
+                <a:spcPts val="500"/>
+              </a:spcBef>
+              <a:buFont typeface="Arial" panose="020B0604020202020204" pitchFamily="34" charset="0"/>
+              <a:buNone/>
+              <a:defRPr kumimoji="1" sz="1600" kern="1200">
+                <a:solidFill>
+                  <a:schemeClr val="tx1"/>
+                </a:solidFill>
+                <a:latin typeface="+mn-lt"/>
+                <a:ea typeface="+mn-ea"/>
+                <a:cs typeface="+mn-cs"/>
+              </a:defRPr>
+            </a:lvl4pPr>
+            <a:lvl5pPr marL="1828800" indent="0" algn="ctr" defTabSz="914400" rtl="0" eaLnBrk="1" latinLnBrk="0" hangingPunct="1">
+              <a:lnSpc>
+                <a:spcPct val="90000"/>
+              </a:lnSpc>
+              <a:spcBef>
+                <a:spcPts val="500"/>
+              </a:spcBef>
+              <a:buFont typeface="Arial" panose="020B0604020202020204" pitchFamily="34" charset="0"/>
+              <a:buNone/>
+              <a:defRPr kumimoji="1" sz="1600" kern="1200">
+                <a:solidFill>
+                  <a:schemeClr val="tx1"/>
+                </a:solidFill>
+                <a:latin typeface="+mn-lt"/>
+                <a:ea typeface="+mn-ea"/>
+                <a:cs typeface="+mn-cs"/>
+              </a:defRPr>
+            </a:lvl5pPr>
+            <a:lvl6pPr marL="2286000" indent="0" algn="ctr" defTabSz="914400" rtl="0" eaLnBrk="1" latinLnBrk="0" hangingPunct="1">
+              <a:lnSpc>
+                <a:spcPct val="90000"/>
+              </a:lnSpc>
+              <a:spcBef>
+                <a:spcPts val="500"/>
+              </a:spcBef>
+              <a:buFont typeface="Arial" panose="020B0604020202020204" pitchFamily="34" charset="0"/>
+              <a:buNone/>
+              <a:defRPr kumimoji="1" sz="1600" kern="1200">
+                <a:solidFill>
+                  <a:schemeClr val="tx1"/>
+                </a:solidFill>
+                <a:latin typeface="+mn-lt"/>
+                <a:ea typeface="+mn-ea"/>
+                <a:cs typeface="+mn-cs"/>
+              </a:defRPr>
+            </a:lvl6pPr>
+            <a:lvl7pPr marL="2743200" indent="0" algn="ctr" defTabSz="914400" rtl="0" eaLnBrk="1" latinLnBrk="0" hangingPunct="1">
+              <a:lnSpc>
+                <a:spcPct val="90000"/>
+              </a:lnSpc>
+              <a:spcBef>
+                <a:spcPts val="500"/>
+              </a:spcBef>
+              <a:buFont typeface="Arial" panose="020B0604020202020204" pitchFamily="34" charset="0"/>
+              <a:buNone/>
+              <a:defRPr kumimoji="1" sz="1600" kern="1200">
+                <a:solidFill>
+                  <a:schemeClr val="tx1"/>
+                </a:solidFill>
+                <a:latin typeface="+mn-lt"/>
+                <a:ea typeface="+mn-ea"/>
+                <a:cs typeface="+mn-cs"/>
+              </a:defRPr>
+            </a:lvl7pPr>
+            <a:lvl8pPr marL="3200400" indent="0" algn="ctr" defTabSz="914400" rtl="0" eaLnBrk="1" latinLnBrk="0" hangingPunct="1">
+              <a:lnSpc>
+                <a:spcPct val="90000"/>
+              </a:lnSpc>
+              <a:spcBef>
+                <a:spcPts val="500"/>
+              </a:spcBef>
+              <a:buFont typeface="Arial" panose="020B0604020202020204" pitchFamily="34" charset="0"/>
+              <a:buNone/>
+              <a:defRPr kumimoji="1" sz="1600" kern="1200">
+                <a:solidFill>
+                  <a:schemeClr val="tx1"/>
+                </a:solidFill>
+                <a:latin typeface="+mn-lt"/>
+                <a:ea typeface="+mn-ea"/>
+                <a:cs typeface="+mn-cs"/>
+              </a:defRPr>
+            </a:lvl8pPr>
+            <a:lvl9pPr marL="3657600" indent="0" algn="ctr" defTabSz="914400" rtl="0" eaLnBrk="1" latinLnBrk="0" hangingPunct="1">
+              <a:lnSpc>
+                <a:spcPct val="90000"/>
+              </a:lnSpc>
+              <a:spcBef>
+                <a:spcPts val="500"/>
+              </a:spcBef>
+              <a:buFont typeface="Arial" panose="020B0604020202020204" pitchFamily="34" charset="0"/>
+              <a:buNone/>
+              <a:defRPr kumimoji="1" sz="1600" kern="1200">
+                <a:solidFill>
+                  <a:schemeClr val="tx1"/>
+                </a:solidFill>
+                <a:latin typeface="+mn-lt"/>
+                <a:ea typeface="+mn-ea"/>
+                <a:cs typeface="+mn-cs"/>
+              </a:defRPr>
+            </a:lvl9pPr>
+          </a:lstStyle>
+          <a:p>
+            <a:r>
+              <a:rPr lang="en-US" altLang="ja-JP" sz="6000" b="1" kern="100" dirty="0">
+                <a:latin typeface="AR P明朝体U" panose="020B0600010101010101" pitchFamily="50" charset="-128"/>
+                <a:ea typeface="AR P明朝体U" panose="020B0600010101010101" pitchFamily="50" charset="-128"/>
+                <a:cs typeface="Times New Roman" panose="02020603050405020304" pitchFamily="18" charset="0"/>
+              </a:rPr>
+              <a:t>—</a:t>
+            </a:r>
+            <a:endParaRPr lang="ja-JP" altLang="ja-JP" sz="6000" b="1" kern="100" dirty="0">
+              <a:latin typeface="AR P明朝体U" panose="020B0600010101010101" pitchFamily="50" charset="-128"/>
+              <a:ea typeface="AR P明朝体U" panose="020B0600010101010101" pitchFamily="50" charset="-128"/>
+              <a:cs typeface="Times New Roman" panose="02020603050405020304" pitchFamily="18" charset="0"/>
+            </a:endParaRPr>
+          </a:p>
+        </p:txBody>
+      </p:sp>
+    </p:spTree>
+    <p:extLst>
+      <p:ext uri="{BB962C8B-B14F-4D97-AF65-F5344CB8AC3E}">
+        <p14:creationId xmlns:p14="http://schemas.microsoft.com/office/powerpoint/2010/main" val="3856630191"/>
+      </p:ext>
+    </p:extLst>
+  </p:cSld>
+  <p:clrMapOvr>
+    <a:masterClrMapping/>
+  </p:clrMapOvr>
+</p:sld>
+</file>
+
 <file path=ppt/theme/theme1.xml><?xml version="1.0" encoding="utf-8"?>
 <a:theme xmlns:a="http://schemas.openxmlformats.org/drawingml/2006/main" name="Office テーマ">
   <a:themeElements>

--- a/第92部_出版/表紙.pptx
+++ b/第92部_出版/表紙.pptx
@@ -8,6 +8,7 @@
     <p:sldId id="256" r:id="rId2"/>
     <p:sldId id="257" r:id="rId3"/>
     <p:sldId id="258" r:id="rId4"/>
+    <p:sldId id="259" r:id="rId5"/>
   </p:sldIdLst>
   <p:sldSz cx="12192000" cy="6858000"/>
   <p:notesSz cx="6858000" cy="9144000"/>
@@ -261,7 +262,7 @@
           <a:p>
             <a:fld id="{46AC13D0-A629-480B-90E8-EE3BD739D065}" type="datetimeFigureOut">
               <a:rPr kumimoji="1" lang="ja-JP" altLang="en-US" smtClean="0"/>
-              <a:t>2024/1/15</a:t>
+              <a:t>2024/1/18</a:t>
             </a:fld>
             <a:endParaRPr kumimoji="1" lang="ja-JP" altLang="en-US"/>
           </a:p>
@@ -491,7 +492,7 @@
           <a:p>
             <a:fld id="{46AC13D0-A629-480B-90E8-EE3BD739D065}" type="datetimeFigureOut">
               <a:rPr kumimoji="1" lang="ja-JP" altLang="en-US" smtClean="0"/>
-              <a:t>2024/1/15</a:t>
+              <a:t>2024/1/18</a:t>
             </a:fld>
             <a:endParaRPr kumimoji="1" lang="ja-JP" altLang="en-US"/>
           </a:p>
@@ -731,7 +732,7 @@
           <a:p>
             <a:fld id="{46AC13D0-A629-480B-90E8-EE3BD739D065}" type="datetimeFigureOut">
               <a:rPr kumimoji="1" lang="ja-JP" altLang="en-US" smtClean="0"/>
-              <a:t>2024/1/15</a:t>
+              <a:t>2024/1/18</a:t>
             </a:fld>
             <a:endParaRPr kumimoji="1" lang="ja-JP" altLang="en-US"/>
           </a:p>
@@ -961,7 +962,7 @@
           <a:p>
             <a:fld id="{46AC13D0-A629-480B-90E8-EE3BD739D065}" type="datetimeFigureOut">
               <a:rPr kumimoji="1" lang="ja-JP" altLang="en-US" smtClean="0"/>
-              <a:t>2024/1/15</a:t>
+              <a:t>2024/1/18</a:t>
             </a:fld>
             <a:endParaRPr kumimoji="1" lang="ja-JP" altLang="en-US"/>
           </a:p>
@@ -1236,7 +1237,7 @@
           <a:p>
             <a:fld id="{46AC13D0-A629-480B-90E8-EE3BD739D065}" type="datetimeFigureOut">
               <a:rPr kumimoji="1" lang="ja-JP" altLang="en-US" smtClean="0"/>
-              <a:t>2024/1/15</a:t>
+              <a:t>2024/1/18</a:t>
             </a:fld>
             <a:endParaRPr kumimoji="1" lang="ja-JP" altLang="en-US"/>
           </a:p>
@@ -1565,7 +1566,7 @@
           <a:p>
             <a:fld id="{46AC13D0-A629-480B-90E8-EE3BD739D065}" type="datetimeFigureOut">
               <a:rPr kumimoji="1" lang="ja-JP" altLang="en-US" smtClean="0"/>
-              <a:t>2024/1/15</a:t>
+              <a:t>2024/1/18</a:t>
             </a:fld>
             <a:endParaRPr kumimoji="1" lang="ja-JP" altLang="en-US"/>
           </a:p>
@@ -2041,7 +2042,7 @@
           <a:p>
             <a:fld id="{46AC13D0-A629-480B-90E8-EE3BD739D065}" type="datetimeFigureOut">
               <a:rPr kumimoji="1" lang="ja-JP" altLang="en-US" smtClean="0"/>
-              <a:t>2024/1/15</a:t>
+              <a:t>2024/1/18</a:t>
             </a:fld>
             <a:endParaRPr kumimoji="1" lang="ja-JP" altLang="en-US"/>
           </a:p>
@@ -2182,7 +2183,7 @@
           <a:p>
             <a:fld id="{46AC13D0-A629-480B-90E8-EE3BD739D065}" type="datetimeFigureOut">
               <a:rPr kumimoji="1" lang="ja-JP" altLang="en-US" smtClean="0"/>
-              <a:t>2024/1/15</a:t>
+              <a:t>2024/1/18</a:t>
             </a:fld>
             <a:endParaRPr kumimoji="1" lang="ja-JP" altLang="en-US"/>
           </a:p>
@@ -2295,7 +2296,7 @@
           <a:p>
             <a:fld id="{46AC13D0-A629-480B-90E8-EE3BD739D065}" type="datetimeFigureOut">
               <a:rPr kumimoji="1" lang="ja-JP" altLang="en-US" smtClean="0"/>
-              <a:t>2024/1/15</a:t>
+              <a:t>2024/1/18</a:t>
             </a:fld>
             <a:endParaRPr kumimoji="1" lang="ja-JP" altLang="en-US"/>
           </a:p>
@@ -2638,7 +2639,7 @@
           <a:p>
             <a:fld id="{46AC13D0-A629-480B-90E8-EE3BD739D065}" type="datetimeFigureOut">
               <a:rPr kumimoji="1" lang="ja-JP" altLang="en-US" smtClean="0"/>
-              <a:t>2024/1/15</a:t>
+              <a:t>2024/1/18</a:t>
             </a:fld>
             <a:endParaRPr kumimoji="1" lang="ja-JP" altLang="en-US"/>
           </a:p>
@@ -2926,7 +2927,7 @@
           <a:p>
             <a:fld id="{46AC13D0-A629-480B-90E8-EE3BD739D065}" type="datetimeFigureOut">
               <a:rPr kumimoji="1" lang="ja-JP" altLang="en-US" smtClean="0"/>
-              <a:t>2024/1/15</a:t>
+              <a:t>2024/1/18</a:t>
             </a:fld>
             <a:endParaRPr kumimoji="1" lang="ja-JP" altLang="en-US"/>
           </a:p>
@@ -3199,7 +3200,7 @@
           <a:p>
             <a:fld id="{46AC13D0-A629-480B-90E8-EE3BD739D065}" type="datetimeFigureOut">
               <a:rPr kumimoji="1" lang="ja-JP" altLang="en-US" smtClean="0"/>
-              <a:t>2024/1/15</a:t>
+              <a:t>2024/1/18</a:t>
             </a:fld>
             <a:endParaRPr kumimoji="1" lang="ja-JP" altLang="en-US"/>
           </a:p>
@@ -11784,6 +11785,3081 @@
 </p:sld>
 </file>
 
+<file path=ppt/slides/slide4.xml><?xml version="1.0" encoding="utf-8"?>
+<p:sld xmlns:a="http://schemas.openxmlformats.org/drawingml/2006/main" xmlns:r="http://schemas.openxmlformats.org/officeDocument/2006/relationships" xmlns:p="http://schemas.openxmlformats.org/presentationml/2006/main">
+  <p:cSld>
+    <p:spTree>
+      <p:nvGrpSpPr>
+        <p:cNvPr id="1" name=""/>
+        <p:cNvGrpSpPr/>
+        <p:nvPr/>
+      </p:nvGrpSpPr>
+      <p:grpSpPr>
+        <a:xfrm>
+          <a:off x="0" y="0"/>
+          <a:ext cx="0" cy="0"/>
+          <a:chOff x="0" y="0"/>
+          <a:chExt cx="0" cy="0"/>
+        </a:xfrm>
+      </p:grpSpPr>
+      <p:sp>
+        <p:nvSpPr>
+          <p:cNvPr id="3" name="字幕 2">
+            <a:extLst>
+              <a:ext uri="{FF2B5EF4-FFF2-40B4-BE49-F238E27FC236}">
+                <a16:creationId xmlns:a16="http://schemas.microsoft.com/office/drawing/2014/main" id="{C136AD5D-7948-E40A-A91A-31385371681F}"/>
+              </a:ext>
+            </a:extLst>
+          </p:cNvPr>
+          <p:cNvSpPr>
+            <a:spLocks noGrp="1"/>
+          </p:cNvSpPr>
+          <p:nvPr>
+            <p:ph type="subTitle" idx="1"/>
+          </p:nvPr>
+        </p:nvSpPr>
+        <p:spPr>
+          <a:xfrm>
+            <a:off x="-64220" y="20275"/>
+            <a:ext cx="6160220" cy="579004"/>
+          </a:xfrm>
+        </p:spPr>
+        <p:txBody>
+          <a:bodyPr>
+            <a:noAutofit/>
+          </a:bodyPr>
+          <a:lstStyle/>
+          <a:p>
+            <a:r>
+              <a:rPr lang="ja-JP" altLang="ja-JP" sz="6000" b="1" kern="100" dirty="0">
+                <a:solidFill>
+                  <a:schemeClr val="bg1"/>
+                </a:solidFill>
+                <a:effectLst/>
+                <a:latin typeface="AR P明朝体U" panose="020B0600010101010101" pitchFamily="50" charset="-128"/>
+                <a:ea typeface="AR P明朝体U" panose="020B0600010101010101" pitchFamily="50" charset="-128"/>
+                <a:cs typeface="Times New Roman" panose="02020603050405020304" pitchFamily="18" charset="0"/>
+              </a:rPr>
+              <a:t>つながる</a:t>
+            </a:r>
+          </a:p>
+        </p:txBody>
+      </p:sp>
+      <p:sp>
+        <p:nvSpPr>
+          <p:cNvPr id="4" name="字幕 2">
+            <a:extLst>
+              <a:ext uri="{FF2B5EF4-FFF2-40B4-BE49-F238E27FC236}">
+                <a16:creationId xmlns:a16="http://schemas.microsoft.com/office/drawing/2014/main" id="{A690AB6A-60B4-C9BF-9382-7036D242683D}"/>
+              </a:ext>
+            </a:extLst>
+          </p:cNvPr>
+          <p:cNvSpPr txBox="1">
+            <a:spLocks/>
+          </p:cNvSpPr>
+          <p:nvPr/>
+        </p:nvSpPr>
+        <p:spPr>
+          <a:xfrm>
+            <a:off x="-64221" y="908001"/>
+            <a:ext cx="6160223" cy="505825"/>
+          </a:xfrm>
+          <a:prstGeom prst="rect">
+            <a:avLst/>
+          </a:prstGeom>
+        </p:spPr>
+        <p:txBody>
+          <a:bodyPr vert="horz" lIns="91440" tIns="45720" rIns="91440" bIns="45720" rtlCol="0">
+            <a:noAutofit/>
+          </a:bodyPr>
+          <a:lstStyle>
+            <a:lvl1pPr marL="0" indent="0" algn="ctr" defTabSz="914400" rtl="0" eaLnBrk="1" latinLnBrk="0" hangingPunct="1">
+              <a:lnSpc>
+                <a:spcPct val="90000"/>
+              </a:lnSpc>
+              <a:spcBef>
+                <a:spcPts val="1000"/>
+              </a:spcBef>
+              <a:buFont typeface="Arial" panose="020B0604020202020204" pitchFamily="34" charset="0"/>
+              <a:buNone/>
+              <a:defRPr kumimoji="1" sz="2400" kern="1200">
+                <a:solidFill>
+                  <a:schemeClr val="tx1"/>
+                </a:solidFill>
+                <a:latin typeface="+mn-lt"/>
+                <a:ea typeface="+mn-ea"/>
+                <a:cs typeface="+mn-cs"/>
+              </a:defRPr>
+            </a:lvl1pPr>
+            <a:lvl2pPr marL="457200" indent="0" algn="ctr" defTabSz="914400" rtl="0" eaLnBrk="1" latinLnBrk="0" hangingPunct="1">
+              <a:lnSpc>
+                <a:spcPct val="90000"/>
+              </a:lnSpc>
+              <a:spcBef>
+                <a:spcPts val="500"/>
+              </a:spcBef>
+              <a:buFont typeface="Arial" panose="020B0604020202020204" pitchFamily="34" charset="0"/>
+              <a:buNone/>
+              <a:defRPr kumimoji="1" sz="2000" kern="1200">
+                <a:solidFill>
+                  <a:schemeClr val="tx1"/>
+                </a:solidFill>
+                <a:latin typeface="+mn-lt"/>
+                <a:ea typeface="+mn-ea"/>
+                <a:cs typeface="+mn-cs"/>
+              </a:defRPr>
+            </a:lvl2pPr>
+            <a:lvl3pPr marL="914400" indent="0" algn="ctr" defTabSz="914400" rtl="0" eaLnBrk="1" latinLnBrk="0" hangingPunct="1">
+              <a:lnSpc>
+                <a:spcPct val="90000"/>
+              </a:lnSpc>
+              <a:spcBef>
+                <a:spcPts val="500"/>
+              </a:spcBef>
+              <a:buFont typeface="Arial" panose="020B0604020202020204" pitchFamily="34" charset="0"/>
+              <a:buNone/>
+              <a:defRPr kumimoji="1" sz="1800" kern="1200">
+                <a:solidFill>
+                  <a:schemeClr val="tx1"/>
+                </a:solidFill>
+                <a:latin typeface="+mn-lt"/>
+                <a:ea typeface="+mn-ea"/>
+                <a:cs typeface="+mn-cs"/>
+              </a:defRPr>
+            </a:lvl3pPr>
+            <a:lvl4pPr marL="1371600" indent="0" algn="ctr" defTabSz="914400" rtl="0" eaLnBrk="1" latinLnBrk="0" hangingPunct="1">
+              <a:lnSpc>
+                <a:spcPct val="90000"/>
+              </a:lnSpc>
+              <a:spcBef>
+                <a:spcPts val="500"/>
+              </a:spcBef>
+              <a:buFont typeface="Arial" panose="020B0604020202020204" pitchFamily="34" charset="0"/>
+              <a:buNone/>
+              <a:defRPr kumimoji="1" sz="1600" kern="1200">
+                <a:solidFill>
+                  <a:schemeClr val="tx1"/>
+                </a:solidFill>
+                <a:latin typeface="+mn-lt"/>
+                <a:ea typeface="+mn-ea"/>
+                <a:cs typeface="+mn-cs"/>
+              </a:defRPr>
+            </a:lvl4pPr>
+            <a:lvl5pPr marL="1828800" indent="0" algn="ctr" defTabSz="914400" rtl="0" eaLnBrk="1" latinLnBrk="0" hangingPunct="1">
+              <a:lnSpc>
+                <a:spcPct val="90000"/>
+              </a:lnSpc>
+              <a:spcBef>
+                <a:spcPts val="500"/>
+              </a:spcBef>
+              <a:buFont typeface="Arial" panose="020B0604020202020204" pitchFamily="34" charset="0"/>
+              <a:buNone/>
+              <a:defRPr kumimoji="1" sz="1600" kern="1200">
+                <a:solidFill>
+                  <a:schemeClr val="tx1"/>
+                </a:solidFill>
+                <a:latin typeface="+mn-lt"/>
+                <a:ea typeface="+mn-ea"/>
+                <a:cs typeface="+mn-cs"/>
+              </a:defRPr>
+            </a:lvl5pPr>
+            <a:lvl6pPr marL="2286000" indent="0" algn="ctr" defTabSz="914400" rtl="0" eaLnBrk="1" latinLnBrk="0" hangingPunct="1">
+              <a:lnSpc>
+                <a:spcPct val="90000"/>
+              </a:lnSpc>
+              <a:spcBef>
+                <a:spcPts val="500"/>
+              </a:spcBef>
+              <a:buFont typeface="Arial" panose="020B0604020202020204" pitchFamily="34" charset="0"/>
+              <a:buNone/>
+              <a:defRPr kumimoji="1" sz="1600" kern="1200">
+                <a:solidFill>
+                  <a:schemeClr val="tx1"/>
+                </a:solidFill>
+                <a:latin typeface="+mn-lt"/>
+                <a:ea typeface="+mn-ea"/>
+                <a:cs typeface="+mn-cs"/>
+              </a:defRPr>
+            </a:lvl6pPr>
+            <a:lvl7pPr marL="2743200" indent="0" algn="ctr" defTabSz="914400" rtl="0" eaLnBrk="1" latinLnBrk="0" hangingPunct="1">
+              <a:lnSpc>
+                <a:spcPct val="90000"/>
+              </a:lnSpc>
+              <a:spcBef>
+                <a:spcPts val="500"/>
+              </a:spcBef>
+              <a:buFont typeface="Arial" panose="020B0604020202020204" pitchFamily="34" charset="0"/>
+              <a:buNone/>
+              <a:defRPr kumimoji="1" sz="1600" kern="1200">
+                <a:solidFill>
+                  <a:schemeClr val="tx1"/>
+                </a:solidFill>
+                <a:latin typeface="+mn-lt"/>
+                <a:ea typeface="+mn-ea"/>
+                <a:cs typeface="+mn-cs"/>
+              </a:defRPr>
+            </a:lvl7pPr>
+            <a:lvl8pPr marL="3200400" indent="0" algn="ctr" defTabSz="914400" rtl="0" eaLnBrk="1" latinLnBrk="0" hangingPunct="1">
+              <a:lnSpc>
+                <a:spcPct val="90000"/>
+              </a:lnSpc>
+              <a:spcBef>
+                <a:spcPts val="500"/>
+              </a:spcBef>
+              <a:buFont typeface="Arial" panose="020B0604020202020204" pitchFamily="34" charset="0"/>
+              <a:buNone/>
+              <a:defRPr kumimoji="1" sz="1600" kern="1200">
+                <a:solidFill>
+                  <a:schemeClr val="tx1"/>
+                </a:solidFill>
+                <a:latin typeface="+mn-lt"/>
+                <a:ea typeface="+mn-ea"/>
+                <a:cs typeface="+mn-cs"/>
+              </a:defRPr>
+            </a:lvl8pPr>
+            <a:lvl9pPr marL="3657600" indent="0" algn="ctr" defTabSz="914400" rtl="0" eaLnBrk="1" latinLnBrk="0" hangingPunct="1">
+              <a:lnSpc>
+                <a:spcPct val="90000"/>
+              </a:lnSpc>
+              <a:spcBef>
+                <a:spcPts val="500"/>
+              </a:spcBef>
+              <a:buFont typeface="Arial" panose="020B0604020202020204" pitchFamily="34" charset="0"/>
+              <a:buNone/>
+              <a:defRPr kumimoji="1" sz="1600" kern="1200">
+                <a:solidFill>
+                  <a:schemeClr val="tx1"/>
+                </a:solidFill>
+                <a:latin typeface="+mn-lt"/>
+                <a:ea typeface="+mn-ea"/>
+                <a:cs typeface="+mn-cs"/>
+              </a:defRPr>
+            </a:lvl9pPr>
+          </a:lstStyle>
+          <a:p>
+            <a:r>
+              <a:rPr lang="ja-JP" altLang="ja-JP" sz="6000" b="1" dirty="0">
+                <a:solidFill>
+                  <a:schemeClr val="bg1"/>
+                </a:solidFill>
+                <a:effectLst/>
+                <a:latin typeface="AR P明朝体U" panose="020B0600010101010101" pitchFamily="50" charset="-128"/>
+                <a:ea typeface="AR P明朝体U" panose="020B0600010101010101" pitchFamily="50" charset="-128"/>
+                <a:cs typeface="Times New Roman" panose="02020603050405020304" pitchFamily="18" charset="0"/>
+              </a:rPr>
+              <a:t>行政サービス</a:t>
+            </a:r>
+            <a:endParaRPr lang="ja-JP" altLang="ja-JP" sz="6000" b="1" kern="100" dirty="0">
+              <a:solidFill>
+                <a:schemeClr val="bg1"/>
+              </a:solidFill>
+              <a:latin typeface="AR P明朝体U" panose="020B0600010101010101" pitchFamily="50" charset="-128"/>
+              <a:ea typeface="AR P明朝体U" panose="020B0600010101010101" pitchFamily="50" charset="-128"/>
+              <a:cs typeface="Times New Roman" panose="02020603050405020304" pitchFamily="18" charset="0"/>
+            </a:endParaRPr>
+          </a:p>
+        </p:txBody>
+      </p:sp>
+      <p:sp>
+        <p:nvSpPr>
+          <p:cNvPr id="5" name="字幕 2">
+            <a:extLst>
+              <a:ext uri="{FF2B5EF4-FFF2-40B4-BE49-F238E27FC236}">
+                <a16:creationId xmlns:a16="http://schemas.microsoft.com/office/drawing/2014/main" id="{58E7F2FF-C9B4-54BE-BC71-05ED491D9B9B}"/>
+              </a:ext>
+            </a:extLst>
+          </p:cNvPr>
+          <p:cNvSpPr txBox="1">
+            <a:spLocks/>
+          </p:cNvSpPr>
+          <p:nvPr/>
+        </p:nvSpPr>
+        <p:spPr>
+          <a:xfrm>
+            <a:off x="1142844" y="1852177"/>
+            <a:ext cx="3977795" cy="1230657"/>
+          </a:xfrm>
+          <a:prstGeom prst="rect">
+            <a:avLst/>
+          </a:prstGeom>
+        </p:spPr>
+        <p:txBody>
+          <a:bodyPr vert="horz" lIns="91440" tIns="45720" rIns="91440" bIns="45720" rtlCol="0">
+            <a:noAutofit/>
+          </a:bodyPr>
+          <a:lstStyle>
+            <a:lvl1pPr marL="0" indent="0" algn="ctr" defTabSz="914400" rtl="0" eaLnBrk="1" latinLnBrk="0" hangingPunct="1">
+              <a:lnSpc>
+                <a:spcPct val="90000"/>
+              </a:lnSpc>
+              <a:spcBef>
+                <a:spcPts val="1000"/>
+              </a:spcBef>
+              <a:buFont typeface="Arial" panose="020B0604020202020204" pitchFamily="34" charset="0"/>
+              <a:buNone/>
+              <a:defRPr kumimoji="1" sz="2400" kern="1200">
+                <a:solidFill>
+                  <a:schemeClr val="tx1"/>
+                </a:solidFill>
+                <a:latin typeface="+mn-lt"/>
+                <a:ea typeface="+mn-ea"/>
+                <a:cs typeface="+mn-cs"/>
+              </a:defRPr>
+            </a:lvl1pPr>
+            <a:lvl2pPr marL="457200" indent="0" algn="ctr" defTabSz="914400" rtl="0" eaLnBrk="1" latinLnBrk="0" hangingPunct="1">
+              <a:lnSpc>
+                <a:spcPct val="90000"/>
+              </a:lnSpc>
+              <a:spcBef>
+                <a:spcPts val="500"/>
+              </a:spcBef>
+              <a:buFont typeface="Arial" panose="020B0604020202020204" pitchFamily="34" charset="0"/>
+              <a:buNone/>
+              <a:defRPr kumimoji="1" sz="2000" kern="1200">
+                <a:solidFill>
+                  <a:schemeClr val="tx1"/>
+                </a:solidFill>
+                <a:latin typeface="+mn-lt"/>
+                <a:ea typeface="+mn-ea"/>
+                <a:cs typeface="+mn-cs"/>
+              </a:defRPr>
+            </a:lvl2pPr>
+            <a:lvl3pPr marL="914400" indent="0" algn="ctr" defTabSz="914400" rtl="0" eaLnBrk="1" latinLnBrk="0" hangingPunct="1">
+              <a:lnSpc>
+                <a:spcPct val="90000"/>
+              </a:lnSpc>
+              <a:spcBef>
+                <a:spcPts val="500"/>
+              </a:spcBef>
+              <a:buFont typeface="Arial" panose="020B0604020202020204" pitchFamily="34" charset="0"/>
+              <a:buNone/>
+              <a:defRPr kumimoji="1" sz="1800" kern="1200">
+                <a:solidFill>
+                  <a:schemeClr val="tx1"/>
+                </a:solidFill>
+                <a:latin typeface="+mn-lt"/>
+                <a:ea typeface="+mn-ea"/>
+                <a:cs typeface="+mn-cs"/>
+              </a:defRPr>
+            </a:lvl3pPr>
+            <a:lvl4pPr marL="1371600" indent="0" algn="ctr" defTabSz="914400" rtl="0" eaLnBrk="1" latinLnBrk="0" hangingPunct="1">
+              <a:lnSpc>
+                <a:spcPct val="90000"/>
+              </a:lnSpc>
+              <a:spcBef>
+                <a:spcPts val="500"/>
+              </a:spcBef>
+              <a:buFont typeface="Arial" panose="020B0604020202020204" pitchFamily="34" charset="0"/>
+              <a:buNone/>
+              <a:defRPr kumimoji="1" sz="1600" kern="1200">
+                <a:solidFill>
+                  <a:schemeClr val="tx1"/>
+                </a:solidFill>
+                <a:latin typeface="+mn-lt"/>
+                <a:ea typeface="+mn-ea"/>
+                <a:cs typeface="+mn-cs"/>
+              </a:defRPr>
+            </a:lvl4pPr>
+            <a:lvl5pPr marL="1828800" indent="0" algn="ctr" defTabSz="914400" rtl="0" eaLnBrk="1" latinLnBrk="0" hangingPunct="1">
+              <a:lnSpc>
+                <a:spcPct val="90000"/>
+              </a:lnSpc>
+              <a:spcBef>
+                <a:spcPts val="500"/>
+              </a:spcBef>
+              <a:buFont typeface="Arial" panose="020B0604020202020204" pitchFamily="34" charset="0"/>
+              <a:buNone/>
+              <a:defRPr kumimoji="1" sz="1600" kern="1200">
+                <a:solidFill>
+                  <a:schemeClr val="tx1"/>
+                </a:solidFill>
+                <a:latin typeface="+mn-lt"/>
+                <a:ea typeface="+mn-ea"/>
+                <a:cs typeface="+mn-cs"/>
+              </a:defRPr>
+            </a:lvl5pPr>
+            <a:lvl6pPr marL="2286000" indent="0" algn="ctr" defTabSz="914400" rtl="0" eaLnBrk="1" latinLnBrk="0" hangingPunct="1">
+              <a:lnSpc>
+                <a:spcPct val="90000"/>
+              </a:lnSpc>
+              <a:spcBef>
+                <a:spcPts val="500"/>
+              </a:spcBef>
+              <a:buFont typeface="Arial" panose="020B0604020202020204" pitchFamily="34" charset="0"/>
+              <a:buNone/>
+              <a:defRPr kumimoji="1" sz="1600" kern="1200">
+                <a:solidFill>
+                  <a:schemeClr val="tx1"/>
+                </a:solidFill>
+                <a:latin typeface="+mn-lt"/>
+                <a:ea typeface="+mn-ea"/>
+                <a:cs typeface="+mn-cs"/>
+              </a:defRPr>
+            </a:lvl6pPr>
+            <a:lvl7pPr marL="2743200" indent="0" algn="ctr" defTabSz="914400" rtl="0" eaLnBrk="1" latinLnBrk="0" hangingPunct="1">
+              <a:lnSpc>
+                <a:spcPct val="90000"/>
+              </a:lnSpc>
+              <a:spcBef>
+                <a:spcPts val="500"/>
+              </a:spcBef>
+              <a:buFont typeface="Arial" panose="020B0604020202020204" pitchFamily="34" charset="0"/>
+              <a:buNone/>
+              <a:defRPr kumimoji="1" sz="1600" kern="1200">
+                <a:solidFill>
+                  <a:schemeClr val="tx1"/>
+                </a:solidFill>
+                <a:latin typeface="+mn-lt"/>
+                <a:ea typeface="+mn-ea"/>
+                <a:cs typeface="+mn-cs"/>
+              </a:defRPr>
+            </a:lvl7pPr>
+            <a:lvl8pPr marL="3200400" indent="0" algn="ctr" defTabSz="914400" rtl="0" eaLnBrk="1" latinLnBrk="0" hangingPunct="1">
+              <a:lnSpc>
+                <a:spcPct val="90000"/>
+              </a:lnSpc>
+              <a:spcBef>
+                <a:spcPts val="500"/>
+              </a:spcBef>
+              <a:buFont typeface="Arial" panose="020B0604020202020204" pitchFamily="34" charset="0"/>
+              <a:buNone/>
+              <a:defRPr kumimoji="1" sz="1600" kern="1200">
+                <a:solidFill>
+                  <a:schemeClr val="tx1"/>
+                </a:solidFill>
+                <a:latin typeface="+mn-lt"/>
+                <a:ea typeface="+mn-ea"/>
+                <a:cs typeface="+mn-cs"/>
+              </a:defRPr>
+            </a:lvl8pPr>
+            <a:lvl9pPr marL="3657600" indent="0" algn="ctr" defTabSz="914400" rtl="0" eaLnBrk="1" latinLnBrk="0" hangingPunct="1">
+              <a:lnSpc>
+                <a:spcPct val="90000"/>
+              </a:lnSpc>
+              <a:spcBef>
+                <a:spcPts val="500"/>
+              </a:spcBef>
+              <a:buFont typeface="Arial" panose="020B0604020202020204" pitchFamily="34" charset="0"/>
+              <a:buNone/>
+              <a:defRPr kumimoji="1" sz="1600" kern="1200">
+                <a:solidFill>
+                  <a:schemeClr val="tx1"/>
+                </a:solidFill>
+                <a:latin typeface="+mn-lt"/>
+                <a:ea typeface="+mn-ea"/>
+                <a:cs typeface="+mn-cs"/>
+              </a:defRPr>
+            </a:lvl9pPr>
+          </a:lstStyle>
+          <a:p>
+            <a:r>
+              <a:rPr lang="ja-JP" altLang="en-US" sz="6000" b="1" dirty="0">
+                <a:solidFill>
+                  <a:schemeClr val="bg1"/>
+                </a:solidFill>
+                <a:effectLst/>
+                <a:latin typeface="AR P明朝体U" panose="020B0600010101010101" pitchFamily="50" charset="-128"/>
+                <a:ea typeface="AR P明朝体U" panose="020B0600010101010101" pitchFamily="50" charset="-128"/>
+                <a:cs typeface="Times New Roman" panose="02020603050405020304" pitchFamily="18" charset="0"/>
+              </a:rPr>
+              <a:t>１</a:t>
+            </a:r>
+            <a:r>
+              <a:rPr lang="en-US" altLang="ja-JP" sz="6000" b="1" dirty="0">
+                <a:solidFill>
+                  <a:schemeClr val="bg1"/>
+                </a:solidFill>
+                <a:effectLst/>
+                <a:latin typeface="AR P明朝体U" panose="020B0600010101010101" pitchFamily="50" charset="-128"/>
+                <a:ea typeface="AR P明朝体U" panose="020B0600010101010101" pitchFamily="50" charset="-128"/>
+                <a:cs typeface="Times New Roman" panose="02020603050405020304" pitchFamily="18" charset="0"/>
+              </a:rPr>
+              <a:t>.</a:t>
+            </a:r>
+            <a:r>
+              <a:rPr lang="ja-JP" altLang="en-US" sz="6000" b="1" dirty="0">
+                <a:solidFill>
+                  <a:schemeClr val="bg1"/>
+                </a:solidFill>
+                <a:effectLst/>
+                <a:latin typeface="AR P明朝体U" panose="020B0600010101010101" pitchFamily="50" charset="-128"/>
+                <a:ea typeface="AR P明朝体U" panose="020B0600010101010101" pitchFamily="50" charset="-128"/>
+                <a:cs typeface="Times New Roman" panose="02020603050405020304" pitchFamily="18" charset="0"/>
+              </a:rPr>
+              <a:t>０</a:t>
+            </a:r>
+            <a:endParaRPr lang="ja-JP" altLang="ja-JP" sz="6000" b="1" kern="100" dirty="0">
+              <a:solidFill>
+                <a:schemeClr val="bg1"/>
+              </a:solidFill>
+              <a:latin typeface="AR P明朝体U" panose="020B0600010101010101" pitchFamily="50" charset="-128"/>
+              <a:ea typeface="AR P明朝体U" panose="020B0600010101010101" pitchFamily="50" charset="-128"/>
+              <a:cs typeface="Times New Roman" panose="02020603050405020304" pitchFamily="18" charset="0"/>
+            </a:endParaRPr>
+          </a:p>
+        </p:txBody>
+      </p:sp>
+      <p:sp>
+        <p:nvSpPr>
+          <p:cNvPr id="6" name="字幕 2">
+            <a:extLst>
+              <a:ext uri="{FF2B5EF4-FFF2-40B4-BE49-F238E27FC236}">
+                <a16:creationId xmlns:a16="http://schemas.microsoft.com/office/drawing/2014/main" id="{D0B08DF5-6F4E-8CF3-7384-B2C4FC338298}"/>
+              </a:ext>
+            </a:extLst>
+          </p:cNvPr>
+          <p:cNvSpPr txBox="1">
+            <a:spLocks/>
+          </p:cNvSpPr>
+          <p:nvPr/>
+        </p:nvSpPr>
+        <p:spPr>
+          <a:xfrm>
+            <a:off x="1142845" y="2866324"/>
+            <a:ext cx="3746090" cy="678328"/>
+          </a:xfrm>
+          <a:prstGeom prst="rect">
+            <a:avLst/>
+          </a:prstGeom>
+        </p:spPr>
+        <p:txBody>
+          <a:bodyPr vert="horz" lIns="91440" tIns="45720" rIns="91440" bIns="45720" rtlCol="0">
+            <a:normAutofit lnSpcReduction="10000"/>
+          </a:bodyPr>
+          <a:lstStyle>
+            <a:lvl1pPr marL="0" indent="0" algn="ctr" defTabSz="914400" rtl="0" eaLnBrk="1" latinLnBrk="0" hangingPunct="1">
+              <a:lnSpc>
+                <a:spcPct val="90000"/>
+              </a:lnSpc>
+              <a:spcBef>
+                <a:spcPts val="1000"/>
+              </a:spcBef>
+              <a:buFont typeface="Arial" panose="020B0604020202020204" pitchFamily="34" charset="0"/>
+              <a:buNone/>
+              <a:defRPr kumimoji="1" sz="2400" kern="1200">
+                <a:solidFill>
+                  <a:schemeClr val="tx1"/>
+                </a:solidFill>
+                <a:latin typeface="+mn-lt"/>
+                <a:ea typeface="+mn-ea"/>
+                <a:cs typeface="+mn-cs"/>
+              </a:defRPr>
+            </a:lvl1pPr>
+            <a:lvl2pPr marL="457200" indent="0" algn="ctr" defTabSz="914400" rtl="0" eaLnBrk="1" latinLnBrk="0" hangingPunct="1">
+              <a:lnSpc>
+                <a:spcPct val="90000"/>
+              </a:lnSpc>
+              <a:spcBef>
+                <a:spcPts val="500"/>
+              </a:spcBef>
+              <a:buFont typeface="Arial" panose="020B0604020202020204" pitchFamily="34" charset="0"/>
+              <a:buNone/>
+              <a:defRPr kumimoji="1" sz="2000" kern="1200">
+                <a:solidFill>
+                  <a:schemeClr val="tx1"/>
+                </a:solidFill>
+                <a:latin typeface="+mn-lt"/>
+                <a:ea typeface="+mn-ea"/>
+                <a:cs typeface="+mn-cs"/>
+              </a:defRPr>
+            </a:lvl2pPr>
+            <a:lvl3pPr marL="914400" indent="0" algn="ctr" defTabSz="914400" rtl="0" eaLnBrk="1" latinLnBrk="0" hangingPunct="1">
+              <a:lnSpc>
+                <a:spcPct val="90000"/>
+              </a:lnSpc>
+              <a:spcBef>
+                <a:spcPts val="500"/>
+              </a:spcBef>
+              <a:buFont typeface="Arial" panose="020B0604020202020204" pitchFamily="34" charset="0"/>
+              <a:buNone/>
+              <a:defRPr kumimoji="1" sz="1800" kern="1200">
+                <a:solidFill>
+                  <a:schemeClr val="tx1"/>
+                </a:solidFill>
+                <a:latin typeface="+mn-lt"/>
+                <a:ea typeface="+mn-ea"/>
+                <a:cs typeface="+mn-cs"/>
+              </a:defRPr>
+            </a:lvl3pPr>
+            <a:lvl4pPr marL="1371600" indent="0" algn="ctr" defTabSz="914400" rtl="0" eaLnBrk="1" latinLnBrk="0" hangingPunct="1">
+              <a:lnSpc>
+                <a:spcPct val="90000"/>
+              </a:lnSpc>
+              <a:spcBef>
+                <a:spcPts val="500"/>
+              </a:spcBef>
+              <a:buFont typeface="Arial" panose="020B0604020202020204" pitchFamily="34" charset="0"/>
+              <a:buNone/>
+              <a:defRPr kumimoji="1" sz="1600" kern="1200">
+                <a:solidFill>
+                  <a:schemeClr val="tx1"/>
+                </a:solidFill>
+                <a:latin typeface="+mn-lt"/>
+                <a:ea typeface="+mn-ea"/>
+                <a:cs typeface="+mn-cs"/>
+              </a:defRPr>
+            </a:lvl4pPr>
+            <a:lvl5pPr marL="1828800" indent="0" algn="ctr" defTabSz="914400" rtl="0" eaLnBrk="1" latinLnBrk="0" hangingPunct="1">
+              <a:lnSpc>
+                <a:spcPct val="90000"/>
+              </a:lnSpc>
+              <a:spcBef>
+                <a:spcPts val="500"/>
+              </a:spcBef>
+              <a:buFont typeface="Arial" panose="020B0604020202020204" pitchFamily="34" charset="0"/>
+              <a:buNone/>
+              <a:defRPr kumimoji="1" sz="1600" kern="1200">
+                <a:solidFill>
+                  <a:schemeClr val="tx1"/>
+                </a:solidFill>
+                <a:latin typeface="+mn-lt"/>
+                <a:ea typeface="+mn-ea"/>
+                <a:cs typeface="+mn-cs"/>
+              </a:defRPr>
+            </a:lvl5pPr>
+            <a:lvl6pPr marL="2286000" indent="0" algn="ctr" defTabSz="914400" rtl="0" eaLnBrk="1" latinLnBrk="0" hangingPunct="1">
+              <a:lnSpc>
+                <a:spcPct val="90000"/>
+              </a:lnSpc>
+              <a:spcBef>
+                <a:spcPts val="500"/>
+              </a:spcBef>
+              <a:buFont typeface="Arial" panose="020B0604020202020204" pitchFamily="34" charset="0"/>
+              <a:buNone/>
+              <a:defRPr kumimoji="1" sz="1600" kern="1200">
+                <a:solidFill>
+                  <a:schemeClr val="tx1"/>
+                </a:solidFill>
+                <a:latin typeface="+mn-lt"/>
+                <a:ea typeface="+mn-ea"/>
+                <a:cs typeface="+mn-cs"/>
+              </a:defRPr>
+            </a:lvl6pPr>
+            <a:lvl7pPr marL="2743200" indent="0" algn="ctr" defTabSz="914400" rtl="0" eaLnBrk="1" latinLnBrk="0" hangingPunct="1">
+              <a:lnSpc>
+                <a:spcPct val="90000"/>
+              </a:lnSpc>
+              <a:spcBef>
+                <a:spcPts val="500"/>
+              </a:spcBef>
+              <a:buFont typeface="Arial" panose="020B0604020202020204" pitchFamily="34" charset="0"/>
+              <a:buNone/>
+              <a:defRPr kumimoji="1" sz="1600" kern="1200">
+                <a:solidFill>
+                  <a:schemeClr val="tx1"/>
+                </a:solidFill>
+                <a:latin typeface="+mn-lt"/>
+                <a:ea typeface="+mn-ea"/>
+                <a:cs typeface="+mn-cs"/>
+              </a:defRPr>
+            </a:lvl7pPr>
+            <a:lvl8pPr marL="3200400" indent="0" algn="ctr" defTabSz="914400" rtl="0" eaLnBrk="1" latinLnBrk="0" hangingPunct="1">
+              <a:lnSpc>
+                <a:spcPct val="90000"/>
+              </a:lnSpc>
+              <a:spcBef>
+                <a:spcPts val="500"/>
+              </a:spcBef>
+              <a:buFont typeface="Arial" panose="020B0604020202020204" pitchFamily="34" charset="0"/>
+              <a:buNone/>
+              <a:defRPr kumimoji="1" sz="1600" kern="1200">
+                <a:solidFill>
+                  <a:schemeClr val="tx1"/>
+                </a:solidFill>
+                <a:latin typeface="+mn-lt"/>
+                <a:ea typeface="+mn-ea"/>
+                <a:cs typeface="+mn-cs"/>
+              </a:defRPr>
+            </a:lvl8pPr>
+            <a:lvl9pPr marL="3657600" indent="0" algn="ctr" defTabSz="914400" rtl="0" eaLnBrk="1" latinLnBrk="0" hangingPunct="1">
+              <a:lnSpc>
+                <a:spcPct val="90000"/>
+              </a:lnSpc>
+              <a:spcBef>
+                <a:spcPts val="500"/>
+              </a:spcBef>
+              <a:buFont typeface="Arial" panose="020B0604020202020204" pitchFamily="34" charset="0"/>
+              <a:buNone/>
+              <a:defRPr kumimoji="1" sz="1600" kern="1200">
+                <a:solidFill>
+                  <a:schemeClr val="tx1"/>
+                </a:solidFill>
+                <a:latin typeface="+mn-lt"/>
+                <a:ea typeface="+mn-ea"/>
+                <a:cs typeface="+mn-cs"/>
+              </a:defRPr>
+            </a:lvl9pPr>
+          </a:lstStyle>
+          <a:p>
+            <a:r>
+              <a:rPr lang="ja-JP" altLang="ja-JP" sz="1800" b="1" dirty="0">
+                <a:solidFill>
+                  <a:schemeClr val="accent2">
+                    <a:lumMod val="60000"/>
+                    <a:lumOff val="40000"/>
+                  </a:schemeClr>
+                </a:solidFill>
+                <a:effectLst/>
+                <a:latin typeface="AR P明朝体U" panose="020B0600010101010101" pitchFamily="50" charset="-128"/>
+                <a:ea typeface="AR P明朝体U" panose="020B0600010101010101" pitchFamily="50" charset="-128"/>
+                <a:cs typeface="Times New Roman" panose="02020603050405020304" pitchFamily="18" charset="0"/>
+              </a:rPr>
+              <a:t>次世代の</a:t>
+            </a:r>
+            <a:endParaRPr lang="en-US" altLang="ja-JP" sz="1800" b="1" dirty="0">
+              <a:solidFill>
+                <a:schemeClr val="accent2">
+                  <a:lumMod val="60000"/>
+                  <a:lumOff val="40000"/>
+                </a:schemeClr>
+              </a:solidFill>
+              <a:effectLst/>
+              <a:latin typeface="AR P明朝体U" panose="020B0600010101010101" pitchFamily="50" charset="-128"/>
+              <a:ea typeface="AR P明朝体U" panose="020B0600010101010101" pitchFamily="50" charset="-128"/>
+              <a:cs typeface="Times New Roman" panose="02020603050405020304" pitchFamily="18" charset="0"/>
+            </a:endParaRPr>
+          </a:p>
+          <a:p>
+            <a:r>
+              <a:rPr lang="ja-JP" altLang="ja-JP" sz="1800" b="1" dirty="0">
+                <a:solidFill>
+                  <a:schemeClr val="accent2">
+                    <a:lumMod val="60000"/>
+                    <a:lumOff val="40000"/>
+                  </a:schemeClr>
+                </a:solidFill>
+                <a:effectLst/>
+                <a:latin typeface="AR P明朝体U" panose="020B0600010101010101" pitchFamily="50" charset="-128"/>
+                <a:ea typeface="AR P明朝体U" panose="020B0600010101010101" pitchFamily="50" charset="-128"/>
+                <a:cs typeface="Times New Roman" panose="02020603050405020304" pitchFamily="18" charset="0"/>
+              </a:rPr>
+              <a:t>デジタル公共インフラを考える</a:t>
+            </a:r>
+            <a:endParaRPr lang="ja-JP" altLang="ja-JP" sz="1800" b="1" kern="100" dirty="0">
+              <a:solidFill>
+                <a:schemeClr val="accent2">
+                  <a:lumMod val="60000"/>
+                  <a:lumOff val="40000"/>
+                </a:schemeClr>
+              </a:solidFill>
+              <a:latin typeface="AR P明朝体U" panose="020B0600010101010101" pitchFamily="50" charset="-128"/>
+              <a:ea typeface="AR P明朝体U" panose="020B0600010101010101" pitchFamily="50" charset="-128"/>
+              <a:cs typeface="Times New Roman" panose="02020603050405020304" pitchFamily="18" charset="0"/>
+            </a:endParaRPr>
+          </a:p>
+        </p:txBody>
+      </p:sp>
+      <p:sp>
+        <p:nvSpPr>
+          <p:cNvPr id="7" name="字幕 2">
+            <a:extLst>
+              <a:ext uri="{FF2B5EF4-FFF2-40B4-BE49-F238E27FC236}">
+                <a16:creationId xmlns:a16="http://schemas.microsoft.com/office/drawing/2014/main" id="{24465DD9-EEE8-0FB2-3443-BA3A25E34F65}"/>
+              </a:ext>
+            </a:extLst>
+          </p:cNvPr>
+          <p:cNvSpPr txBox="1">
+            <a:spLocks/>
+          </p:cNvSpPr>
+          <p:nvPr/>
+        </p:nvSpPr>
+        <p:spPr>
+          <a:xfrm>
+            <a:off x="1142845" y="3528224"/>
+            <a:ext cx="3746090" cy="678328"/>
+          </a:xfrm>
+          <a:prstGeom prst="rect">
+            <a:avLst/>
+          </a:prstGeom>
+        </p:spPr>
+        <p:txBody>
+          <a:bodyPr vert="horz" lIns="91440" tIns="45720" rIns="91440" bIns="45720" rtlCol="0">
+            <a:normAutofit/>
+          </a:bodyPr>
+          <a:lstStyle>
+            <a:lvl1pPr marL="0" indent="0" algn="ctr" defTabSz="914400" rtl="0" eaLnBrk="1" latinLnBrk="0" hangingPunct="1">
+              <a:lnSpc>
+                <a:spcPct val="90000"/>
+              </a:lnSpc>
+              <a:spcBef>
+                <a:spcPts val="1000"/>
+              </a:spcBef>
+              <a:buFont typeface="Arial" panose="020B0604020202020204" pitchFamily="34" charset="0"/>
+              <a:buNone/>
+              <a:defRPr kumimoji="1" sz="2400" kern="1200">
+                <a:solidFill>
+                  <a:schemeClr val="tx1"/>
+                </a:solidFill>
+                <a:latin typeface="+mn-lt"/>
+                <a:ea typeface="+mn-ea"/>
+                <a:cs typeface="+mn-cs"/>
+              </a:defRPr>
+            </a:lvl1pPr>
+            <a:lvl2pPr marL="457200" indent="0" algn="ctr" defTabSz="914400" rtl="0" eaLnBrk="1" latinLnBrk="0" hangingPunct="1">
+              <a:lnSpc>
+                <a:spcPct val="90000"/>
+              </a:lnSpc>
+              <a:spcBef>
+                <a:spcPts val="500"/>
+              </a:spcBef>
+              <a:buFont typeface="Arial" panose="020B0604020202020204" pitchFamily="34" charset="0"/>
+              <a:buNone/>
+              <a:defRPr kumimoji="1" sz="2000" kern="1200">
+                <a:solidFill>
+                  <a:schemeClr val="tx1"/>
+                </a:solidFill>
+                <a:latin typeface="+mn-lt"/>
+                <a:ea typeface="+mn-ea"/>
+                <a:cs typeface="+mn-cs"/>
+              </a:defRPr>
+            </a:lvl2pPr>
+            <a:lvl3pPr marL="914400" indent="0" algn="ctr" defTabSz="914400" rtl="0" eaLnBrk="1" latinLnBrk="0" hangingPunct="1">
+              <a:lnSpc>
+                <a:spcPct val="90000"/>
+              </a:lnSpc>
+              <a:spcBef>
+                <a:spcPts val="500"/>
+              </a:spcBef>
+              <a:buFont typeface="Arial" panose="020B0604020202020204" pitchFamily="34" charset="0"/>
+              <a:buNone/>
+              <a:defRPr kumimoji="1" sz="1800" kern="1200">
+                <a:solidFill>
+                  <a:schemeClr val="tx1"/>
+                </a:solidFill>
+                <a:latin typeface="+mn-lt"/>
+                <a:ea typeface="+mn-ea"/>
+                <a:cs typeface="+mn-cs"/>
+              </a:defRPr>
+            </a:lvl3pPr>
+            <a:lvl4pPr marL="1371600" indent="0" algn="ctr" defTabSz="914400" rtl="0" eaLnBrk="1" latinLnBrk="0" hangingPunct="1">
+              <a:lnSpc>
+                <a:spcPct val="90000"/>
+              </a:lnSpc>
+              <a:spcBef>
+                <a:spcPts val="500"/>
+              </a:spcBef>
+              <a:buFont typeface="Arial" panose="020B0604020202020204" pitchFamily="34" charset="0"/>
+              <a:buNone/>
+              <a:defRPr kumimoji="1" sz="1600" kern="1200">
+                <a:solidFill>
+                  <a:schemeClr val="tx1"/>
+                </a:solidFill>
+                <a:latin typeface="+mn-lt"/>
+                <a:ea typeface="+mn-ea"/>
+                <a:cs typeface="+mn-cs"/>
+              </a:defRPr>
+            </a:lvl4pPr>
+            <a:lvl5pPr marL="1828800" indent="0" algn="ctr" defTabSz="914400" rtl="0" eaLnBrk="1" latinLnBrk="0" hangingPunct="1">
+              <a:lnSpc>
+                <a:spcPct val="90000"/>
+              </a:lnSpc>
+              <a:spcBef>
+                <a:spcPts val="500"/>
+              </a:spcBef>
+              <a:buFont typeface="Arial" panose="020B0604020202020204" pitchFamily="34" charset="0"/>
+              <a:buNone/>
+              <a:defRPr kumimoji="1" sz="1600" kern="1200">
+                <a:solidFill>
+                  <a:schemeClr val="tx1"/>
+                </a:solidFill>
+                <a:latin typeface="+mn-lt"/>
+                <a:ea typeface="+mn-ea"/>
+                <a:cs typeface="+mn-cs"/>
+              </a:defRPr>
+            </a:lvl5pPr>
+            <a:lvl6pPr marL="2286000" indent="0" algn="ctr" defTabSz="914400" rtl="0" eaLnBrk="1" latinLnBrk="0" hangingPunct="1">
+              <a:lnSpc>
+                <a:spcPct val="90000"/>
+              </a:lnSpc>
+              <a:spcBef>
+                <a:spcPts val="500"/>
+              </a:spcBef>
+              <a:buFont typeface="Arial" panose="020B0604020202020204" pitchFamily="34" charset="0"/>
+              <a:buNone/>
+              <a:defRPr kumimoji="1" sz="1600" kern="1200">
+                <a:solidFill>
+                  <a:schemeClr val="tx1"/>
+                </a:solidFill>
+                <a:latin typeface="+mn-lt"/>
+                <a:ea typeface="+mn-ea"/>
+                <a:cs typeface="+mn-cs"/>
+              </a:defRPr>
+            </a:lvl6pPr>
+            <a:lvl7pPr marL="2743200" indent="0" algn="ctr" defTabSz="914400" rtl="0" eaLnBrk="1" latinLnBrk="0" hangingPunct="1">
+              <a:lnSpc>
+                <a:spcPct val="90000"/>
+              </a:lnSpc>
+              <a:spcBef>
+                <a:spcPts val="500"/>
+              </a:spcBef>
+              <a:buFont typeface="Arial" panose="020B0604020202020204" pitchFamily="34" charset="0"/>
+              <a:buNone/>
+              <a:defRPr kumimoji="1" sz="1600" kern="1200">
+                <a:solidFill>
+                  <a:schemeClr val="tx1"/>
+                </a:solidFill>
+                <a:latin typeface="+mn-lt"/>
+                <a:ea typeface="+mn-ea"/>
+                <a:cs typeface="+mn-cs"/>
+              </a:defRPr>
+            </a:lvl7pPr>
+            <a:lvl8pPr marL="3200400" indent="0" algn="ctr" defTabSz="914400" rtl="0" eaLnBrk="1" latinLnBrk="0" hangingPunct="1">
+              <a:lnSpc>
+                <a:spcPct val="90000"/>
+              </a:lnSpc>
+              <a:spcBef>
+                <a:spcPts val="500"/>
+              </a:spcBef>
+              <a:buFont typeface="Arial" panose="020B0604020202020204" pitchFamily="34" charset="0"/>
+              <a:buNone/>
+              <a:defRPr kumimoji="1" sz="1600" kern="1200">
+                <a:solidFill>
+                  <a:schemeClr val="tx1"/>
+                </a:solidFill>
+                <a:latin typeface="+mn-lt"/>
+                <a:ea typeface="+mn-ea"/>
+                <a:cs typeface="+mn-cs"/>
+              </a:defRPr>
+            </a:lvl8pPr>
+            <a:lvl9pPr marL="3657600" indent="0" algn="ctr" defTabSz="914400" rtl="0" eaLnBrk="1" latinLnBrk="0" hangingPunct="1">
+              <a:lnSpc>
+                <a:spcPct val="90000"/>
+              </a:lnSpc>
+              <a:spcBef>
+                <a:spcPts val="500"/>
+              </a:spcBef>
+              <a:buFont typeface="Arial" panose="020B0604020202020204" pitchFamily="34" charset="0"/>
+              <a:buNone/>
+              <a:defRPr kumimoji="1" sz="1600" kern="1200">
+                <a:solidFill>
+                  <a:schemeClr val="tx1"/>
+                </a:solidFill>
+                <a:latin typeface="+mn-lt"/>
+                <a:ea typeface="+mn-ea"/>
+                <a:cs typeface="+mn-cs"/>
+              </a:defRPr>
+            </a:lvl9pPr>
+          </a:lstStyle>
+          <a:p>
+            <a:r>
+              <a:rPr lang="ja-JP" altLang="ja-JP" sz="1800" b="1" dirty="0">
+                <a:solidFill>
+                  <a:schemeClr val="accent2">
+                    <a:lumMod val="60000"/>
+                    <a:lumOff val="40000"/>
+                  </a:schemeClr>
+                </a:solidFill>
+                <a:effectLst/>
+                <a:latin typeface="AR P明朝体U" panose="020B0600010101010101" pitchFamily="50" charset="-128"/>
+                <a:ea typeface="AR P明朝体U" panose="020B0600010101010101" pitchFamily="50" charset="-128"/>
+                <a:cs typeface="Times New Roman" panose="02020603050405020304" pitchFamily="18" charset="0"/>
+              </a:rPr>
+              <a:t>～インディアスタックの衝撃～</a:t>
+            </a:r>
+            <a:endParaRPr lang="ja-JP" altLang="ja-JP" sz="1800" b="1" kern="100" dirty="0">
+              <a:solidFill>
+                <a:schemeClr val="accent2">
+                  <a:lumMod val="60000"/>
+                  <a:lumOff val="40000"/>
+                </a:schemeClr>
+              </a:solidFill>
+              <a:latin typeface="AR P明朝体U" panose="020B0600010101010101" pitchFamily="50" charset="-128"/>
+              <a:ea typeface="AR P明朝体U" panose="020B0600010101010101" pitchFamily="50" charset="-128"/>
+              <a:cs typeface="Times New Roman" panose="02020603050405020304" pitchFamily="18" charset="0"/>
+            </a:endParaRPr>
+          </a:p>
+        </p:txBody>
+      </p:sp>
+      <p:sp>
+        <p:nvSpPr>
+          <p:cNvPr id="8" name="字幕 2">
+            <a:extLst>
+              <a:ext uri="{FF2B5EF4-FFF2-40B4-BE49-F238E27FC236}">
+                <a16:creationId xmlns:a16="http://schemas.microsoft.com/office/drawing/2014/main" id="{B5FA3CBC-0541-1B5A-A6D6-7FFB7D5825E3}"/>
+              </a:ext>
+            </a:extLst>
+          </p:cNvPr>
+          <p:cNvSpPr txBox="1">
+            <a:spLocks/>
+          </p:cNvSpPr>
+          <p:nvPr/>
+        </p:nvSpPr>
+        <p:spPr>
+          <a:xfrm>
+            <a:off x="1142845" y="4529288"/>
+            <a:ext cx="3746090" cy="678328"/>
+          </a:xfrm>
+          <a:prstGeom prst="rect">
+            <a:avLst/>
+          </a:prstGeom>
+        </p:spPr>
+        <p:txBody>
+          <a:bodyPr vert="horz" lIns="91440" tIns="45720" rIns="91440" bIns="45720" rtlCol="0">
+            <a:noAutofit/>
+          </a:bodyPr>
+          <a:lstStyle>
+            <a:lvl1pPr marL="0" indent="0" algn="ctr" defTabSz="914400" rtl="0" eaLnBrk="1" latinLnBrk="0" hangingPunct="1">
+              <a:lnSpc>
+                <a:spcPct val="90000"/>
+              </a:lnSpc>
+              <a:spcBef>
+                <a:spcPts val="1000"/>
+              </a:spcBef>
+              <a:buFont typeface="Arial" panose="020B0604020202020204" pitchFamily="34" charset="0"/>
+              <a:buNone/>
+              <a:defRPr kumimoji="1" sz="2400" kern="1200">
+                <a:solidFill>
+                  <a:schemeClr val="tx1"/>
+                </a:solidFill>
+                <a:latin typeface="+mn-lt"/>
+                <a:ea typeface="+mn-ea"/>
+                <a:cs typeface="+mn-cs"/>
+              </a:defRPr>
+            </a:lvl1pPr>
+            <a:lvl2pPr marL="457200" indent="0" algn="ctr" defTabSz="914400" rtl="0" eaLnBrk="1" latinLnBrk="0" hangingPunct="1">
+              <a:lnSpc>
+                <a:spcPct val="90000"/>
+              </a:lnSpc>
+              <a:spcBef>
+                <a:spcPts val="500"/>
+              </a:spcBef>
+              <a:buFont typeface="Arial" panose="020B0604020202020204" pitchFamily="34" charset="0"/>
+              <a:buNone/>
+              <a:defRPr kumimoji="1" sz="2000" kern="1200">
+                <a:solidFill>
+                  <a:schemeClr val="tx1"/>
+                </a:solidFill>
+                <a:latin typeface="+mn-lt"/>
+                <a:ea typeface="+mn-ea"/>
+                <a:cs typeface="+mn-cs"/>
+              </a:defRPr>
+            </a:lvl2pPr>
+            <a:lvl3pPr marL="914400" indent="0" algn="ctr" defTabSz="914400" rtl="0" eaLnBrk="1" latinLnBrk="0" hangingPunct="1">
+              <a:lnSpc>
+                <a:spcPct val="90000"/>
+              </a:lnSpc>
+              <a:spcBef>
+                <a:spcPts val="500"/>
+              </a:spcBef>
+              <a:buFont typeface="Arial" panose="020B0604020202020204" pitchFamily="34" charset="0"/>
+              <a:buNone/>
+              <a:defRPr kumimoji="1" sz="1800" kern="1200">
+                <a:solidFill>
+                  <a:schemeClr val="tx1"/>
+                </a:solidFill>
+                <a:latin typeface="+mn-lt"/>
+                <a:ea typeface="+mn-ea"/>
+                <a:cs typeface="+mn-cs"/>
+              </a:defRPr>
+            </a:lvl3pPr>
+            <a:lvl4pPr marL="1371600" indent="0" algn="ctr" defTabSz="914400" rtl="0" eaLnBrk="1" latinLnBrk="0" hangingPunct="1">
+              <a:lnSpc>
+                <a:spcPct val="90000"/>
+              </a:lnSpc>
+              <a:spcBef>
+                <a:spcPts val="500"/>
+              </a:spcBef>
+              <a:buFont typeface="Arial" panose="020B0604020202020204" pitchFamily="34" charset="0"/>
+              <a:buNone/>
+              <a:defRPr kumimoji="1" sz="1600" kern="1200">
+                <a:solidFill>
+                  <a:schemeClr val="tx1"/>
+                </a:solidFill>
+                <a:latin typeface="+mn-lt"/>
+                <a:ea typeface="+mn-ea"/>
+                <a:cs typeface="+mn-cs"/>
+              </a:defRPr>
+            </a:lvl4pPr>
+            <a:lvl5pPr marL="1828800" indent="0" algn="ctr" defTabSz="914400" rtl="0" eaLnBrk="1" latinLnBrk="0" hangingPunct="1">
+              <a:lnSpc>
+                <a:spcPct val="90000"/>
+              </a:lnSpc>
+              <a:spcBef>
+                <a:spcPts val="500"/>
+              </a:spcBef>
+              <a:buFont typeface="Arial" panose="020B0604020202020204" pitchFamily="34" charset="0"/>
+              <a:buNone/>
+              <a:defRPr kumimoji="1" sz="1600" kern="1200">
+                <a:solidFill>
+                  <a:schemeClr val="tx1"/>
+                </a:solidFill>
+                <a:latin typeface="+mn-lt"/>
+                <a:ea typeface="+mn-ea"/>
+                <a:cs typeface="+mn-cs"/>
+              </a:defRPr>
+            </a:lvl5pPr>
+            <a:lvl6pPr marL="2286000" indent="0" algn="ctr" defTabSz="914400" rtl="0" eaLnBrk="1" latinLnBrk="0" hangingPunct="1">
+              <a:lnSpc>
+                <a:spcPct val="90000"/>
+              </a:lnSpc>
+              <a:spcBef>
+                <a:spcPts val="500"/>
+              </a:spcBef>
+              <a:buFont typeface="Arial" panose="020B0604020202020204" pitchFamily="34" charset="0"/>
+              <a:buNone/>
+              <a:defRPr kumimoji="1" sz="1600" kern="1200">
+                <a:solidFill>
+                  <a:schemeClr val="tx1"/>
+                </a:solidFill>
+                <a:latin typeface="+mn-lt"/>
+                <a:ea typeface="+mn-ea"/>
+                <a:cs typeface="+mn-cs"/>
+              </a:defRPr>
+            </a:lvl6pPr>
+            <a:lvl7pPr marL="2743200" indent="0" algn="ctr" defTabSz="914400" rtl="0" eaLnBrk="1" latinLnBrk="0" hangingPunct="1">
+              <a:lnSpc>
+                <a:spcPct val="90000"/>
+              </a:lnSpc>
+              <a:spcBef>
+                <a:spcPts val="500"/>
+              </a:spcBef>
+              <a:buFont typeface="Arial" panose="020B0604020202020204" pitchFamily="34" charset="0"/>
+              <a:buNone/>
+              <a:defRPr kumimoji="1" sz="1600" kern="1200">
+                <a:solidFill>
+                  <a:schemeClr val="tx1"/>
+                </a:solidFill>
+                <a:latin typeface="+mn-lt"/>
+                <a:ea typeface="+mn-ea"/>
+                <a:cs typeface="+mn-cs"/>
+              </a:defRPr>
+            </a:lvl7pPr>
+            <a:lvl8pPr marL="3200400" indent="0" algn="ctr" defTabSz="914400" rtl="0" eaLnBrk="1" latinLnBrk="0" hangingPunct="1">
+              <a:lnSpc>
+                <a:spcPct val="90000"/>
+              </a:lnSpc>
+              <a:spcBef>
+                <a:spcPts val="500"/>
+              </a:spcBef>
+              <a:buFont typeface="Arial" panose="020B0604020202020204" pitchFamily="34" charset="0"/>
+              <a:buNone/>
+              <a:defRPr kumimoji="1" sz="1600" kern="1200">
+                <a:solidFill>
+                  <a:schemeClr val="tx1"/>
+                </a:solidFill>
+                <a:latin typeface="+mn-lt"/>
+                <a:ea typeface="+mn-ea"/>
+                <a:cs typeface="+mn-cs"/>
+              </a:defRPr>
+            </a:lvl8pPr>
+            <a:lvl9pPr marL="3657600" indent="0" algn="ctr" defTabSz="914400" rtl="0" eaLnBrk="1" latinLnBrk="0" hangingPunct="1">
+              <a:lnSpc>
+                <a:spcPct val="90000"/>
+              </a:lnSpc>
+              <a:spcBef>
+                <a:spcPts val="500"/>
+              </a:spcBef>
+              <a:buFont typeface="Arial" panose="020B0604020202020204" pitchFamily="34" charset="0"/>
+              <a:buNone/>
+              <a:defRPr kumimoji="1" sz="1600" kern="1200">
+                <a:solidFill>
+                  <a:schemeClr val="tx1"/>
+                </a:solidFill>
+                <a:latin typeface="+mn-lt"/>
+                <a:ea typeface="+mn-ea"/>
+                <a:cs typeface="+mn-cs"/>
+              </a:defRPr>
+            </a:lvl9pPr>
+          </a:lstStyle>
+          <a:p>
+            <a:r>
+              <a:rPr lang="ja-JP" altLang="ja-JP" sz="2800" b="1" dirty="0">
+                <a:solidFill>
+                  <a:schemeClr val="bg1"/>
+                </a:solidFill>
+                <a:effectLst/>
+                <a:latin typeface="AR P明朝体U" panose="020B0600010101010101" pitchFamily="50" charset="-128"/>
+                <a:ea typeface="AR P明朝体U" panose="020B0600010101010101" pitchFamily="50" charset="-128"/>
+                <a:cs typeface="Times New Roman" panose="02020603050405020304" pitchFamily="18" charset="0"/>
+              </a:rPr>
+              <a:t>元谷 崇</a:t>
+            </a:r>
+            <a:endParaRPr lang="ja-JP" altLang="ja-JP" sz="2800" kern="100" dirty="0">
+              <a:solidFill>
+                <a:schemeClr val="bg1"/>
+              </a:solidFill>
+              <a:latin typeface="AR P明朝体U" panose="020B0600010101010101" pitchFamily="50" charset="-128"/>
+              <a:ea typeface="AR P明朝体U" panose="020B0600010101010101" pitchFamily="50" charset="-128"/>
+              <a:cs typeface="Times New Roman" panose="02020603050405020304" pitchFamily="18" charset="0"/>
+            </a:endParaRPr>
+          </a:p>
+        </p:txBody>
+      </p:sp>
+      <p:sp>
+        <p:nvSpPr>
+          <p:cNvPr id="9" name="字幕 2">
+            <a:extLst>
+              <a:ext uri="{FF2B5EF4-FFF2-40B4-BE49-F238E27FC236}">
+                <a16:creationId xmlns:a16="http://schemas.microsoft.com/office/drawing/2014/main" id="{420877FB-4BCC-F831-A356-2C37593E3D4F}"/>
+              </a:ext>
+            </a:extLst>
+          </p:cNvPr>
+          <p:cNvSpPr txBox="1">
+            <a:spLocks/>
+          </p:cNvSpPr>
+          <p:nvPr/>
+        </p:nvSpPr>
+        <p:spPr>
+          <a:xfrm>
+            <a:off x="6180882" y="599279"/>
+            <a:ext cx="6160220" cy="579004"/>
+          </a:xfrm>
+          <a:prstGeom prst="rect">
+            <a:avLst/>
+          </a:prstGeom>
+        </p:spPr>
+        <p:txBody>
+          <a:bodyPr vert="horz" lIns="91440" tIns="45720" rIns="91440" bIns="45720" rtlCol="0">
+            <a:noAutofit/>
+          </a:bodyPr>
+          <a:lstStyle>
+            <a:lvl1pPr marL="0" indent="0" algn="ctr" defTabSz="914400" rtl="0" eaLnBrk="1" latinLnBrk="0" hangingPunct="1">
+              <a:lnSpc>
+                <a:spcPct val="90000"/>
+              </a:lnSpc>
+              <a:spcBef>
+                <a:spcPts val="1000"/>
+              </a:spcBef>
+              <a:buFont typeface="Arial" panose="020B0604020202020204" pitchFamily="34" charset="0"/>
+              <a:buNone/>
+              <a:defRPr kumimoji="1" sz="2400" kern="1200">
+                <a:solidFill>
+                  <a:schemeClr val="tx1"/>
+                </a:solidFill>
+                <a:latin typeface="+mn-lt"/>
+                <a:ea typeface="+mn-ea"/>
+                <a:cs typeface="+mn-cs"/>
+              </a:defRPr>
+            </a:lvl1pPr>
+            <a:lvl2pPr marL="457200" indent="0" algn="ctr" defTabSz="914400" rtl="0" eaLnBrk="1" latinLnBrk="0" hangingPunct="1">
+              <a:lnSpc>
+                <a:spcPct val="90000"/>
+              </a:lnSpc>
+              <a:spcBef>
+                <a:spcPts val="500"/>
+              </a:spcBef>
+              <a:buFont typeface="Arial" panose="020B0604020202020204" pitchFamily="34" charset="0"/>
+              <a:buNone/>
+              <a:defRPr kumimoji="1" sz="2000" kern="1200">
+                <a:solidFill>
+                  <a:schemeClr val="tx1"/>
+                </a:solidFill>
+                <a:latin typeface="+mn-lt"/>
+                <a:ea typeface="+mn-ea"/>
+                <a:cs typeface="+mn-cs"/>
+              </a:defRPr>
+            </a:lvl2pPr>
+            <a:lvl3pPr marL="914400" indent="0" algn="ctr" defTabSz="914400" rtl="0" eaLnBrk="1" latinLnBrk="0" hangingPunct="1">
+              <a:lnSpc>
+                <a:spcPct val="90000"/>
+              </a:lnSpc>
+              <a:spcBef>
+                <a:spcPts val="500"/>
+              </a:spcBef>
+              <a:buFont typeface="Arial" panose="020B0604020202020204" pitchFamily="34" charset="0"/>
+              <a:buNone/>
+              <a:defRPr kumimoji="1" sz="1800" kern="1200">
+                <a:solidFill>
+                  <a:schemeClr val="tx1"/>
+                </a:solidFill>
+                <a:latin typeface="+mn-lt"/>
+                <a:ea typeface="+mn-ea"/>
+                <a:cs typeface="+mn-cs"/>
+              </a:defRPr>
+            </a:lvl3pPr>
+            <a:lvl4pPr marL="1371600" indent="0" algn="ctr" defTabSz="914400" rtl="0" eaLnBrk="1" latinLnBrk="0" hangingPunct="1">
+              <a:lnSpc>
+                <a:spcPct val="90000"/>
+              </a:lnSpc>
+              <a:spcBef>
+                <a:spcPts val="500"/>
+              </a:spcBef>
+              <a:buFont typeface="Arial" panose="020B0604020202020204" pitchFamily="34" charset="0"/>
+              <a:buNone/>
+              <a:defRPr kumimoji="1" sz="1600" kern="1200">
+                <a:solidFill>
+                  <a:schemeClr val="tx1"/>
+                </a:solidFill>
+                <a:latin typeface="+mn-lt"/>
+                <a:ea typeface="+mn-ea"/>
+                <a:cs typeface="+mn-cs"/>
+              </a:defRPr>
+            </a:lvl4pPr>
+            <a:lvl5pPr marL="1828800" indent="0" algn="ctr" defTabSz="914400" rtl="0" eaLnBrk="1" latinLnBrk="0" hangingPunct="1">
+              <a:lnSpc>
+                <a:spcPct val="90000"/>
+              </a:lnSpc>
+              <a:spcBef>
+                <a:spcPts val="500"/>
+              </a:spcBef>
+              <a:buFont typeface="Arial" panose="020B0604020202020204" pitchFamily="34" charset="0"/>
+              <a:buNone/>
+              <a:defRPr kumimoji="1" sz="1600" kern="1200">
+                <a:solidFill>
+                  <a:schemeClr val="tx1"/>
+                </a:solidFill>
+                <a:latin typeface="+mn-lt"/>
+                <a:ea typeface="+mn-ea"/>
+                <a:cs typeface="+mn-cs"/>
+              </a:defRPr>
+            </a:lvl5pPr>
+            <a:lvl6pPr marL="2286000" indent="0" algn="ctr" defTabSz="914400" rtl="0" eaLnBrk="1" latinLnBrk="0" hangingPunct="1">
+              <a:lnSpc>
+                <a:spcPct val="90000"/>
+              </a:lnSpc>
+              <a:spcBef>
+                <a:spcPts val="500"/>
+              </a:spcBef>
+              <a:buFont typeface="Arial" panose="020B0604020202020204" pitchFamily="34" charset="0"/>
+              <a:buNone/>
+              <a:defRPr kumimoji="1" sz="1600" kern="1200">
+                <a:solidFill>
+                  <a:schemeClr val="tx1"/>
+                </a:solidFill>
+                <a:latin typeface="+mn-lt"/>
+                <a:ea typeface="+mn-ea"/>
+                <a:cs typeface="+mn-cs"/>
+              </a:defRPr>
+            </a:lvl6pPr>
+            <a:lvl7pPr marL="2743200" indent="0" algn="ctr" defTabSz="914400" rtl="0" eaLnBrk="1" latinLnBrk="0" hangingPunct="1">
+              <a:lnSpc>
+                <a:spcPct val="90000"/>
+              </a:lnSpc>
+              <a:spcBef>
+                <a:spcPts val="500"/>
+              </a:spcBef>
+              <a:buFont typeface="Arial" panose="020B0604020202020204" pitchFamily="34" charset="0"/>
+              <a:buNone/>
+              <a:defRPr kumimoji="1" sz="1600" kern="1200">
+                <a:solidFill>
+                  <a:schemeClr val="tx1"/>
+                </a:solidFill>
+                <a:latin typeface="+mn-lt"/>
+                <a:ea typeface="+mn-ea"/>
+                <a:cs typeface="+mn-cs"/>
+              </a:defRPr>
+            </a:lvl7pPr>
+            <a:lvl8pPr marL="3200400" indent="0" algn="ctr" defTabSz="914400" rtl="0" eaLnBrk="1" latinLnBrk="0" hangingPunct="1">
+              <a:lnSpc>
+                <a:spcPct val="90000"/>
+              </a:lnSpc>
+              <a:spcBef>
+                <a:spcPts val="500"/>
+              </a:spcBef>
+              <a:buFont typeface="Arial" panose="020B0604020202020204" pitchFamily="34" charset="0"/>
+              <a:buNone/>
+              <a:defRPr kumimoji="1" sz="1600" kern="1200">
+                <a:solidFill>
+                  <a:schemeClr val="tx1"/>
+                </a:solidFill>
+                <a:latin typeface="+mn-lt"/>
+                <a:ea typeface="+mn-ea"/>
+                <a:cs typeface="+mn-cs"/>
+              </a:defRPr>
+            </a:lvl8pPr>
+            <a:lvl9pPr marL="3657600" indent="0" algn="ctr" defTabSz="914400" rtl="0" eaLnBrk="1" latinLnBrk="0" hangingPunct="1">
+              <a:lnSpc>
+                <a:spcPct val="90000"/>
+              </a:lnSpc>
+              <a:spcBef>
+                <a:spcPts val="500"/>
+              </a:spcBef>
+              <a:buFont typeface="Arial" panose="020B0604020202020204" pitchFamily="34" charset="0"/>
+              <a:buNone/>
+              <a:defRPr kumimoji="1" sz="1600" kern="1200">
+                <a:solidFill>
+                  <a:schemeClr val="tx1"/>
+                </a:solidFill>
+                <a:latin typeface="+mn-lt"/>
+                <a:ea typeface="+mn-ea"/>
+                <a:cs typeface="+mn-cs"/>
+              </a:defRPr>
+            </a:lvl9pPr>
+          </a:lstStyle>
+          <a:p>
+            <a:r>
+              <a:rPr lang="ja-JP" altLang="ja-JP" sz="6000" b="1" kern="100" dirty="0">
+                <a:latin typeface="+mj-lt"/>
+                <a:ea typeface="AR顏眞楷書体H" panose="020B0609010101010101" pitchFamily="49" charset="-128"/>
+                <a:cs typeface="Times New Roman" panose="02020603050405020304" pitchFamily="18" charset="0"/>
+              </a:rPr>
+              <a:t>つながる</a:t>
+            </a:r>
+            <a:endParaRPr lang="ja-JP" altLang="ja-JP" sz="6000" kern="100" dirty="0">
+              <a:latin typeface="+mj-lt"/>
+              <a:ea typeface="AR顏眞楷書体H" panose="020B0609010101010101" pitchFamily="49" charset="-128"/>
+              <a:cs typeface="Times New Roman" panose="02020603050405020304" pitchFamily="18" charset="0"/>
+            </a:endParaRPr>
+          </a:p>
+        </p:txBody>
+      </p:sp>
+      <p:sp>
+        <p:nvSpPr>
+          <p:cNvPr id="10" name="字幕 2">
+            <a:extLst>
+              <a:ext uri="{FF2B5EF4-FFF2-40B4-BE49-F238E27FC236}">
+                <a16:creationId xmlns:a16="http://schemas.microsoft.com/office/drawing/2014/main" id="{03A9B98E-2084-004E-FCA7-CA50896F3008}"/>
+              </a:ext>
+            </a:extLst>
+          </p:cNvPr>
+          <p:cNvSpPr txBox="1">
+            <a:spLocks/>
+          </p:cNvSpPr>
+          <p:nvPr/>
+        </p:nvSpPr>
+        <p:spPr>
+          <a:xfrm>
+            <a:off x="6180881" y="1487005"/>
+            <a:ext cx="6160223" cy="505825"/>
+          </a:xfrm>
+          <a:prstGeom prst="rect">
+            <a:avLst/>
+          </a:prstGeom>
+        </p:spPr>
+        <p:txBody>
+          <a:bodyPr vert="horz" lIns="91440" tIns="45720" rIns="91440" bIns="45720" rtlCol="0">
+            <a:noAutofit/>
+          </a:bodyPr>
+          <a:lstStyle>
+            <a:lvl1pPr marL="0" indent="0" algn="ctr" defTabSz="914400" rtl="0" eaLnBrk="1" latinLnBrk="0" hangingPunct="1">
+              <a:lnSpc>
+                <a:spcPct val="90000"/>
+              </a:lnSpc>
+              <a:spcBef>
+                <a:spcPts val="1000"/>
+              </a:spcBef>
+              <a:buFont typeface="Arial" panose="020B0604020202020204" pitchFamily="34" charset="0"/>
+              <a:buNone/>
+              <a:defRPr kumimoji="1" sz="2400" kern="1200">
+                <a:solidFill>
+                  <a:schemeClr val="tx1"/>
+                </a:solidFill>
+                <a:latin typeface="+mn-lt"/>
+                <a:ea typeface="+mn-ea"/>
+                <a:cs typeface="+mn-cs"/>
+              </a:defRPr>
+            </a:lvl1pPr>
+            <a:lvl2pPr marL="457200" indent="0" algn="ctr" defTabSz="914400" rtl="0" eaLnBrk="1" latinLnBrk="0" hangingPunct="1">
+              <a:lnSpc>
+                <a:spcPct val="90000"/>
+              </a:lnSpc>
+              <a:spcBef>
+                <a:spcPts val="500"/>
+              </a:spcBef>
+              <a:buFont typeface="Arial" panose="020B0604020202020204" pitchFamily="34" charset="0"/>
+              <a:buNone/>
+              <a:defRPr kumimoji="1" sz="2000" kern="1200">
+                <a:solidFill>
+                  <a:schemeClr val="tx1"/>
+                </a:solidFill>
+                <a:latin typeface="+mn-lt"/>
+                <a:ea typeface="+mn-ea"/>
+                <a:cs typeface="+mn-cs"/>
+              </a:defRPr>
+            </a:lvl2pPr>
+            <a:lvl3pPr marL="914400" indent="0" algn="ctr" defTabSz="914400" rtl="0" eaLnBrk="1" latinLnBrk="0" hangingPunct="1">
+              <a:lnSpc>
+                <a:spcPct val="90000"/>
+              </a:lnSpc>
+              <a:spcBef>
+                <a:spcPts val="500"/>
+              </a:spcBef>
+              <a:buFont typeface="Arial" panose="020B0604020202020204" pitchFamily="34" charset="0"/>
+              <a:buNone/>
+              <a:defRPr kumimoji="1" sz="1800" kern="1200">
+                <a:solidFill>
+                  <a:schemeClr val="tx1"/>
+                </a:solidFill>
+                <a:latin typeface="+mn-lt"/>
+                <a:ea typeface="+mn-ea"/>
+                <a:cs typeface="+mn-cs"/>
+              </a:defRPr>
+            </a:lvl3pPr>
+            <a:lvl4pPr marL="1371600" indent="0" algn="ctr" defTabSz="914400" rtl="0" eaLnBrk="1" latinLnBrk="0" hangingPunct="1">
+              <a:lnSpc>
+                <a:spcPct val="90000"/>
+              </a:lnSpc>
+              <a:spcBef>
+                <a:spcPts val="500"/>
+              </a:spcBef>
+              <a:buFont typeface="Arial" panose="020B0604020202020204" pitchFamily="34" charset="0"/>
+              <a:buNone/>
+              <a:defRPr kumimoji="1" sz="1600" kern="1200">
+                <a:solidFill>
+                  <a:schemeClr val="tx1"/>
+                </a:solidFill>
+                <a:latin typeface="+mn-lt"/>
+                <a:ea typeface="+mn-ea"/>
+                <a:cs typeface="+mn-cs"/>
+              </a:defRPr>
+            </a:lvl4pPr>
+            <a:lvl5pPr marL="1828800" indent="0" algn="ctr" defTabSz="914400" rtl="0" eaLnBrk="1" latinLnBrk="0" hangingPunct="1">
+              <a:lnSpc>
+                <a:spcPct val="90000"/>
+              </a:lnSpc>
+              <a:spcBef>
+                <a:spcPts val="500"/>
+              </a:spcBef>
+              <a:buFont typeface="Arial" panose="020B0604020202020204" pitchFamily="34" charset="0"/>
+              <a:buNone/>
+              <a:defRPr kumimoji="1" sz="1600" kern="1200">
+                <a:solidFill>
+                  <a:schemeClr val="tx1"/>
+                </a:solidFill>
+                <a:latin typeface="+mn-lt"/>
+                <a:ea typeface="+mn-ea"/>
+                <a:cs typeface="+mn-cs"/>
+              </a:defRPr>
+            </a:lvl5pPr>
+            <a:lvl6pPr marL="2286000" indent="0" algn="ctr" defTabSz="914400" rtl="0" eaLnBrk="1" latinLnBrk="0" hangingPunct="1">
+              <a:lnSpc>
+                <a:spcPct val="90000"/>
+              </a:lnSpc>
+              <a:spcBef>
+                <a:spcPts val="500"/>
+              </a:spcBef>
+              <a:buFont typeface="Arial" panose="020B0604020202020204" pitchFamily="34" charset="0"/>
+              <a:buNone/>
+              <a:defRPr kumimoji="1" sz="1600" kern="1200">
+                <a:solidFill>
+                  <a:schemeClr val="tx1"/>
+                </a:solidFill>
+                <a:latin typeface="+mn-lt"/>
+                <a:ea typeface="+mn-ea"/>
+                <a:cs typeface="+mn-cs"/>
+              </a:defRPr>
+            </a:lvl6pPr>
+            <a:lvl7pPr marL="2743200" indent="0" algn="ctr" defTabSz="914400" rtl="0" eaLnBrk="1" latinLnBrk="0" hangingPunct="1">
+              <a:lnSpc>
+                <a:spcPct val="90000"/>
+              </a:lnSpc>
+              <a:spcBef>
+                <a:spcPts val="500"/>
+              </a:spcBef>
+              <a:buFont typeface="Arial" panose="020B0604020202020204" pitchFamily="34" charset="0"/>
+              <a:buNone/>
+              <a:defRPr kumimoji="1" sz="1600" kern="1200">
+                <a:solidFill>
+                  <a:schemeClr val="tx1"/>
+                </a:solidFill>
+                <a:latin typeface="+mn-lt"/>
+                <a:ea typeface="+mn-ea"/>
+                <a:cs typeface="+mn-cs"/>
+              </a:defRPr>
+            </a:lvl7pPr>
+            <a:lvl8pPr marL="3200400" indent="0" algn="ctr" defTabSz="914400" rtl="0" eaLnBrk="1" latinLnBrk="0" hangingPunct="1">
+              <a:lnSpc>
+                <a:spcPct val="90000"/>
+              </a:lnSpc>
+              <a:spcBef>
+                <a:spcPts val="500"/>
+              </a:spcBef>
+              <a:buFont typeface="Arial" panose="020B0604020202020204" pitchFamily="34" charset="0"/>
+              <a:buNone/>
+              <a:defRPr kumimoji="1" sz="1600" kern="1200">
+                <a:solidFill>
+                  <a:schemeClr val="tx1"/>
+                </a:solidFill>
+                <a:latin typeface="+mn-lt"/>
+                <a:ea typeface="+mn-ea"/>
+                <a:cs typeface="+mn-cs"/>
+              </a:defRPr>
+            </a:lvl8pPr>
+            <a:lvl9pPr marL="3657600" indent="0" algn="ctr" defTabSz="914400" rtl="0" eaLnBrk="1" latinLnBrk="0" hangingPunct="1">
+              <a:lnSpc>
+                <a:spcPct val="90000"/>
+              </a:lnSpc>
+              <a:spcBef>
+                <a:spcPts val="500"/>
+              </a:spcBef>
+              <a:buFont typeface="Arial" panose="020B0604020202020204" pitchFamily="34" charset="0"/>
+              <a:buNone/>
+              <a:defRPr kumimoji="1" sz="1600" kern="1200">
+                <a:solidFill>
+                  <a:schemeClr val="tx1"/>
+                </a:solidFill>
+                <a:latin typeface="+mn-lt"/>
+                <a:ea typeface="+mn-ea"/>
+                <a:cs typeface="+mn-cs"/>
+              </a:defRPr>
+            </a:lvl9pPr>
+          </a:lstStyle>
+          <a:p>
+            <a:r>
+              <a:rPr lang="ja-JP" altLang="ja-JP" sz="6000" b="1" dirty="0">
+                <a:effectLst/>
+                <a:latin typeface="+mj-lt"/>
+                <a:ea typeface="AR顏眞楷書体H" panose="020B0609010101010101" pitchFamily="49" charset="-128"/>
+                <a:cs typeface="Times New Roman" panose="02020603050405020304" pitchFamily="18" charset="0"/>
+              </a:rPr>
+              <a:t>行政サービス</a:t>
+            </a:r>
+            <a:endParaRPr lang="ja-JP" altLang="ja-JP" sz="6000" kern="100" dirty="0">
+              <a:latin typeface="+mj-lt"/>
+              <a:ea typeface="AR顏眞楷書体H" panose="020B0609010101010101" pitchFamily="49" charset="-128"/>
+              <a:cs typeface="Times New Roman" panose="02020603050405020304" pitchFamily="18" charset="0"/>
+            </a:endParaRPr>
+          </a:p>
+        </p:txBody>
+      </p:sp>
+      <p:sp>
+        <p:nvSpPr>
+          <p:cNvPr id="11" name="字幕 2">
+            <a:extLst>
+              <a:ext uri="{FF2B5EF4-FFF2-40B4-BE49-F238E27FC236}">
+                <a16:creationId xmlns:a16="http://schemas.microsoft.com/office/drawing/2014/main" id="{09C86DDE-B747-0298-CBDB-5F35962D6825}"/>
+              </a:ext>
+            </a:extLst>
+          </p:cNvPr>
+          <p:cNvSpPr txBox="1">
+            <a:spLocks/>
+          </p:cNvSpPr>
+          <p:nvPr/>
+        </p:nvSpPr>
+        <p:spPr>
+          <a:xfrm>
+            <a:off x="7387947" y="2431181"/>
+            <a:ext cx="3746090" cy="307597"/>
+          </a:xfrm>
+          <a:prstGeom prst="rect">
+            <a:avLst/>
+          </a:prstGeom>
+        </p:spPr>
+        <p:txBody>
+          <a:bodyPr vert="horz" lIns="91440" tIns="45720" rIns="91440" bIns="45720" rtlCol="0">
+            <a:noAutofit/>
+          </a:bodyPr>
+          <a:lstStyle>
+            <a:lvl1pPr marL="0" indent="0" algn="ctr" defTabSz="914400" rtl="0" eaLnBrk="1" latinLnBrk="0" hangingPunct="1">
+              <a:lnSpc>
+                <a:spcPct val="90000"/>
+              </a:lnSpc>
+              <a:spcBef>
+                <a:spcPts val="1000"/>
+              </a:spcBef>
+              <a:buFont typeface="Arial" panose="020B0604020202020204" pitchFamily="34" charset="0"/>
+              <a:buNone/>
+              <a:defRPr kumimoji="1" sz="2400" kern="1200">
+                <a:solidFill>
+                  <a:schemeClr val="tx1"/>
+                </a:solidFill>
+                <a:latin typeface="+mn-lt"/>
+                <a:ea typeface="+mn-ea"/>
+                <a:cs typeface="+mn-cs"/>
+              </a:defRPr>
+            </a:lvl1pPr>
+            <a:lvl2pPr marL="457200" indent="0" algn="ctr" defTabSz="914400" rtl="0" eaLnBrk="1" latinLnBrk="0" hangingPunct="1">
+              <a:lnSpc>
+                <a:spcPct val="90000"/>
+              </a:lnSpc>
+              <a:spcBef>
+                <a:spcPts val="500"/>
+              </a:spcBef>
+              <a:buFont typeface="Arial" panose="020B0604020202020204" pitchFamily="34" charset="0"/>
+              <a:buNone/>
+              <a:defRPr kumimoji="1" sz="2000" kern="1200">
+                <a:solidFill>
+                  <a:schemeClr val="tx1"/>
+                </a:solidFill>
+                <a:latin typeface="+mn-lt"/>
+                <a:ea typeface="+mn-ea"/>
+                <a:cs typeface="+mn-cs"/>
+              </a:defRPr>
+            </a:lvl2pPr>
+            <a:lvl3pPr marL="914400" indent="0" algn="ctr" defTabSz="914400" rtl="0" eaLnBrk="1" latinLnBrk="0" hangingPunct="1">
+              <a:lnSpc>
+                <a:spcPct val="90000"/>
+              </a:lnSpc>
+              <a:spcBef>
+                <a:spcPts val="500"/>
+              </a:spcBef>
+              <a:buFont typeface="Arial" panose="020B0604020202020204" pitchFamily="34" charset="0"/>
+              <a:buNone/>
+              <a:defRPr kumimoji="1" sz="1800" kern="1200">
+                <a:solidFill>
+                  <a:schemeClr val="tx1"/>
+                </a:solidFill>
+                <a:latin typeface="+mn-lt"/>
+                <a:ea typeface="+mn-ea"/>
+                <a:cs typeface="+mn-cs"/>
+              </a:defRPr>
+            </a:lvl3pPr>
+            <a:lvl4pPr marL="1371600" indent="0" algn="ctr" defTabSz="914400" rtl="0" eaLnBrk="1" latinLnBrk="0" hangingPunct="1">
+              <a:lnSpc>
+                <a:spcPct val="90000"/>
+              </a:lnSpc>
+              <a:spcBef>
+                <a:spcPts val="500"/>
+              </a:spcBef>
+              <a:buFont typeface="Arial" panose="020B0604020202020204" pitchFamily="34" charset="0"/>
+              <a:buNone/>
+              <a:defRPr kumimoji="1" sz="1600" kern="1200">
+                <a:solidFill>
+                  <a:schemeClr val="tx1"/>
+                </a:solidFill>
+                <a:latin typeface="+mn-lt"/>
+                <a:ea typeface="+mn-ea"/>
+                <a:cs typeface="+mn-cs"/>
+              </a:defRPr>
+            </a:lvl4pPr>
+            <a:lvl5pPr marL="1828800" indent="0" algn="ctr" defTabSz="914400" rtl="0" eaLnBrk="1" latinLnBrk="0" hangingPunct="1">
+              <a:lnSpc>
+                <a:spcPct val="90000"/>
+              </a:lnSpc>
+              <a:spcBef>
+                <a:spcPts val="500"/>
+              </a:spcBef>
+              <a:buFont typeface="Arial" panose="020B0604020202020204" pitchFamily="34" charset="0"/>
+              <a:buNone/>
+              <a:defRPr kumimoji="1" sz="1600" kern="1200">
+                <a:solidFill>
+                  <a:schemeClr val="tx1"/>
+                </a:solidFill>
+                <a:latin typeface="+mn-lt"/>
+                <a:ea typeface="+mn-ea"/>
+                <a:cs typeface="+mn-cs"/>
+              </a:defRPr>
+            </a:lvl5pPr>
+            <a:lvl6pPr marL="2286000" indent="0" algn="ctr" defTabSz="914400" rtl="0" eaLnBrk="1" latinLnBrk="0" hangingPunct="1">
+              <a:lnSpc>
+                <a:spcPct val="90000"/>
+              </a:lnSpc>
+              <a:spcBef>
+                <a:spcPts val="500"/>
+              </a:spcBef>
+              <a:buFont typeface="Arial" panose="020B0604020202020204" pitchFamily="34" charset="0"/>
+              <a:buNone/>
+              <a:defRPr kumimoji="1" sz="1600" kern="1200">
+                <a:solidFill>
+                  <a:schemeClr val="tx1"/>
+                </a:solidFill>
+                <a:latin typeface="+mn-lt"/>
+                <a:ea typeface="+mn-ea"/>
+                <a:cs typeface="+mn-cs"/>
+              </a:defRPr>
+            </a:lvl6pPr>
+            <a:lvl7pPr marL="2743200" indent="0" algn="ctr" defTabSz="914400" rtl="0" eaLnBrk="1" latinLnBrk="0" hangingPunct="1">
+              <a:lnSpc>
+                <a:spcPct val="90000"/>
+              </a:lnSpc>
+              <a:spcBef>
+                <a:spcPts val="500"/>
+              </a:spcBef>
+              <a:buFont typeface="Arial" panose="020B0604020202020204" pitchFamily="34" charset="0"/>
+              <a:buNone/>
+              <a:defRPr kumimoji="1" sz="1600" kern="1200">
+                <a:solidFill>
+                  <a:schemeClr val="tx1"/>
+                </a:solidFill>
+                <a:latin typeface="+mn-lt"/>
+                <a:ea typeface="+mn-ea"/>
+                <a:cs typeface="+mn-cs"/>
+              </a:defRPr>
+            </a:lvl7pPr>
+            <a:lvl8pPr marL="3200400" indent="0" algn="ctr" defTabSz="914400" rtl="0" eaLnBrk="1" latinLnBrk="0" hangingPunct="1">
+              <a:lnSpc>
+                <a:spcPct val="90000"/>
+              </a:lnSpc>
+              <a:spcBef>
+                <a:spcPts val="500"/>
+              </a:spcBef>
+              <a:buFont typeface="Arial" panose="020B0604020202020204" pitchFamily="34" charset="0"/>
+              <a:buNone/>
+              <a:defRPr kumimoji="1" sz="1600" kern="1200">
+                <a:solidFill>
+                  <a:schemeClr val="tx1"/>
+                </a:solidFill>
+                <a:latin typeface="+mn-lt"/>
+                <a:ea typeface="+mn-ea"/>
+                <a:cs typeface="+mn-cs"/>
+              </a:defRPr>
+            </a:lvl8pPr>
+            <a:lvl9pPr marL="3657600" indent="0" algn="ctr" defTabSz="914400" rtl="0" eaLnBrk="1" latinLnBrk="0" hangingPunct="1">
+              <a:lnSpc>
+                <a:spcPct val="90000"/>
+              </a:lnSpc>
+              <a:spcBef>
+                <a:spcPts val="500"/>
+              </a:spcBef>
+              <a:buFont typeface="Arial" panose="020B0604020202020204" pitchFamily="34" charset="0"/>
+              <a:buNone/>
+              <a:defRPr kumimoji="1" sz="1600" kern="1200">
+                <a:solidFill>
+                  <a:schemeClr val="tx1"/>
+                </a:solidFill>
+                <a:latin typeface="+mn-lt"/>
+                <a:ea typeface="+mn-ea"/>
+                <a:cs typeface="+mn-cs"/>
+              </a:defRPr>
+            </a:lvl9pPr>
+          </a:lstStyle>
+          <a:p>
+            <a:r>
+              <a:rPr lang="en-US" altLang="ja-JP" sz="4800" b="1" dirty="0">
+                <a:effectLst/>
+                <a:latin typeface="AR顏眞楷書体H" panose="020B0609010101010101" pitchFamily="49" charset="-128"/>
+                <a:ea typeface="AR顏眞楷書体H" panose="020B0609010101010101" pitchFamily="49" charset="-128"/>
+                <a:cs typeface="Times New Roman" panose="02020603050405020304" pitchFamily="18" charset="0"/>
+              </a:rPr>
+              <a:t>-1.0</a:t>
+            </a:r>
+            <a:endParaRPr lang="ja-JP" altLang="ja-JP" sz="4800" b="1" kern="100" dirty="0">
+              <a:latin typeface="AR顏眞楷書体H" panose="020B0609010101010101" pitchFamily="49" charset="-128"/>
+              <a:ea typeface="AR顏眞楷書体H" panose="020B0609010101010101" pitchFamily="49" charset="-128"/>
+              <a:cs typeface="Times New Roman" panose="02020603050405020304" pitchFamily="18" charset="0"/>
+            </a:endParaRPr>
+          </a:p>
+        </p:txBody>
+      </p:sp>
+      <p:sp>
+        <p:nvSpPr>
+          <p:cNvPr id="12" name="字幕 2">
+            <a:extLst>
+              <a:ext uri="{FF2B5EF4-FFF2-40B4-BE49-F238E27FC236}">
+                <a16:creationId xmlns:a16="http://schemas.microsoft.com/office/drawing/2014/main" id="{F28D35E2-BE1A-B61D-8B01-4CDFBF4845C0}"/>
+              </a:ext>
+            </a:extLst>
+          </p:cNvPr>
+          <p:cNvSpPr txBox="1">
+            <a:spLocks/>
+          </p:cNvSpPr>
+          <p:nvPr/>
+        </p:nvSpPr>
+        <p:spPr>
+          <a:xfrm>
+            <a:off x="7387947" y="3246880"/>
+            <a:ext cx="3746090" cy="678328"/>
+          </a:xfrm>
+          <a:prstGeom prst="rect">
+            <a:avLst/>
+          </a:prstGeom>
+        </p:spPr>
+        <p:txBody>
+          <a:bodyPr vert="horz" lIns="91440" tIns="45720" rIns="91440" bIns="45720" rtlCol="0">
+            <a:normAutofit lnSpcReduction="10000"/>
+          </a:bodyPr>
+          <a:lstStyle>
+            <a:lvl1pPr marL="0" indent="0" algn="ctr" defTabSz="914400" rtl="0" eaLnBrk="1" latinLnBrk="0" hangingPunct="1">
+              <a:lnSpc>
+                <a:spcPct val="90000"/>
+              </a:lnSpc>
+              <a:spcBef>
+                <a:spcPts val="1000"/>
+              </a:spcBef>
+              <a:buFont typeface="Arial" panose="020B0604020202020204" pitchFamily="34" charset="0"/>
+              <a:buNone/>
+              <a:defRPr kumimoji="1" sz="2400" kern="1200">
+                <a:solidFill>
+                  <a:schemeClr val="tx1"/>
+                </a:solidFill>
+                <a:latin typeface="+mn-lt"/>
+                <a:ea typeface="+mn-ea"/>
+                <a:cs typeface="+mn-cs"/>
+              </a:defRPr>
+            </a:lvl1pPr>
+            <a:lvl2pPr marL="457200" indent="0" algn="ctr" defTabSz="914400" rtl="0" eaLnBrk="1" latinLnBrk="0" hangingPunct="1">
+              <a:lnSpc>
+                <a:spcPct val="90000"/>
+              </a:lnSpc>
+              <a:spcBef>
+                <a:spcPts val="500"/>
+              </a:spcBef>
+              <a:buFont typeface="Arial" panose="020B0604020202020204" pitchFamily="34" charset="0"/>
+              <a:buNone/>
+              <a:defRPr kumimoji="1" sz="2000" kern="1200">
+                <a:solidFill>
+                  <a:schemeClr val="tx1"/>
+                </a:solidFill>
+                <a:latin typeface="+mn-lt"/>
+                <a:ea typeface="+mn-ea"/>
+                <a:cs typeface="+mn-cs"/>
+              </a:defRPr>
+            </a:lvl2pPr>
+            <a:lvl3pPr marL="914400" indent="0" algn="ctr" defTabSz="914400" rtl="0" eaLnBrk="1" latinLnBrk="0" hangingPunct="1">
+              <a:lnSpc>
+                <a:spcPct val="90000"/>
+              </a:lnSpc>
+              <a:spcBef>
+                <a:spcPts val="500"/>
+              </a:spcBef>
+              <a:buFont typeface="Arial" panose="020B0604020202020204" pitchFamily="34" charset="0"/>
+              <a:buNone/>
+              <a:defRPr kumimoji="1" sz="1800" kern="1200">
+                <a:solidFill>
+                  <a:schemeClr val="tx1"/>
+                </a:solidFill>
+                <a:latin typeface="+mn-lt"/>
+                <a:ea typeface="+mn-ea"/>
+                <a:cs typeface="+mn-cs"/>
+              </a:defRPr>
+            </a:lvl3pPr>
+            <a:lvl4pPr marL="1371600" indent="0" algn="ctr" defTabSz="914400" rtl="0" eaLnBrk="1" latinLnBrk="0" hangingPunct="1">
+              <a:lnSpc>
+                <a:spcPct val="90000"/>
+              </a:lnSpc>
+              <a:spcBef>
+                <a:spcPts val="500"/>
+              </a:spcBef>
+              <a:buFont typeface="Arial" panose="020B0604020202020204" pitchFamily="34" charset="0"/>
+              <a:buNone/>
+              <a:defRPr kumimoji="1" sz="1600" kern="1200">
+                <a:solidFill>
+                  <a:schemeClr val="tx1"/>
+                </a:solidFill>
+                <a:latin typeface="+mn-lt"/>
+                <a:ea typeface="+mn-ea"/>
+                <a:cs typeface="+mn-cs"/>
+              </a:defRPr>
+            </a:lvl4pPr>
+            <a:lvl5pPr marL="1828800" indent="0" algn="ctr" defTabSz="914400" rtl="0" eaLnBrk="1" latinLnBrk="0" hangingPunct="1">
+              <a:lnSpc>
+                <a:spcPct val="90000"/>
+              </a:lnSpc>
+              <a:spcBef>
+                <a:spcPts val="500"/>
+              </a:spcBef>
+              <a:buFont typeface="Arial" panose="020B0604020202020204" pitchFamily="34" charset="0"/>
+              <a:buNone/>
+              <a:defRPr kumimoji="1" sz="1600" kern="1200">
+                <a:solidFill>
+                  <a:schemeClr val="tx1"/>
+                </a:solidFill>
+                <a:latin typeface="+mn-lt"/>
+                <a:ea typeface="+mn-ea"/>
+                <a:cs typeface="+mn-cs"/>
+              </a:defRPr>
+            </a:lvl5pPr>
+            <a:lvl6pPr marL="2286000" indent="0" algn="ctr" defTabSz="914400" rtl="0" eaLnBrk="1" latinLnBrk="0" hangingPunct="1">
+              <a:lnSpc>
+                <a:spcPct val="90000"/>
+              </a:lnSpc>
+              <a:spcBef>
+                <a:spcPts val="500"/>
+              </a:spcBef>
+              <a:buFont typeface="Arial" panose="020B0604020202020204" pitchFamily="34" charset="0"/>
+              <a:buNone/>
+              <a:defRPr kumimoji="1" sz="1600" kern="1200">
+                <a:solidFill>
+                  <a:schemeClr val="tx1"/>
+                </a:solidFill>
+                <a:latin typeface="+mn-lt"/>
+                <a:ea typeface="+mn-ea"/>
+                <a:cs typeface="+mn-cs"/>
+              </a:defRPr>
+            </a:lvl6pPr>
+            <a:lvl7pPr marL="2743200" indent="0" algn="ctr" defTabSz="914400" rtl="0" eaLnBrk="1" latinLnBrk="0" hangingPunct="1">
+              <a:lnSpc>
+                <a:spcPct val="90000"/>
+              </a:lnSpc>
+              <a:spcBef>
+                <a:spcPts val="500"/>
+              </a:spcBef>
+              <a:buFont typeface="Arial" panose="020B0604020202020204" pitchFamily="34" charset="0"/>
+              <a:buNone/>
+              <a:defRPr kumimoji="1" sz="1600" kern="1200">
+                <a:solidFill>
+                  <a:schemeClr val="tx1"/>
+                </a:solidFill>
+                <a:latin typeface="+mn-lt"/>
+                <a:ea typeface="+mn-ea"/>
+                <a:cs typeface="+mn-cs"/>
+              </a:defRPr>
+            </a:lvl7pPr>
+            <a:lvl8pPr marL="3200400" indent="0" algn="ctr" defTabSz="914400" rtl="0" eaLnBrk="1" latinLnBrk="0" hangingPunct="1">
+              <a:lnSpc>
+                <a:spcPct val="90000"/>
+              </a:lnSpc>
+              <a:spcBef>
+                <a:spcPts val="500"/>
+              </a:spcBef>
+              <a:buFont typeface="Arial" panose="020B0604020202020204" pitchFamily="34" charset="0"/>
+              <a:buNone/>
+              <a:defRPr kumimoji="1" sz="1600" kern="1200">
+                <a:solidFill>
+                  <a:schemeClr val="tx1"/>
+                </a:solidFill>
+                <a:latin typeface="+mn-lt"/>
+                <a:ea typeface="+mn-ea"/>
+                <a:cs typeface="+mn-cs"/>
+              </a:defRPr>
+            </a:lvl8pPr>
+            <a:lvl9pPr marL="3657600" indent="0" algn="ctr" defTabSz="914400" rtl="0" eaLnBrk="1" latinLnBrk="0" hangingPunct="1">
+              <a:lnSpc>
+                <a:spcPct val="90000"/>
+              </a:lnSpc>
+              <a:spcBef>
+                <a:spcPts val="500"/>
+              </a:spcBef>
+              <a:buFont typeface="Arial" panose="020B0604020202020204" pitchFamily="34" charset="0"/>
+              <a:buNone/>
+              <a:defRPr kumimoji="1" sz="1600" kern="1200">
+                <a:solidFill>
+                  <a:schemeClr val="tx1"/>
+                </a:solidFill>
+                <a:latin typeface="+mn-lt"/>
+                <a:ea typeface="+mn-ea"/>
+                <a:cs typeface="+mn-cs"/>
+              </a:defRPr>
+            </a:lvl9pPr>
+          </a:lstStyle>
+          <a:p>
+            <a:r>
+              <a:rPr lang="ja-JP" altLang="ja-JP" sz="1800" b="1" dirty="0">
+                <a:solidFill>
+                  <a:srgbClr val="996633"/>
+                </a:solidFill>
+                <a:effectLst/>
+                <a:latin typeface="+mj-lt"/>
+                <a:ea typeface="AR顏眞楷書体H" panose="020B0609010101010101" pitchFamily="49" charset="-128"/>
+                <a:cs typeface="Times New Roman" panose="02020603050405020304" pitchFamily="18" charset="0"/>
+              </a:rPr>
+              <a:t>次世代の</a:t>
+            </a:r>
+            <a:endParaRPr lang="en-US" altLang="ja-JP" sz="1800" b="1" dirty="0">
+              <a:solidFill>
+                <a:srgbClr val="996633"/>
+              </a:solidFill>
+              <a:effectLst/>
+              <a:latin typeface="+mj-lt"/>
+              <a:ea typeface="AR顏眞楷書体H" panose="020B0609010101010101" pitchFamily="49" charset="-128"/>
+              <a:cs typeface="Times New Roman" panose="02020603050405020304" pitchFamily="18" charset="0"/>
+            </a:endParaRPr>
+          </a:p>
+          <a:p>
+            <a:r>
+              <a:rPr lang="ja-JP" altLang="ja-JP" sz="1800" b="1" dirty="0">
+                <a:solidFill>
+                  <a:srgbClr val="996633"/>
+                </a:solidFill>
+                <a:effectLst/>
+                <a:latin typeface="+mj-lt"/>
+                <a:ea typeface="AR顏眞楷書体H" panose="020B0609010101010101" pitchFamily="49" charset="-128"/>
+                <a:cs typeface="Times New Roman" panose="02020603050405020304" pitchFamily="18" charset="0"/>
+              </a:rPr>
+              <a:t>デジタル公共インフラを考える</a:t>
+            </a:r>
+            <a:endParaRPr lang="ja-JP" altLang="ja-JP" sz="1800" kern="100" dirty="0">
+              <a:solidFill>
+                <a:srgbClr val="996633"/>
+              </a:solidFill>
+              <a:latin typeface="+mj-lt"/>
+              <a:ea typeface="AR顏眞楷書体H" panose="020B0609010101010101" pitchFamily="49" charset="-128"/>
+              <a:cs typeface="Times New Roman" panose="02020603050405020304" pitchFamily="18" charset="0"/>
+            </a:endParaRPr>
+          </a:p>
+        </p:txBody>
+      </p:sp>
+      <p:sp>
+        <p:nvSpPr>
+          <p:cNvPr id="13" name="字幕 2">
+            <a:extLst>
+              <a:ext uri="{FF2B5EF4-FFF2-40B4-BE49-F238E27FC236}">
+                <a16:creationId xmlns:a16="http://schemas.microsoft.com/office/drawing/2014/main" id="{EC3BF6D7-7202-4AEA-0297-AE993DD13A1B}"/>
+              </a:ext>
+            </a:extLst>
+          </p:cNvPr>
+          <p:cNvSpPr txBox="1">
+            <a:spLocks/>
+          </p:cNvSpPr>
+          <p:nvPr/>
+        </p:nvSpPr>
+        <p:spPr>
+          <a:xfrm>
+            <a:off x="7387947" y="3908780"/>
+            <a:ext cx="3746090" cy="678328"/>
+          </a:xfrm>
+          <a:prstGeom prst="rect">
+            <a:avLst/>
+          </a:prstGeom>
+        </p:spPr>
+        <p:txBody>
+          <a:bodyPr vert="horz" lIns="91440" tIns="45720" rIns="91440" bIns="45720" rtlCol="0">
+            <a:normAutofit/>
+          </a:bodyPr>
+          <a:lstStyle>
+            <a:lvl1pPr marL="0" indent="0" algn="ctr" defTabSz="914400" rtl="0" eaLnBrk="1" latinLnBrk="0" hangingPunct="1">
+              <a:lnSpc>
+                <a:spcPct val="90000"/>
+              </a:lnSpc>
+              <a:spcBef>
+                <a:spcPts val="1000"/>
+              </a:spcBef>
+              <a:buFont typeface="Arial" panose="020B0604020202020204" pitchFamily="34" charset="0"/>
+              <a:buNone/>
+              <a:defRPr kumimoji="1" sz="2400" kern="1200">
+                <a:solidFill>
+                  <a:schemeClr val="tx1"/>
+                </a:solidFill>
+                <a:latin typeface="+mn-lt"/>
+                <a:ea typeface="+mn-ea"/>
+                <a:cs typeface="+mn-cs"/>
+              </a:defRPr>
+            </a:lvl1pPr>
+            <a:lvl2pPr marL="457200" indent="0" algn="ctr" defTabSz="914400" rtl="0" eaLnBrk="1" latinLnBrk="0" hangingPunct="1">
+              <a:lnSpc>
+                <a:spcPct val="90000"/>
+              </a:lnSpc>
+              <a:spcBef>
+                <a:spcPts val="500"/>
+              </a:spcBef>
+              <a:buFont typeface="Arial" panose="020B0604020202020204" pitchFamily="34" charset="0"/>
+              <a:buNone/>
+              <a:defRPr kumimoji="1" sz="2000" kern="1200">
+                <a:solidFill>
+                  <a:schemeClr val="tx1"/>
+                </a:solidFill>
+                <a:latin typeface="+mn-lt"/>
+                <a:ea typeface="+mn-ea"/>
+                <a:cs typeface="+mn-cs"/>
+              </a:defRPr>
+            </a:lvl2pPr>
+            <a:lvl3pPr marL="914400" indent="0" algn="ctr" defTabSz="914400" rtl="0" eaLnBrk="1" latinLnBrk="0" hangingPunct="1">
+              <a:lnSpc>
+                <a:spcPct val="90000"/>
+              </a:lnSpc>
+              <a:spcBef>
+                <a:spcPts val="500"/>
+              </a:spcBef>
+              <a:buFont typeface="Arial" panose="020B0604020202020204" pitchFamily="34" charset="0"/>
+              <a:buNone/>
+              <a:defRPr kumimoji="1" sz="1800" kern="1200">
+                <a:solidFill>
+                  <a:schemeClr val="tx1"/>
+                </a:solidFill>
+                <a:latin typeface="+mn-lt"/>
+                <a:ea typeface="+mn-ea"/>
+                <a:cs typeface="+mn-cs"/>
+              </a:defRPr>
+            </a:lvl3pPr>
+            <a:lvl4pPr marL="1371600" indent="0" algn="ctr" defTabSz="914400" rtl="0" eaLnBrk="1" latinLnBrk="0" hangingPunct="1">
+              <a:lnSpc>
+                <a:spcPct val="90000"/>
+              </a:lnSpc>
+              <a:spcBef>
+                <a:spcPts val="500"/>
+              </a:spcBef>
+              <a:buFont typeface="Arial" panose="020B0604020202020204" pitchFamily="34" charset="0"/>
+              <a:buNone/>
+              <a:defRPr kumimoji="1" sz="1600" kern="1200">
+                <a:solidFill>
+                  <a:schemeClr val="tx1"/>
+                </a:solidFill>
+                <a:latin typeface="+mn-lt"/>
+                <a:ea typeface="+mn-ea"/>
+                <a:cs typeface="+mn-cs"/>
+              </a:defRPr>
+            </a:lvl4pPr>
+            <a:lvl5pPr marL="1828800" indent="0" algn="ctr" defTabSz="914400" rtl="0" eaLnBrk="1" latinLnBrk="0" hangingPunct="1">
+              <a:lnSpc>
+                <a:spcPct val="90000"/>
+              </a:lnSpc>
+              <a:spcBef>
+                <a:spcPts val="500"/>
+              </a:spcBef>
+              <a:buFont typeface="Arial" panose="020B0604020202020204" pitchFamily="34" charset="0"/>
+              <a:buNone/>
+              <a:defRPr kumimoji="1" sz="1600" kern="1200">
+                <a:solidFill>
+                  <a:schemeClr val="tx1"/>
+                </a:solidFill>
+                <a:latin typeface="+mn-lt"/>
+                <a:ea typeface="+mn-ea"/>
+                <a:cs typeface="+mn-cs"/>
+              </a:defRPr>
+            </a:lvl5pPr>
+            <a:lvl6pPr marL="2286000" indent="0" algn="ctr" defTabSz="914400" rtl="0" eaLnBrk="1" latinLnBrk="0" hangingPunct="1">
+              <a:lnSpc>
+                <a:spcPct val="90000"/>
+              </a:lnSpc>
+              <a:spcBef>
+                <a:spcPts val="500"/>
+              </a:spcBef>
+              <a:buFont typeface="Arial" panose="020B0604020202020204" pitchFamily="34" charset="0"/>
+              <a:buNone/>
+              <a:defRPr kumimoji="1" sz="1600" kern="1200">
+                <a:solidFill>
+                  <a:schemeClr val="tx1"/>
+                </a:solidFill>
+                <a:latin typeface="+mn-lt"/>
+                <a:ea typeface="+mn-ea"/>
+                <a:cs typeface="+mn-cs"/>
+              </a:defRPr>
+            </a:lvl6pPr>
+            <a:lvl7pPr marL="2743200" indent="0" algn="ctr" defTabSz="914400" rtl="0" eaLnBrk="1" latinLnBrk="0" hangingPunct="1">
+              <a:lnSpc>
+                <a:spcPct val="90000"/>
+              </a:lnSpc>
+              <a:spcBef>
+                <a:spcPts val="500"/>
+              </a:spcBef>
+              <a:buFont typeface="Arial" panose="020B0604020202020204" pitchFamily="34" charset="0"/>
+              <a:buNone/>
+              <a:defRPr kumimoji="1" sz="1600" kern="1200">
+                <a:solidFill>
+                  <a:schemeClr val="tx1"/>
+                </a:solidFill>
+                <a:latin typeface="+mn-lt"/>
+                <a:ea typeface="+mn-ea"/>
+                <a:cs typeface="+mn-cs"/>
+              </a:defRPr>
+            </a:lvl7pPr>
+            <a:lvl8pPr marL="3200400" indent="0" algn="ctr" defTabSz="914400" rtl="0" eaLnBrk="1" latinLnBrk="0" hangingPunct="1">
+              <a:lnSpc>
+                <a:spcPct val="90000"/>
+              </a:lnSpc>
+              <a:spcBef>
+                <a:spcPts val="500"/>
+              </a:spcBef>
+              <a:buFont typeface="Arial" panose="020B0604020202020204" pitchFamily="34" charset="0"/>
+              <a:buNone/>
+              <a:defRPr kumimoji="1" sz="1600" kern="1200">
+                <a:solidFill>
+                  <a:schemeClr val="tx1"/>
+                </a:solidFill>
+                <a:latin typeface="+mn-lt"/>
+                <a:ea typeface="+mn-ea"/>
+                <a:cs typeface="+mn-cs"/>
+              </a:defRPr>
+            </a:lvl8pPr>
+            <a:lvl9pPr marL="3657600" indent="0" algn="ctr" defTabSz="914400" rtl="0" eaLnBrk="1" latinLnBrk="0" hangingPunct="1">
+              <a:lnSpc>
+                <a:spcPct val="90000"/>
+              </a:lnSpc>
+              <a:spcBef>
+                <a:spcPts val="500"/>
+              </a:spcBef>
+              <a:buFont typeface="Arial" panose="020B0604020202020204" pitchFamily="34" charset="0"/>
+              <a:buNone/>
+              <a:defRPr kumimoji="1" sz="1600" kern="1200">
+                <a:solidFill>
+                  <a:schemeClr val="tx1"/>
+                </a:solidFill>
+                <a:latin typeface="+mn-lt"/>
+                <a:ea typeface="+mn-ea"/>
+                <a:cs typeface="+mn-cs"/>
+              </a:defRPr>
+            </a:lvl9pPr>
+          </a:lstStyle>
+          <a:p>
+            <a:r>
+              <a:rPr lang="ja-JP" altLang="ja-JP" sz="1800" b="1" dirty="0">
+                <a:solidFill>
+                  <a:srgbClr val="996633"/>
+                </a:solidFill>
+                <a:effectLst/>
+                <a:latin typeface="+mj-lt"/>
+                <a:ea typeface="AR顏眞楷書体H" panose="020B0609010101010101" pitchFamily="49" charset="-128"/>
+                <a:cs typeface="Times New Roman" panose="02020603050405020304" pitchFamily="18" charset="0"/>
+              </a:rPr>
+              <a:t>～インディアスタックの衝撃～</a:t>
+            </a:r>
+            <a:endParaRPr lang="ja-JP" altLang="ja-JP" sz="1800" kern="100" dirty="0">
+              <a:solidFill>
+                <a:srgbClr val="996633"/>
+              </a:solidFill>
+              <a:latin typeface="+mj-lt"/>
+              <a:ea typeface="AR顏眞楷書体H" panose="020B0609010101010101" pitchFamily="49" charset="-128"/>
+              <a:cs typeface="Times New Roman" panose="02020603050405020304" pitchFamily="18" charset="0"/>
+            </a:endParaRPr>
+          </a:p>
+        </p:txBody>
+      </p:sp>
+      <p:sp>
+        <p:nvSpPr>
+          <p:cNvPr id="14" name="字幕 2">
+            <a:extLst>
+              <a:ext uri="{FF2B5EF4-FFF2-40B4-BE49-F238E27FC236}">
+                <a16:creationId xmlns:a16="http://schemas.microsoft.com/office/drawing/2014/main" id="{549ED2FD-14C0-956F-723F-6192C1F0F631}"/>
+              </a:ext>
+            </a:extLst>
+          </p:cNvPr>
+          <p:cNvSpPr txBox="1">
+            <a:spLocks/>
+          </p:cNvSpPr>
+          <p:nvPr/>
+        </p:nvSpPr>
+        <p:spPr>
+          <a:xfrm>
+            <a:off x="7387947" y="4570680"/>
+            <a:ext cx="3746090" cy="678328"/>
+          </a:xfrm>
+          <a:prstGeom prst="rect">
+            <a:avLst/>
+          </a:prstGeom>
+        </p:spPr>
+        <p:txBody>
+          <a:bodyPr vert="horz" lIns="91440" tIns="45720" rIns="91440" bIns="45720" rtlCol="0">
+            <a:noAutofit/>
+          </a:bodyPr>
+          <a:lstStyle>
+            <a:lvl1pPr marL="0" indent="0" algn="ctr" defTabSz="914400" rtl="0" eaLnBrk="1" latinLnBrk="0" hangingPunct="1">
+              <a:lnSpc>
+                <a:spcPct val="90000"/>
+              </a:lnSpc>
+              <a:spcBef>
+                <a:spcPts val="1000"/>
+              </a:spcBef>
+              <a:buFont typeface="Arial" panose="020B0604020202020204" pitchFamily="34" charset="0"/>
+              <a:buNone/>
+              <a:defRPr kumimoji="1" sz="2400" kern="1200">
+                <a:solidFill>
+                  <a:schemeClr val="tx1"/>
+                </a:solidFill>
+                <a:latin typeface="+mn-lt"/>
+                <a:ea typeface="+mn-ea"/>
+                <a:cs typeface="+mn-cs"/>
+              </a:defRPr>
+            </a:lvl1pPr>
+            <a:lvl2pPr marL="457200" indent="0" algn="ctr" defTabSz="914400" rtl="0" eaLnBrk="1" latinLnBrk="0" hangingPunct="1">
+              <a:lnSpc>
+                <a:spcPct val="90000"/>
+              </a:lnSpc>
+              <a:spcBef>
+                <a:spcPts val="500"/>
+              </a:spcBef>
+              <a:buFont typeface="Arial" panose="020B0604020202020204" pitchFamily="34" charset="0"/>
+              <a:buNone/>
+              <a:defRPr kumimoji="1" sz="2000" kern="1200">
+                <a:solidFill>
+                  <a:schemeClr val="tx1"/>
+                </a:solidFill>
+                <a:latin typeface="+mn-lt"/>
+                <a:ea typeface="+mn-ea"/>
+                <a:cs typeface="+mn-cs"/>
+              </a:defRPr>
+            </a:lvl2pPr>
+            <a:lvl3pPr marL="914400" indent="0" algn="ctr" defTabSz="914400" rtl="0" eaLnBrk="1" latinLnBrk="0" hangingPunct="1">
+              <a:lnSpc>
+                <a:spcPct val="90000"/>
+              </a:lnSpc>
+              <a:spcBef>
+                <a:spcPts val="500"/>
+              </a:spcBef>
+              <a:buFont typeface="Arial" panose="020B0604020202020204" pitchFamily="34" charset="0"/>
+              <a:buNone/>
+              <a:defRPr kumimoji="1" sz="1800" kern="1200">
+                <a:solidFill>
+                  <a:schemeClr val="tx1"/>
+                </a:solidFill>
+                <a:latin typeface="+mn-lt"/>
+                <a:ea typeface="+mn-ea"/>
+                <a:cs typeface="+mn-cs"/>
+              </a:defRPr>
+            </a:lvl3pPr>
+            <a:lvl4pPr marL="1371600" indent="0" algn="ctr" defTabSz="914400" rtl="0" eaLnBrk="1" latinLnBrk="0" hangingPunct="1">
+              <a:lnSpc>
+                <a:spcPct val="90000"/>
+              </a:lnSpc>
+              <a:spcBef>
+                <a:spcPts val="500"/>
+              </a:spcBef>
+              <a:buFont typeface="Arial" panose="020B0604020202020204" pitchFamily="34" charset="0"/>
+              <a:buNone/>
+              <a:defRPr kumimoji="1" sz="1600" kern="1200">
+                <a:solidFill>
+                  <a:schemeClr val="tx1"/>
+                </a:solidFill>
+                <a:latin typeface="+mn-lt"/>
+                <a:ea typeface="+mn-ea"/>
+                <a:cs typeface="+mn-cs"/>
+              </a:defRPr>
+            </a:lvl4pPr>
+            <a:lvl5pPr marL="1828800" indent="0" algn="ctr" defTabSz="914400" rtl="0" eaLnBrk="1" latinLnBrk="0" hangingPunct="1">
+              <a:lnSpc>
+                <a:spcPct val="90000"/>
+              </a:lnSpc>
+              <a:spcBef>
+                <a:spcPts val="500"/>
+              </a:spcBef>
+              <a:buFont typeface="Arial" panose="020B0604020202020204" pitchFamily="34" charset="0"/>
+              <a:buNone/>
+              <a:defRPr kumimoji="1" sz="1600" kern="1200">
+                <a:solidFill>
+                  <a:schemeClr val="tx1"/>
+                </a:solidFill>
+                <a:latin typeface="+mn-lt"/>
+                <a:ea typeface="+mn-ea"/>
+                <a:cs typeface="+mn-cs"/>
+              </a:defRPr>
+            </a:lvl5pPr>
+            <a:lvl6pPr marL="2286000" indent="0" algn="ctr" defTabSz="914400" rtl="0" eaLnBrk="1" latinLnBrk="0" hangingPunct="1">
+              <a:lnSpc>
+                <a:spcPct val="90000"/>
+              </a:lnSpc>
+              <a:spcBef>
+                <a:spcPts val="500"/>
+              </a:spcBef>
+              <a:buFont typeface="Arial" panose="020B0604020202020204" pitchFamily="34" charset="0"/>
+              <a:buNone/>
+              <a:defRPr kumimoji="1" sz="1600" kern="1200">
+                <a:solidFill>
+                  <a:schemeClr val="tx1"/>
+                </a:solidFill>
+                <a:latin typeface="+mn-lt"/>
+                <a:ea typeface="+mn-ea"/>
+                <a:cs typeface="+mn-cs"/>
+              </a:defRPr>
+            </a:lvl6pPr>
+            <a:lvl7pPr marL="2743200" indent="0" algn="ctr" defTabSz="914400" rtl="0" eaLnBrk="1" latinLnBrk="0" hangingPunct="1">
+              <a:lnSpc>
+                <a:spcPct val="90000"/>
+              </a:lnSpc>
+              <a:spcBef>
+                <a:spcPts val="500"/>
+              </a:spcBef>
+              <a:buFont typeface="Arial" panose="020B0604020202020204" pitchFamily="34" charset="0"/>
+              <a:buNone/>
+              <a:defRPr kumimoji="1" sz="1600" kern="1200">
+                <a:solidFill>
+                  <a:schemeClr val="tx1"/>
+                </a:solidFill>
+                <a:latin typeface="+mn-lt"/>
+                <a:ea typeface="+mn-ea"/>
+                <a:cs typeface="+mn-cs"/>
+              </a:defRPr>
+            </a:lvl7pPr>
+            <a:lvl8pPr marL="3200400" indent="0" algn="ctr" defTabSz="914400" rtl="0" eaLnBrk="1" latinLnBrk="0" hangingPunct="1">
+              <a:lnSpc>
+                <a:spcPct val="90000"/>
+              </a:lnSpc>
+              <a:spcBef>
+                <a:spcPts val="500"/>
+              </a:spcBef>
+              <a:buFont typeface="Arial" panose="020B0604020202020204" pitchFamily="34" charset="0"/>
+              <a:buNone/>
+              <a:defRPr kumimoji="1" sz="1600" kern="1200">
+                <a:solidFill>
+                  <a:schemeClr val="tx1"/>
+                </a:solidFill>
+                <a:latin typeface="+mn-lt"/>
+                <a:ea typeface="+mn-ea"/>
+                <a:cs typeface="+mn-cs"/>
+              </a:defRPr>
+            </a:lvl8pPr>
+            <a:lvl9pPr marL="3657600" indent="0" algn="ctr" defTabSz="914400" rtl="0" eaLnBrk="1" latinLnBrk="0" hangingPunct="1">
+              <a:lnSpc>
+                <a:spcPct val="90000"/>
+              </a:lnSpc>
+              <a:spcBef>
+                <a:spcPts val="500"/>
+              </a:spcBef>
+              <a:buFont typeface="Arial" panose="020B0604020202020204" pitchFamily="34" charset="0"/>
+              <a:buNone/>
+              <a:defRPr kumimoji="1" sz="1600" kern="1200">
+                <a:solidFill>
+                  <a:schemeClr val="tx1"/>
+                </a:solidFill>
+                <a:latin typeface="+mn-lt"/>
+                <a:ea typeface="+mn-ea"/>
+                <a:cs typeface="+mn-cs"/>
+              </a:defRPr>
+            </a:lvl9pPr>
+          </a:lstStyle>
+          <a:p>
+            <a:r>
+              <a:rPr lang="ja-JP" altLang="ja-JP" sz="5400" b="1" dirty="0">
+                <a:effectLst/>
+                <a:latin typeface="+mj-lt"/>
+                <a:ea typeface="AR顏眞楷書体H" panose="020B0609010101010101" pitchFamily="49" charset="-128"/>
+                <a:cs typeface="Times New Roman" panose="02020603050405020304" pitchFamily="18" charset="0"/>
+              </a:rPr>
+              <a:t>元谷 崇</a:t>
+            </a:r>
+            <a:endParaRPr lang="ja-JP" altLang="ja-JP" sz="5400" kern="100" dirty="0">
+              <a:latin typeface="+mj-lt"/>
+              <a:ea typeface="AR顏眞楷書体H" panose="020B0609010101010101" pitchFamily="49" charset="-128"/>
+              <a:cs typeface="Times New Roman" panose="02020603050405020304" pitchFamily="18" charset="0"/>
+            </a:endParaRPr>
+          </a:p>
+        </p:txBody>
+      </p:sp>
+      <p:sp>
+        <p:nvSpPr>
+          <p:cNvPr id="2" name="字幕 2">
+            <a:extLst>
+              <a:ext uri="{FF2B5EF4-FFF2-40B4-BE49-F238E27FC236}">
+                <a16:creationId xmlns:a16="http://schemas.microsoft.com/office/drawing/2014/main" id="{43F134D8-67FF-2FFF-B3F7-A9F57923F012}"/>
+              </a:ext>
+            </a:extLst>
+          </p:cNvPr>
+          <p:cNvSpPr txBox="1">
+            <a:spLocks/>
+          </p:cNvSpPr>
+          <p:nvPr/>
+        </p:nvSpPr>
+        <p:spPr>
+          <a:xfrm>
+            <a:off x="6180879" y="571856"/>
+            <a:ext cx="332211" cy="4767625"/>
+          </a:xfrm>
+          <a:prstGeom prst="rect">
+            <a:avLst/>
+          </a:prstGeom>
+        </p:spPr>
+        <p:txBody>
+          <a:bodyPr vert="eaVert" lIns="91440" tIns="45720" rIns="91440" bIns="45720" rtlCol="0">
+            <a:noAutofit/>
+          </a:bodyPr>
+          <a:lstStyle>
+            <a:lvl1pPr marL="0" indent="0" algn="ctr" defTabSz="914400" rtl="0" eaLnBrk="1" latinLnBrk="0" hangingPunct="1">
+              <a:lnSpc>
+                <a:spcPct val="90000"/>
+              </a:lnSpc>
+              <a:spcBef>
+                <a:spcPts val="1000"/>
+              </a:spcBef>
+              <a:buFont typeface="Arial" panose="020B0604020202020204" pitchFamily="34" charset="0"/>
+              <a:buNone/>
+              <a:defRPr kumimoji="1" sz="2400" kern="1200">
+                <a:solidFill>
+                  <a:schemeClr val="tx1"/>
+                </a:solidFill>
+                <a:latin typeface="+mn-lt"/>
+                <a:ea typeface="+mn-ea"/>
+                <a:cs typeface="+mn-cs"/>
+              </a:defRPr>
+            </a:lvl1pPr>
+            <a:lvl2pPr marL="457200" indent="0" algn="ctr" defTabSz="914400" rtl="0" eaLnBrk="1" latinLnBrk="0" hangingPunct="1">
+              <a:lnSpc>
+                <a:spcPct val="90000"/>
+              </a:lnSpc>
+              <a:spcBef>
+                <a:spcPts val="500"/>
+              </a:spcBef>
+              <a:buFont typeface="Arial" panose="020B0604020202020204" pitchFamily="34" charset="0"/>
+              <a:buNone/>
+              <a:defRPr kumimoji="1" sz="2000" kern="1200">
+                <a:solidFill>
+                  <a:schemeClr val="tx1"/>
+                </a:solidFill>
+                <a:latin typeface="+mn-lt"/>
+                <a:ea typeface="+mn-ea"/>
+                <a:cs typeface="+mn-cs"/>
+              </a:defRPr>
+            </a:lvl2pPr>
+            <a:lvl3pPr marL="914400" indent="0" algn="ctr" defTabSz="914400" rtl="0" eaLnBrk="1" latinLnBrk="0" hangingPunct="1">
+              <a:lnSpc>
+                <a:spcPct val="90000"/>
+              </a:lnSpc>
+              <a:spcBef>
+                <a:spcPts val="500"/>
+              </a:spcBef>
+              <a:buFont typeface="Arial" panose="020B0604020202020204" pitchFamily="34" charset="0"/>
+              <a:buNone/>
+              <a:defRPr kumimoji="1" sz="1800" kern="1200">
+                <a:solidFill>
+                  <a:schemeClr val="tx1"/>
+                </a:solidFill>
+                <a:latin typeface="+mn-lt"/>
+                <a:ea typeface="+mn-ea"/>
+                <a:cs typeface="+mn-cs"/>
+              </a:defRPr>
+            </a:lvl3pPr>
+            <a:lvl4pPr marL="1371600" indent="0" algn="ctr" defTabSz="914400" rtl="0" eaLnBrk="1" latinLnBrk="0" hangingPunct="1">
+              <a:lnSpc>
+                <a:spcPct val="90000"/>
+              </a:lnSpc>
+              <a:spcBef>
+                <a:spcPts val="500"/>
+              </a:spcBef>
+              <a:buFont typeface="Arial" panose="020B0604020202020204" pitchFamily="34" charset="0"/>
+              <a:buNone/>
+              <a:defRPr kumimoji="1" sz="1600" kern="1200">
+                <a:solidFill>
+                  <a:schemeClr val="tx1"/>
+                </a:solidFill>
+                <a:latin typeface="+mn-lt"/>
+                <a:ea typeface="+mn-ea"/>
+                <a:cs typeface="+mn-cs"/>
+              </a:defRPr>
+            </a:lvl4pPr>
+            <a:lvl5pPr marL="1828800" indent="0" algn="ctr" defTabSz="914400" rtl="0" eaLnBrk="1" latinLnBrk="0" hangingPunct="1">
+              <a:lnSpc>
+                <a:spcPct val="90000"/>
+              </a:lnSpc>
+              <a:spcBef>
+                <a:spcPts val="500"/>
+              </a:spcBef>
+              <a:buFont typeface="Arial" panose="020B0604020202020204" pitchFamily="34" charset="0"/>
+              <a:buNone/>
+              <a:defRPr kumimoji="1" sz="1600" kern="1200">
+                <a:solidFill>
+                  <a:schemeClr val="tx1"/>
+                </a:solidFill>
+                <a:latin typeface="+mn-lt"/>
+                <a:ea typeface="+mn-ea"/>
+                <a:cs typeface="+mn-cs"/>
+              </a:defRPr>
+            </a:lvl5pPr>
+            <a:lvl6pPr marL="2286000" indent="0" algn="ctr" defTabSz="914400" rtl="0" eaLnBrk="1" latinLnBrk="0" hangingPunct="1">
+              <a:lnSpc>
+                <a:spcPct val="90000"/>
+              </a:lnSpc>
+              <a:spcBef>
+                <a:spcPts val="500"/>
+              </a:spcBef>
+              <a:buFont typeface="Arial" panose="020B0604020202020204" pitchFamily="34" charset="0"/>
+              <a:buNone/>
+              <a:defRPr kumimoji="1" sz="1600" kern="1200">
+                <a:solidFill>
+                  <a:schemeClr val="tx1"/>
+                </a:solidFill>
+                <a:latin typeface="+mn-lt"/>
+                <a:ea typeface="+mn-ea"/>
+                <a:cs typeface="+mn-cs"/>
+              </a:defRPr>
+            </a:lvl6pPr>
+            <a:lvl7pPr marL="2743200" indent="0" algn="ctr" defTabSz="914400" rtl="0" eaLnBrk="1" latinLnBrk="0" hangingPunct="1">
+              <a:lnSpc>
+                <a:spcPct val="90000"/>
+              </a:lnSpc>
+              <a:spcBef>
+                <a:spcPts val="500"/>
+              </a:spcBef>
+              <a:buFont typeface="Arial" panose="020B0604020202020204" pitchFamily="34" charset="0"/>
+              <a:buNone/>
+              <a:defRPr kumimoji="1" sz="1600" kern="1200">
+                <a:solidFill>
+                  <a:schemeClr val="tx1"/>
+                </a:solidFill>
+                <a:latin typeface="+mn-lt"/>
+                <a:ea typeface="+mn-ea"/>
+                <a:cs typeface="+mn-cs"/>
+              </a:defRPr>
+            </a:lvl7pPr>
+            <a:lvl8pPr marL="3200400" indent="0" algn="ctr" defTabSz="914400" rtl="0" eaLnBrk="1" latinLnBrk="0" hangingPunct="1">
+              <a:lnSpc>
+                <a:spcPct val="90000"/>
+              </a:lnSpc>
+              <a:spcBef>
+                <a:spcPts val="500"/>
+              </a:spcBef>
+              <a:buFont typeface="Arial" panose="020B0604020202020204" pitchFamily="34" charset="0"/>
+              <a:buNone/>
+              <a:defRPr kumimoji="1" sz="1600" kern="1200">
+                <a:solidFill>
+                  <a:schemeClr val="tx1"/>
+                </a:solidFill>
+                <a:latin typeface="+mn-lt"/>
+                <a:ea typeface="+mn-ea"/>
+                <a:cs typeface="+mn-cs"/>
+              </a:defRPr>
+            </a:lvl8pPr>
+            <a:lvl9pPr marL="3657600" indent="0" algn="ctr" defTabSz="914400" rtl="0" eaLnBrk="1" latinLnBrk="0" hangingPunct="1">
+              <a:lnSpc>
+                <a:spcPct val="90000"/>
+              </a:lnSpc>
+              <a:spcBef>
+                <a:spcPts val="500"/>
+              </a:spcBef>
+              <a:buFont typeface="Arial" panose="020B0604020202020204" pitchFamily="34" charset="0"/>
+              <a:buNone/>
+              <a:defRPr kumimoji="1" sz="1600" kern="1200">
+                <a:solidFill>
+                  <a:schemeClr val="tx1"/>
+                </a:solidFill>
+                <a:latin typeface="+mn-lt"/>
+                <a:ea typeface="+mn-ea"/>
+                <a:cs typeface="+mn-cs"/>
+              </a:defRPr>
+            </a:lvl9pPr>
+          </a:lstStyle>
+          <a:p>
+            <a:r>
+              <a:rPr lang="ja-JP" altLang="ja-JP" sz="900" b="1" kern="100" dirty="0">
+                <a:solidFill>
+                  <a:schemeClr val="bg1"/>
+                </a:solidFill>
+                <a:latin typeface="AR P丸ゴシック体M" panose="020B0600010101010101" pitchFamily="50" charset="-128"/>
+                <a:ea typeface="AR P丸ゴシック体M" panose="020B0600010101010101" pitchFamily="50" charset="-128"/>
+                <a:cs typeface="Times New Roman" panose="02020603050405020304" pitchFamily="18" charset="0"/>
+              </a:rPr>
+              <a:t>つ</a:t>
+            </a:r>
+            <a:r>
+              <a:rPr lang="ja-JP" altLang="en-US" sz="900" b="1" kern="100" dirty="0">
+                <a:solidFill>
+                  <a:schemeClr val="bg1"/>
+                </a:solidFill>
+                <a:latin typeface="AR P丸ゴシック体M" panose="020B0600010101010101" pitchFamily="50" charset="-128"/>
+                <a:ea typeface="AR P丸ゴシック体M" panose="020B0600010101010101" pitchFamily="50" charset="-128"/>
+                <a:cs typeface="Times New Roman" panose="02020603050405020304" pitchFamily="18" charset="0"/>
+              </a:rPr>
+              <a:t>　</a:t>
+            </a:r>
+            <a:r>
+              <a:rPr lang="ja-JP" altLang="ja-JP" sz="900" b="1" kern="100" dirty="0">
+                <a:solidFill>
+                  <a:schemeClr val="bg1"/>
+                </a:solidFill>
+                <a:latin typeface="AR P丸ゴシック体M" panose="020B0600010101010101" pitchFamily="50" charset="-128"/>
+                <a:ea typeface="AR P丸ゴシック体M" panose="020B0600010101010101" pitchFamily="50" charset="-128"/>
+                <a:cs typeface="Times New Roman" panose="02020603050405020304" pitchFamily="18" charset="0"/>
+              </a:rPr>
+              <a:t>な</a:t>
+            </a:r>
+            <a:r>
+              <a:rPr lang="ja-JP" altLang="en-US" sz="900" b="1" kern="100" dirty="0">
+                <a:solidFill>
+                  <a:schemeClr val="bg1"/>
+                </a:solidFill>
+                <a:latin typeface="AR P丸ゴシック体M" panose="020B0600010101010101" pitchFamily="50" charset="-128"/>
+                <a:ea typeface="AR P丸ゴシック体M" panose="020B0600010101010101" pitchFamily="50" charset="-128"/>
+                <a:cs typeface="Times New Roman" panose="02020603050405020304" pitchFamily="18" charset="0"/>
+              </a:rPr>
+              <a:t>　</a:t>
+            </a:r>
+            <a:r>
+              <a:rPr lang="ja-JP" altLang="ja-JP" sz="900" b="1" kern="100" dirty="0">
+                <a:solidFill>
+                  <a:schemeClr val="bg1"/>
+                </a:solidFill>
+                <a:latin typeface="AR P丸ゴシック体M" panose="020B0600010101010101" pitchFamily="50" charset="-128"/>
+                <a:ea typeface="AR P丸ゴシック体M" panose="020B0600010101010101" pitchFamily="50" charset="-128"/>
+                <a:cs typeface="Times New Roman" panose="02020603050405020304" pitchFamily="18" charset="0"/>
+              </a:rPr>
+              <a:t>が</a:t>
+            </a:r>
+            <a:r>
+              <a:rPr lang="ja-JP" altLang="en-US" sz="900" b="1" kern="100" dirty="0">
+                <a:solidFill>
+                  <a:schemeClr val="bg1"/>
+                </a:solidFill>
+                <a:latin typeface="AR P丸ゴシック体M" panose="020B0600010101010101" pitchFamily="50" charset="-128"/>
+                <a:ea typeface="AR P丸ゴシック体M" panose="020B0600010101010101" pitchFamily="50" charset="-128"/>
+                <a:cs typeface="Times New Roman" panose="02020603050405020304" pitchFamily="18" charset="0"/>
+              </a:rPr>
+              <a:t>　</a:t>
+            </a:r>
+            <a:r>
+              <a:rPr lang="ja-JP" altLang="ja-JP" sz="900" b="1" kern="100" dirty="0">
+                <a:solidFill>
+                  <a:schemeClr val="bg1"/>
+                </a:solidFill>
+                <a:latin typeface="AR P丸ゴシック体M" panose="020B0600010101010101" pitchFamily="50" charset="-128"/>
+                <a:ea typeface="AR P丸ゴシック体M" panose="020B0600010101010101" pitchFamily="50" charset="-128"/>
+                <a:cs typeface="Times New Roman" panose="02020603050405020304" pitchFamily="18" charset="0"/>
+              </a:rPr>
+              <a:t>る</a:t>
+            </a:r>
+            <a:r>
+              <a:rPr lang="ja-JP" altLang="en-US" sz="900" b="1" kern="100" dirty="0">
+                <a:solidFill>
+                  <a:schemeClr val="bg1"/>
+                </a:solidFill>
+                <a:latin typeface="AR P丸ゴシック体M" panose="020B0600010101010101" pitchFamily="50" charset="-128"/>
+                <a:ea typeface="AR P丸ゴシック体M" panose="020B0600010101010101" pitchFamily="50" charset="-128"/>
+                <a:cs typeface="Times New Roman" panose="02020603050405020304" pitchFamily="18" charset="0"/>
+              </a:rPr>
+              <a:t>　行　政　サ　</a:t>
+            </a:r>
+            <a:r>
+              <a:rPr lang="en-US" altLang="ja-JP" sz="900" b="1" kern="100" dirty="0">
+                <a:solidFill>
+                  <a:schemeClr val="bg1"/>
+                </a:solidFill>
+                <a:latin typeface="AR P丸ゴシック体M" panose="020B0600010101010101" pitchFamily="50" charset="-128"/>
+                <a:ea typeface="AR P丸ゴシック体M" panose="020B0600010101010101" pitchFamily="50" charset="-128"/>
+                <a:cs typeface="Times New Roman" panose="02020603050405020304" pitchFamily="18" charset="0"/>
+              </a:rPr>
+              <a:t>―</a:t>
+            </a:r>
+            <a:r>
+              <a:rPr lang="ja-JP" altLang="en-US" sz="900" b="1" kern="100" dirty="0">
+                <a:solidFill>
+                  <a:schemeClr val="bg1"/>
+                </a:solidFill>
+                <a:latin typeface="AR P丸ゴシック体M" panose="020B0600010101010101" pitchFamily="50" charset="-128"/>
+                <a:ea typeface="AR P丸ゴシック体M" panose="020B0600010101010101" pitchFamily="50" charset="-128"/>
+                <a:cs typeface="Times New Roman" panose="02020603050405020304" pitchFamily="18" charset="0"/>
+              </a:rPr>
+              <a:t>　ビ　ス　</a:t>
+            </a:r>
+            <a:r>
+              <a:rPr lang="en-US" altLang="ja-JP" sz="900" b="1" kern="100" dirty="0">
+                <a:solidFill>
+                  <a:schemeClr val="bg1"/>
+                </a:solidFill>
+                <a:latin typeface="AR P丸ゴシック体M" panose="020B0600010101010101" pitchFamily="50" charset="-128"/>
+                <a:ea typeface="AR P丸ゴシック体M" panose="020B0600010101010101" pitchFamily="50" charset="-128"/>
+                <a:cs typeface="Times New Roman" panose="02020603050405020304" pitchFamily="18" charset="0"/>
+              </a:rPr>
+              <a:t> ―</a:t>
+            </a:r>
+            <a:r>
+              <a:rPr lang="ja-JP" altLang="en-US" sz="900" b="1" kern="100" dirty="0">
+                <a:solidFill>
+                  <a:schemeClr val="bg1"/>
+                </a:solidFill>
+                <a:latin typeface="AR P丸ゴシック体M" panose="020B0600010101010101" pitchFamily="50" charset="-128"/>
+                <a:ea typeface="AR P丸ゴシック体M" panose="020B0600010101010101" pitchFamily="50" charset="-128"/>
+                <a:cs typeface="Times New Roman" panose="02020603050405020304" pitchFamily="18" charset="0"/>
+              </a:rPr>
+              <a:t>　</a:t>
+            </a:r>
+            <a:r>
+              <a:rPr lang="en-US" altLang="ja-JP" sz="900" b="1" kern="100" dirty="0">
+                <a:solidFill>
+                  <a:schemeClr val="bg1"/>
+                </a:solidFill>
+                <a:latin typeface="AR P丸ゴシック体M" panose="020B0600010101010101" pitchFamily="50" charset="-128"/>
+                <a:ea typeface="AR P丸ゴシック体M" panose="020B0600010101010101" pitchFamily="50" charset="-128"/>
+                <a:cs typeface="Times New Roman" panose="02020603050405020304" pitchFamily="18" charset="0"/>
+              </a:rPr>
+              <a:t>1</a:t>
+            </a:r>
+            <a:r>
+              <a:rPr lang="ja-JP" altLang="en-US" sz="900" b="1" kern="100" dirty="0">
+                <a:solidFill>
+                  <a:schemeClr val="bg1"/>
+                </a:solidFill>
+                <a:latin typeface="AR P丸ゴシック体M" panose="020B0600010101010101" pitchFamily="50" charset="-128"/>
+                <a:ea typeface="AR P丸ゴシック体M" panose="020B0600010101010101" pitchFamily="50" charset="-128"/>
+                <a:cs typeface="Times New Roman" panose="02020603050405020304" pitchFamily="18" charset="0"/>
+              </a:rPr>
+              <a:t>　･　</a:t>
+            </a:r>
+            <a:r>
+              <a:rPr lang="en-US" altLang="ja-JP" sz="900" b="1" kern="100" dirty="0">
+                <a:solidFill>
+                  <a:schemeClr val="bg1"/>
+                </a:solidFill>
+                <a:latin typeface="AR P丸ゴシック体M" panose="020B0600010101010101" pitchFamily="50" charset="-128"/>
+                <a:ea typeface="AR P丸ゴシック体M" panose="020B0600010101010101" pitchFamily="50" charset="-128"/>
+                <a:cs typeface="Times New Roman" panose="02020603050405020304" pitchFamily="18" charset="0"/>
+              </a:rPr>
+              <a:t>0</a:t>
+            </a:r>
+          </a:p>
+        </p:txBody>
+      </p:sp>
+      <p:sp>
+        <p:nvSpPr>
+          <p:cNvPr id="15" name="字幕 2">
+            <a:extLst>
+              <a:ext uri="{FF2B5EF4-FFF2-40B4-BE49-F238E27FC236}">
+                <a16:creationId xmlns:a16="http://schemas.microsoft.com/office/drawing/2014/main" id="{6779586E-5A37-77B8-351D-AF97E8F55BC2}"/>
+              </a:ext>
+            </a:extLst>
+          </p:cNvPr>
+          <p:cNvSpPr txBox="1">
+            <a:spLocks/>
+          </p:cNvSpPr>
+          <p:nvPr/>
+        </p:nvSpPr>
+        <p:spPr>
+          <a:xfrm>
+            <a:off x="214186" y="1911468"/>
+            <a:ext cx="3977795" cy="1230657"/>
+          </a:xfrm>
+          <a:prstGeom prst="rect">
+            <a:avLst/>
+          </a:prstGeom>
+        </p:spPr>
+        <p:txBody>
+          <a:bodyPr vert="horz" lIns="91440" tIns="45720" rIns="91440" bIns="45720" rtlCol="0">
+            <a:noAutofit/>
+          </a:bodyPr>
+          <a:lstStyle>
+            <a:lvl1pPr marL="0" indent="0" algn="ctr" defTabSz="914400" rtl="0" eaLnBrk="1" latinLnBrk="0" hangingPunct="1">
+              <a:lnSpc>
+                <a:spcPct val="90000"/>
+              </a:lnSpc>
+              <a:spcBef>
+                <a:spcPts val="1000"/>
+              </a:spcBef>
+              <a:buFont typeface="Arial" panose="020B0604020202020204" pitchFamily="34" charset="0"/>
+              <a:buNone/>
+              <a:defRPr kumimoji="1" sz="2400" kern="1200">
+                <a:solidFill>
+                  <a:schemeClr val="tx1"/>
+                </a:solidFill>
+                <a:latin typeface="+mn-lt"/>
+                <a:ea typeface="+mn-ea"/>
+                <a:cs typeface="+mn-cs"/>
+              </a:defRPr>
+            </a:lvl1pPr>
+            <a:lvl2pPr marL="457200" indent="0" algn="ctr" defTabSz="914400" rtl="0" eaLnBrk="1" latinLnBrk="0" hangingPunct="1">
+              <a:lnSpc>
+                <a:spcPct val="90000"/>
+              </a:lnSpc>
+              <a:spcBef>
+                <a:spcPts val="500"/>
+              </a:spcBef>
+              <a:buFont typeface="Arial" panose="020B0604020202020204" pitchFamily="34" charset="0"/>
+              <a:buNone/>
+              <a:defRPr kumimoji="1" sz="2000" kern="1200">
+                <a:solidFill>
+                  <a:schemeClr val="tx1"/>
+                </a:solidFill>
+                <a:latin typeface="+mn-lt"/>
+                <a:ea typeface="+mn-ea"/>
+                <a:cs typeface="+mn-cs"/>
+              </a:defRPr>
+            </a:lvl2pPr>
+            <a:lvl3pPr marL="914400" indent="0" algn="ctr" defTabSz="914400" rtl="0" eaLnBrk="1" latinLnBrk="0" hangingPunct="1">
+              <a:lnSpc>
+                <a:spcPct val="90000"/>
+              </a:lnSpc>
+              <a:spcBef>
+                <a:spcPts val="500"/>
+              </a:spcBef>
+              <a:buFont typeface="Arial" panose="020B0604020202020204" pitchFamily="34" charset="0"/>
+              <a:buNone/>
+              <a:defRPr kumimoji="1" sz="1800" kern="1200">
+                <a:solidFill>
+                  <a:schemeClr val="tx1"/>
+                </a:solidFill>
+                <a:latin typeface="+mn-lt"/>
+                <a:ea typeface="+mn-ea"/>
+                <a:cs typeface="+mn-cs"/>
+              </a:defRPr>
+            </a:lvl3pPr>
+            <a:lvl4pPr marL="1371600" indent="0" algn="ctr" defTabSz="914400" rtl="0" eaLnBrk="1" latinLnBrk="0" hangingPunct="1">
+              <a:lnSpc>
+                <a:spcPct val="90000"/>
+              </a:lnSpc>
+              <a:spcBef>
+                <a:spcPts val="500"/>
+              </a:spcBef>
+              <a:buFont typeface="Arial" panose="020B0604020202020204" pitchFamily="34" charset="0"/>
+              <a:buNone/>
+              <a:defRPr kumimoji="1" sz="1600" kern="1200">
+                <a:solidFill>
+                  <a:schemeClr val="tx1"/>
+                </a:solidFill>
+                <a:latin typeface="+mn-lt"/>
+                <a:ea typeface="+mn-ea"/>
+                <a:cs typeface="+mn-cs"/>
+              </a:defRPr>
+            </a:lvl4pPr>
+            <a:lvl5pPr marL="1828800" indent="0" algn="ctr" defTabSz="914400" rtl="0" eaLnBrk="1" latinLnBrk="0" hangingPunct="1">
+              <a:lnSpc>
+                <a:spcPct val="90000"/>
+              </a:lnSpc>
+              <a:spcBef>
+                <a:spcPts val="500"/>
+              </a:spcBef>
+              <a:buFont typeface="Arial" panose="020B0604020202020204" pitchFamily="34" charset="0"/>
+              <a:buNone/>
+              <a:defRPr kumimoji="1" sz="1600" kern="1200">
+                <a:solidFill>
+                  <a:schemeClr val="tx1"/>
+                </a:solidFill>
+                <a:latin typeface="+mn-lt"/>
+                <a:ea typeface="+mn-ea"/>
+                <a:cs typeface="+mn-cs"/>
+              </a:defRPr>
+            </a:lvl5pPr>
+            <a:lvl6pPr marL="2286000" indent="0" algn="ctr" defTabSz="914400" rtl="0" eaLnBrk="1" latinLnBrk="0" hangingPunct="1">
+              <a:lnSpc>
+                <a:spcPct val="90000"/>
+              </a:lnSpc>
+              <a:spcBef>
+                <a:spcPts val="500"/>
+              </a:spcBef>
+              <a:buFont typeface="Arial" panose="020B0604020202020204" pitchFamily="34" charset="0"/>
+              <a:buNone/>
+              <a:defRPr kumimoji="1" sz="1600" kern="1200">
+                <a:solidFill>
+                  <a:schemeClr val="tx1"/>
+                </a:solidFill>
+                <a:latin typeface="+mn-lt"/>
+                <a:ea typeface="+mn-ea"/>
+                <a:cs typeface="+mn-cs"/>
+              </a:defRPr>
+            </a:lvl6pPr>
+            <a:lvl7pPr marL="2743200" indent="0" algn="ctr" defTabSz="914400" rtl="0" eaLnBrk="1" latinLnBrk="0" hangingPunct="1">
+              <a:lnSpc>
+                <a:spcPct val="90000"/>
+              </a:lnSpc>
+              <a:spcBef>
+                <a:spcPts val="500"/>
+              </a:spcBef>
+              <a:buFont typeface="Arial" panose="020B0604020202020204" pitchFamily="34" charset="0"/>
+              <a:buNone/>
+              <a:defRPr kumimoji="1" sz="1600" kern="1200">
+                <a:solidFill>
+                  <a:schemeClr val="tx1"/>
+                </a:solidFill>
+                <a:latin typeface="+mn-lt"/>
+                <a:ea typeface="+mn-ea"/>
+                <a:cs typeface="+mn-cs"/>
+              </a:defRPr>
+            </a:lvl7pPr>
+            <a:lvl8pPr marL="3200400" indent="0" algn="ctr" defTabSz="914400" rtl="0" eaLnBrk="1" latinLnBrk="0" hangingPunct="1">
+              <a:lnSpc>
+                <a:spcPct val="90000"/>
+              </a:lnSpc>
+              <a:spcBef>
+                <a:spcPts val="500"/>
+              </a:spcBef>
+              <a:buFont typeface="Arial" panose="020B0604020202020204" pitchFamily="34" charset="0"/>
+              <a:buNone/>
+              <a:defRPr kumimoji="1" sz="1600" kern="1200">
+                <a:solidFill>
+                  <a:schemeClr val="tx1"/>
+                </a:solidFill>
+                <a:latin typeface="+mn-lt"/>
+                <a:ea typeface="+mn-ea"/>
+                <a:cs typeface="+mn-cs"/>
+              </a:defRPr>
+            </a:lvl8pPr>
+            <a:lvl9pPr marL="3657600" indent="0" algn="ctr" defTabSz="914400" rtl="0" eaLnBrk="1" latinLnBrk="0" hangingPunct="1">
+              <a:lnSpc>
+                <a:spcPct val="90000"/>
+              </a:lnSpc>
+              <a:spcBef>
+                <a:spcPts val="500"/>
+              </a:spcBef>
+              <a:buFont typeface="Arial" panose="020B0604020202020204" pitchFamily="34" charset="0"/>
+              <a:buNone/>
+              <a:defRPr kumimoji="1" sz="1600" kern="1200">
+                <a:solidFill>
+                  <a:schemeClr val="tx1"/>
+                </a:solidFill>
+                <a:latin typeface="+mn-lt"/>
+                <a:ea typeface="+mn-ea"/>
+                <a:cs typeface="+mn-cs"/>
+              </a:defRPr>
+            </a:lvl9pPr>
+          </a:lstStyle>
+          <a:p>
+            <a:r>
+              <a:rPr lang="en-US" altLang="ja-JP" sz="6000" b="1" kern="100" dirty="0">
+                <a:solidFill>
+                  <a:schemeClr val="bg1"/>
+                </a:solidFill>
+                <a:latin typeface="AR P明朝体U" panose="020B0600010101010101" pitchFamily="50" charset="-128"/>
+                <a:ea typeface="AR P明朝体U" panose="020B0600010101010101" pitchFamily="50" charset="-128"/>
+                <a:cs typeface="Times New Roman" panose="02020603050405020304" pitchFamily="18" charset="0"/>
+              </a:rPr>
+              <a:t>—</a:t>
+            </a:r>
+            <a:endParaRPr lang="ja-JP" altLang="ja-JP" sz="6000" b="1" kern="100" dirty="0">
+              <a:solidFill>
+                <a:schemeClr val="bg1"/>
+              </a:solidFill>
+              <a:latin typeface="AR P明朝体U" panose="020B0600010101010101" pitchFamily="50" charset="-128"/>
+              <a:ea typeface="AR P明朝体U" panose="020B0600010101010101" pitchFamily="50" charset="-128"/>
+              <a:cs typeface="Times New Roman" panose="02020603050405020304" pitchFamily="18" charset="0"/>
+            </a:endParaRPr>
+          </a:p>
+        </p:txBody>
+      </p:sp>
+    </p:spTree>
+    <p:extLst>
+      <p:ext uri="{BB962C8B-B14F-4D97-AF65-F5344CB8AC3E}">
+        <p14:creationId xmlns:p14="http://schemas.microsoft.com/office/powerpoint/2010/main" val="3744046603"/>
+      </p:ext>
+    </p:extLst>
+  </p:cSld>
+  <p:clrMapOvr>
+    <a:masterClrMapping/>
+  </p:clrMapOvr>
+</p:sld>
+</file>
+
 <file path=ppt/theme/theme1.xml><?xml version="1.0" encoding="utf-8"?>
 <a:theme xmlns:a="http://schemas.openxmlformats.org/drawingml/2006/main" name="Office テーマ">
   <a:themeElements>
